--- a/2. Понимание потребностей пользователей/2_2_4_Raskadrovka.pptx
+++ b/2. Понимание потребностей пользователей/2_2_4_Raskadrovka.pptx
@@ -5,7 +5,7 @@
     <p:sldMasterId id="2147483648" r:id="rId1"/>
   </p:sldMasterIdLst>
   <p:notesMasterIdLst>
-    <p:notesMasterId r:id="rId15"/>
+    <p:notesMasterId r:id="rId28"/>
   </p:notesMasterIdLst>
   <p:sldIdLst>
     <p:sldId id="256" r:id="rId2"/>
@@ -21,6 +21,19 @@
     <p:sldId id="266" r:id="rId12"/>
     <p:sldId id="267" r:id="rId13"/>
     <p:sldId id="269" r:id="rId14"/>
+    <p:sldId id="270" r:id="rId15"/>
+    <p:sldId id="271" r:id="rId16"/>
+    <p:sldId id="274" r:id="rId17"/>
+    <p:sldId id="275" r:id="rId18"/>
+    <p:sldId id="276" r:id="rId19"/>
+    <p:sldId id="277" r:id="rId20"/>
+    <p:sldId id="272" r:id="rId21"/>
+    <p:sldId id="278" r:id="rId22"/>
+    <p:sldId id="279" r:id="rId23"/>
+    <p:sldId id="280" r:id="rId24"/>
+    <p:sldId id="281" r:id="rId25"/>
+    <p:sldId id="283" r:id="rId26"/>
+    <p:sldId id="282" r:id="rId27"/>
   </p:sldIdLst>
   <p:sldSz cx="9144000" cy="6858000" type="screen4x3"/>
   <p:notesSz cx="6858000" cy="9144000"/>
@@ -204,7 +217,7 @@
           <a:p>
             <a:fld id="{EDC97645-B03A-416B-B968-89DEBBDD6141}" type="datetimeFigureOut">
               <a:rPr lang="ru-RU" smtClean="0"/>
-              <a:t>24.04.2017</a:t>
+              <a:t>14.05.2017</a:t>
             </a:fld>
             <a:endParaRPr lang="ru-RU"/>
           </a:p>
@@ -821,7 +834,7 @@
           <a:p>
             <a:fld id="{B4C71EC6-210F-42DE-9C53-41977AD35B3D}" type="datetimeFigureOut">
               <a:rPr lang="ru-RU" smtClean="0"/>
-              <a:t>24.04.2017</a:t>
+              <a:t>14.05.2017</a:t>
             </a:fld>
             <a:endParaRPr lang="ru-RU"/>
           </a:p>
@@ -986,7 +999,7 @@
           <a:p>
             <a:fld id="{B4C71EC6-210F-42DE-9C53-41977AD35B3D}" type="datetimeFigureOut">
               <a:rPr lang="ru-RU" smtClean="0"/>
-              <a:t>24.04.2017</a:t>
+              <a:t>14.05.2017</a:t>
             </a:fld>
             <a:endParaRPr lang="ru-RU"/>
           </a:p>
@@ -1161,7 +1174,7 @@
           <a:p>
             <a:fld id="{B4C71EC6-210F-42DE-9C53-41977AD35B3D}" type="datetimeFigureOut">
               <a:rPr lang="ru-RU" smtClean="0"/>
-              <a:t>24.04.2017</a:t>
+              <a:t>14.05.2017</a:t>
             </a:fld>
             <a:endParaRPr lang="ru-RU"/>
           </a:p>
@@ -1326,7 +1339,7 @@
           <a:p>
             <a:fld id="{B4C71EC6-210F-42DE-9C53-41977AD35B3D}" type="datetimeFigureOut">
               <a:rPr lang="ru-RU" smtClean="0"/>
-              <a:t>24.04.2017</a:t>
+              <a:t>14.05.2017</a:t>
             </a:fld>
             <a:endParaRPr lang="ru-RU"/>
           </a:p>
@@ -1567,7 +1580,7 @@
           <a:p>
             <a:fld id="{B4C71EC6-210F-42DE-9C53-41977AD35B3D}" type="datetimeFigureOut">
               <a:rPr lang="ru-RU" smtClean="0"/>
-              <a:t>24.04.2017</a:t>
+              <a:t>14.05.2017</a:t>
             </a:fld>
             <a:endParaRPr lang="ru-RU"/>
           </a:p>
@@ -1850,7 +1863,7 @@
           <a:p>
             <a:fld id="{B4C71EC6-210F-42DE-9C53-41977AD35B3D}" type="datetimeFigureOut">
               <a:rPr lang="ru-RU" smtClean="0"/>
-              <a:t>24.04.2017</a:t>
+              <a:t>14.05.2017</a:t>
             </a:fld>
             <a:endParaRPr lang="ru-RU"/>
           </a:p>
@@ -2267,7 +2280,7 @@
           <a:p>
             <a:fld id="{B4C71EC6-210F-42DE-9C53-41977AD35B3D}" type="datetimeFigureOut">
               <a:rPr lang="ru-RU" smtClean="0"/>
-              <a:t>24.04.2017</a:t>
+              <a:t>14.05.2017</a:t>
             </a:fld>
             <a:endParaRPr lang="ru-RU"/>
           </a:p>
@@ -2380,7 +2393,7 @@
           <a:p>
             <a:fld id="{B4C71EC6-210F-42DE-9C53-41977AD35B3D}" type="datetimeFigureOut">
               <a:rPr lang="ru-RU" smtClean="0"/>
-              <a:t>24.04.2017</a:t>
+              <a:t>14.05.2017</a:t>
             </a:fld>
             <a:endParaRPr lang="ru-RU"/>
           </a:p>
@@ -2470,7 +2483,7 @@
           <a:p>
             <a:fld id="{B4C71EC6-210F-42DE-9C53-41977AD35B3D}" type="datetimeFigureOut">
               <a:rPr lang="ru-RU" smtClean="0"/>
-              <a:t>24.04.2017</a:t>
+              <a:t>14.05.2017</a:t>
             </a:fld>
             <a:endParaRPr lang="ru-RU"/>
           </a:p>
@@ -2742,7 +2755,7 @@
           <a:p>
             <a:fld id="{B4C71EC6-210F-42DE-9C53-41977AD35B3D}" type="datetimeFigureOut">
               <a:rPr lang="ru-RU" smtClean="0"/>
-              <a:t>24.04.2017</a:t>
+              <a:t>14.05.2017</a:t>
             </a:fld>
             <a:endParaRPr lang="ru-RU"/>
           </a:p>
@@ -2990,7 +3003,7 @@
           <a:p>
             <a:fld id="{B4C71EC6-210F-42DE-9C53-41977AD35B3D}" type="datetimeFigureOut">
               <a:rPr lang="ru-RU" smtClean="0"/>
-              <a:t>24.04.2017</a:t>
+              <a:t>14.05.2017</a:t>
             </a:fld>
             <a:endParaRPr lang="ru-RU"/>
           </a:p>
@@ -3198,7 +3211,7 @@
           <a:p>
             <a:fld id="{B4C71EC6-210F-42DE-9C53-41977AD35B3D}" type="datetimeFigureOut">
               <a:rPr lang="ru-RU" smtClean="0"/>
-              <a:t>24.04.2017</a:t>
+              <a:t>14.05.2017</a:t>
             </a:fld>
             <a:endParaRPr lang="ru-RU"/>
           </a:p>
@@ -6006,6 +6019,4483 @@
 </p:sld>
 </file>
 
+<file path=ppt/slides/slide14.xml><?xml version="1.0" encoding="utf-8"?>
+<p:sld xmlns:a="http://schemas.openxmlformats.org/drawingml/2006/main" xmlns:r="http://schemas.openxmlformats.org/officeDocument/2006/relationships" xmlns:p="http://schemas.openxmlformats.org/presentationml/2006/main">
+  <p:cSld>
+    <p:spTree>
+      <p:nvGrpSpPr>
+        <p:cNvPr id="1" name=""/>
+        <p:cNvGrpSpPr/>
+        <p:nvPr/>
+      </p:nvGrpSpPr>
+      <p:grpSpPr>
+        <a:xfrm>
+          <a:off x="0" y="0"/>
+          <a:ext cx="0" cy="0"/>
+          <a:chOff x="0" y="0"/>
+          <a:chExt cx="0" cy="0"/>
+        </a:xfrm>
+      </p:grpSpPr>
+      <p:sp>
+        <p:nvSpPr>
+          <p:cNvPr id="4" name="Заголовок 1"/>
+          <p:cNvSpPr>
+            <a:spLocks noGrp="1"/>
+          </p:cNvSpPr>
+          <p:nvPr>
+            <p:ph type="title"/>
+          </p:nvPr>
+        </p:nvSpPr>
+        <p:spPr>
+          <a:xfrm>
+            <a:off x="539552" y="2636912"/>
+            <a:ext cx="8229600" cy="1143000"/>
+          </a:xfrm>
+        </p:spPr>
+        <p:txBody>
+          <a:bodyPr>
+            <a:normAutofit fontScale="90000"/>
+          </a:bodyPr>
+          <a:lstStyle/>
+          <a:p>
+            <a:r>
+              <a:rPr lang="ru-RU" dirty="0" smtClean="0"/>
+              <a:t>Система диспетчеризации курьеров</a:t>
+            </a:r>
+            <a:endParaRPr lang="ru-RU" dirty="0"/>
+          </a:p>
+        </p:txBody>
+      </p:sp>
+    </p:spTree>
+    <p:extLst>
+      <p:ext uri="{BB962C8B-B14F-4D97-AF65-F5344CB8AC3E}">
+        <p14:creationId xmlns:p14="http://schemas.microsoft.com/office/powerpoint/2010/main" val="1642187090"/>
+      </p:ext>
+    </p:extLst>
+  </p:cSld>
+  <p:clrMapOvr>
+    <a:masterClrMapping/>
+  </p:clrMapOvr>
+  <p:timing>
+    <p:tnLst>
+      <p:par>
+        <p:cTn id="1" dur="indefinite" restart="never" nodeType="tmRoot"/>
+      </p:par>
+    </p:tnLst>
+  </p:timing>
+</p:sld>
+</file>
+
+<file path=ppt/slides/slide15.xml><?xml version="1.0" encoding="utf-8"?>
+<p:sld xmlns:a="http://schemas.openxmlformats.org/drawingml/2006/main" xmlns:r="http://schemas.openxmlformats.org/officeDocument/2006/relationships" xmlns:p="http://schemas.openxmlformats.org/presentationml/2006/main">
+  <p:cSld>
+    <p:spTree>
+      <p:nvGrpSpPr>
+        <p:cNvPr id="1" name=""/>
+        <p:cNvGrpSpPr/>
+        <p:nvPr/>
+      </p:nvGrpSpPr>
+      <p:grpSpPr>
+        <a:xfrm>
+          <a:off x="0" y="0"/>
+          <a:ext cx="0" cy="0"/>
+          <a:chOff x="0" y="0"/>
+          <a:chExt cx="0" cy="0"/>
+        </a:xfrm>
+      </p:grpSpPr>
+      <p:sp>
+        <p:nvSpPr>
+          <p:cNvPr id="4" name="Скругленный прямоугольник 3"/>
+          <p:cNvSpPr/>
+          <p:nvPr/>
+        </p:nvSpPr>
+        <p:spPr>
+          <a:xfrm>
+            <a:off x="1047897" y="1950052"/>
+            <a:ext cx="2232248" cy="3331005"/>
+          </a:xfrm>
+          <a:prstGeom prst="roundRect">
+            <a:avLst/>
+          </a:prstGeom>
+          <a:solidFill>
+            <a:srgbClr val="FFFF00">
+              <a:alpha val="51000"/>
+            </a:srgbClr>
+          </a:solidFill>
+          <a:ln>
+            <a:solidFill>
+              <a:srgbClr val="FFC000"/>
+            </a:solidFill>
+          </a:ln>
+        </p:spPr>
+        <p:style>
+          <a:lnRef idx="2">
+            <a:schemeClr val="accent1">
+              <a:shade val="50000"/>
+            </a:schemeClr>
+          </a:lnRef>
+          <a:fillRef idx="1">
+            <a:schemeClr val="accent1"/>
+          </a:fillRef>
+          <a:effectRef idx="0">
+            <a:schemeClr val="accent1"/>
+          </a:effectRef>
+          <a:fontRef idx="minor">
+            <a:schemeClr val="lt1"/>
+          </a:fontRef>
+        </p:style>
+        <p:txBody>
+          <a:bodyPr rtlCol="0" anchor="ctr"/>
+          <a:lstStyle/>
+          <a:p>
+            <a:pPr algn="ctr"/>
+            <a:endParaRPr lang="ru-RU"/>
+          </a:p>
+        </p:txBody>
+      </p:sp>
+      <p:cxnSp>
+        <p:nvCxnSpPr>
+          <p:cNvPr id="5" name="Прямая соединительная линия 4"/>
+          <p:cNvCxnSpPr/>
+          <p:nvPr/>
+        </p:nvCxnSpPr>
+        <p:spPr>
+          <a:xfrm>
+            <a:off x="1047897" y="2404876"/>
+            <a:ext cx="2232248" cy="0"/>
+          </a:xfrm>
+          <a:prstGeom prst="line">
+            <a:avLst/>
+          </a:prstGeom>
+          <a:ln>
+            <a:solidFill>
+              <a:srgbClr val="FFC000"/>
+            </a:solidFill>
+          </a:ln>
+        </p:spPr>
+        <p:style>
+          <a:lnRef idx="1">
+            <a:schemeClr val="accent1"/>
+          </a:lnRef>
+          <a:fillRef idx="0">
+            <a:schemeClr val="accent1"/>
+          </a:fillRef>
+          <a:effectRef idx="0">
+            <a:schemeClr val="accent1"/>
+          </a:effectRef>
+          <a:fontRef idx="minor">
+            <a:schemeClr val="tx1"/>
+          </a:fontRef>
+        </p:style>
+      </p:cxnSp>
+      <p:cxnSp>
+        <p:nvCxnSpPr>
+          <p:cNvPr id="6" name="Прямая соединительная линия 5"/>
+          <p:cNvCxnSpPr/>
+          <p:nvPr/>
+        </p:nvCxnSpPr>
+        <p:spPr>
+          <a:xfrm>
+            <a:off x="1037227" y="4737568"/>
+            <a:ext cx="2232248" cy="0"/>
+          </a:xfrm>
+          <a:prstGeom prst="line">
+            <a:avLst/>
+          </a:prstGeom>
+          <a:ln>
+            <a:solidFill>
+              <a:srgbClr val="FFC000"/>
+            </a:solidFill>
+          </a:ln>
+        </p:spPr>
+        <p:style>
+          <a:lnRef idx="1">
+            <a:schemeClr val="accent1"/>
+          </a:lnRef>
+          <a:fillRef idx="0">
+            <a:schemeClr val="accent1"/>
+          </a:fillRef>
+          <a:effectRef idx="0">
+            <a:schemeClr val="accent1"/>
+          </a:effectRef>
+          <a:fontRef idx="minor">
+            <a:schemeClr val="tx1"/>
+          </a:fontRef>
+        </p:style>
+      </p:cxnSp>
+      <p:cxnSp>
+        <p:nvCxnSpPr>
+          <p:cNvPr id="7" name="Прямая соединительная линия 6"/>
+          <p:cNvCxnSpPr/>
+          <p:nvPr/>
+        </p:nvCxnSpPr>
+        <p:spPr>
+          <a:xfrm>
+            <a:off x="1047897" y="2738952"/>
+            <a:ext cx="2232248" cy="0"/>
+          </a:xfrm>
+          <a:prstGeom prst="line">
+            <a:avLst/>
+          </a:prstGeom>
+          <a:ln>
+            <a:solidFill>
+              <a:srgbClr val="FFC000"/>
+            </a:solidFill>
+          </a:ln>
+        </p:spPr>
+        <p:style>
+          <a:lnRef idx="1">
+            <a:schemeClr val="accent1"/>
+          </a:lnRef>
+          <a:fillRef idx="0">
+            <a:schemeClr val="accent1"/>
+          </a:fillRef>
+          <a:effectRef idx="0">
+            <a:schemeClr val="accent1"/>
+          </a:effectRef>
+          <a:fontRef idx="minor">
+            <a:schemeClr val="tx1"/>
+          </a:fontRef>
+        </p:style>
+      </p:cxnSp>
+      <p:sp>
+        <p:nvSpPr>
+          <p:cNvPr id="12" name="TextBox 11"/>
+          <p:cNvSpPr txBox="1"/>
+          <p:nvPr/>
+        </p:nvSpPr>
+        <p:spPr>
+          <a:xfrm>
+            <a:off x="1083901" y="2094069"/>
+            <a:ext cx="2160240" cy="253916"/>
+          </a:xfrm>
+          <a:prstGeom prst="rect">
+            <a:avLst/>
+          </a:prstGeom>
+          <a:noFill/>
+        </p:spPr>
+        <p:txBody>
+          <a:bodyPr wrap="square" rtlCol="0">
+            <a:spAutoFit/>
+          </a:bodyPr>
+          <a:lstStyle/>
+          <a:p>
+            <a:pPr algn="ctr"/>
+            <a:r>
+              <a:rPr lang="ru-RU" sz="1050" dirty="0" smtClean="0"/>
+              <a:t>Код и ФИО курьера №1</a:t>
+            </a:r>
+            <a:endParaRPr lang="ru-RU" sz="1050" dirty="0"/>
+          </a:p>
+        </p:txBody>
+      </p:sp>
+      <p:sp>
+        <p:nvSpPr>
+          <p:cNvPr id="14" name="TextBox 13"/>
+          <p:cNvSpPr txBox="1"/>
+          <p:nvPr/>
+        </p:nvSpPr>
+        <p:spPr>
+          <a:xfrm>
+            <a:off x="1403847" y="2485036"/>
+            <a:ext cx="1548172" cy="253916"/>
+          </a:xfrm>
+          <a:prstGeom prst="rect">
+            <a:avLst/>
+          </a:prstGeom>
+          <a:noFill/>
+        </p:spPr>
+        <p:txBody>
+          <a:bodyPr wrap="square" rtlCol="0">
+            <a:spAutoFit/>
+          </a:bodyPr>
+          <a:lstStyle/>
+          <a:p>
+            <a:pPr algn="ctr"/>
+            <a:r>
+              <a:rPr lang="ru-RU" sz="1050" dirty="0"/>
+              <a:t>Код и ФИО курьера </a:t>
+            </a:r>
+            <a:r>
+              <a:rPr lang="ru-RU" sz="1050" dirty="0" smtClean="0"/>
+              <a:t>№</a:t>
+            </a:r>
+            <a:r>
+              <a:rPr lang="ru-RU" sz="1050" dirty="0"/>
+              <a:t>2</a:t>
+            </a:r>
+            <a:endParaRPr lang="ru-RU" sz="1050" dirty="0"/>
+          </a:p>
+        </p:txBody>
+      </p:sp>
+      <p:sp>
+        <p:nvSpPr>
+          <p:cNvPr id="19" name="TextBox 18"/>
+          <p:cNvSpPr txBox="1"/>
+          <p:nvPr/>
+        </p:nvSpPr>
+        <p:spPr>
+          <a:xfrm>
+            <a:off x="1930630" y="3147981"/>
+            <a:ext cx="792088" cy="769441"/>
+          </a:xfrm>
+          <a:prstGeom prst="rect">
+            <a:avLst/>
+          </a:prstGeom>
+          <a:noFill/>
+        </p:spPr>
+        <p:txBody>
+          <a:bodyPr wrap="square" rtlCol="0">
+            <a:spAutoFit/>
+          </a:bodyPr>
+          <a:lstStyle/>
+          <a:p>
+            <a:r>
+              <a:rPr lang="ru-RU" sz="4400" dirty="0" smtClean="0"/>
+              <a:t>…</a:t>
+            </a:r>
+            <a:endParaRPr lang="ru-RU" sz="4400" dirty="0"/>
+          </a:p>
+        </p:txBody>
+      </p:sp>
+      <p:sp>
+        <p:nvSpPr>
+          <p:cNvPr id="20" name="TextBox 19"/>
+          <p:cNvSpPr txBox="1"/>
+          <p:nvPr/>
+        </p:nvSpPr>
+        <p:spPr>
+          <a:xfrm>
+            <a:off x="1221620" y="1518005"/>
+            <a:ext cx="1884802" cy="369332"/>
+          </a:xfrm>
+          <a:prstGeom prst="rect">
+            <a:avLst/>
+          </a:prstGeom>
+          <a:noFill/>
+        </p:spPr>
+        <p:txBody>
+          <a:bodyPr wrap="square" rtlCol="0">
+            <a:spAutoFit/>
+          </a:bodyPr>
+          <a:lstStyle/>
+          <a:p>
+            <a:pPr algn="ctr"/>
+            <a:r>
+              <a:rPr lang="ru-RU" i="1" dirty="0" smtClean="0"/>
+              <a:t>Курьеры</a:t>
+            </a:r>
+            <a:endParaRPr lang="ru-RU" i="1" dirty="0"/>
+          </a:p>
+        </p:txBody>
+      </p:sp>
+      <p:sp>
+        <p:nvSpPr>
+          <p:cNvPr id="21" name="TextBox 20"/>
+          <p:cNvSpPr txBox="1"/>
+          <p:nvPr/>
+        </p:nvSpPr>
+        <p:spPr>
+          <a:xfrm>
+            <a:off x="1073231" y="4849010"/>
+            <a:ext cx="2160240" cy="253916"/>
+          </a:xfrm>
+          <a:prstGeom prst="rect">
+            <a:avLst/>
+          </a:prstGeom>
+          <a:noFill/>
+        </p:spPr>
+        <p:txBody>
+          <a:bodyPr wrap="square" rtlCol="0">
+            <a:spAutoFit/>
+          </a:bodyPr>
+          <a:lstStyle/>
+          <a:p>
+            <a:pPr algn="ctr"/>
+            <a:r>
+              <a:rPr lang="ru-RU" sz="1050" dirty="0" smtClean="0"/>
+              <a:t>Код и ФИО курьера №</a:t>
+            </a:r>
+            <a:r>
+              <a:rPr lang="en-US" sz="1050" dirty="0"/>
+              <a:t>n</a:t>
+            </a:r>
+            <a:endParaRPr lang="ru-RU" sz="1050" dirty="0"/>
+          </a:p>
+        </p:txBody>
+      </p:sp>
+      <p:sp>
+        <p:nvSpPr>
+          <p:cNvPr id="22" name="Багетная рамка 21"/>
+          <p:cNvSpPr/>
+          <p:nvPr/>
+        </p:nvSpPr>
+        <p:spPr>
+          <a:xfrm>
+            <a:off x="4577655" y="2728777"/>
+            <a:ext cx="3024336" cy="680325"/>
+          </a:xfrm>
+          <a:prstGeom prst="bevel">
+            <a:avLst/>
+          </a:prstGeom>
+          <a:solidFill>
+            <a:srgbClr val="FFFF00">
+              <a:alpha val="67000"/>
+            </a:srgbClr>
+          </a:solidFill>
+          <a:ln>
+            <a:solidFill>
+              <a:schemeClr val="accent6"/>
+            </a:solidFill>
+          </a:ln>
+        </p:spPr>
+        <p:style>
+          <a:lnRef idx="2">
+            <a:schemeClr val="accent1">
+              <a:shade val="50000"/>
+            </a:schemeClr>
+          </a:lnRef>
+          <a:fillRef idx="1">
+            <a:schemeClr val="accent1"/>
+          </a:fillRef>
+          <a:effectRef idx="0">
+            <a:schemeClr val="accent1"/>
+          </a:effectRef>
+          <a:fontRef idx="minor">
+            <a:schemeClr val="lt1"/>
+          </a:fontRef>
+        </p:style>
+        <p:txBody>
+          <a:bodyPr rtlCol="0" anchor="ctr"/>
+          <a:lstStyle/>
+          <a:p>
+            <a:pPr algn="ctr"/>
+            <a:endParaRPr lang="ru-RU"/>
+          </a:p>
+        </p:txBody>
+      </p:sp>
+      <p:sp>
+        <p:nvSpPr>
+          <p:cNvPr id="23" name="TextBox 22"/>
+          <p:cNvSpPr txBox="1"/>
+          <p:nvPr/>
+        </p:nvSpPr>
+        <p:spPr>
+          <a:xfrm>
+            <a:off x="5225727" y="2915934"/>
+            <a:ext cx="1652148" cy="338554"/>
+          </a:xfrm>
+          <a:prstGeom prst="rect">
+            <a:avLst/>
+          </a:prstGeom>
+          <a:noFill/>
+        </p:spPr>
+        <p:txBody>
+          <a:bodyPr wrap="square" rtlCol="0">
+            <a:spAutoFit/>
+          </a:bodyPr>
+          <a:lstStyle/>
+          <a:p>
+            <a:r>
+              <a:rPr lang="ru-RU" sz="1600" dirty="0" smtClean="0">
+                <a:effectLst>
+                  <a:outerShdw blurRad="38100" dist="38100" dir="2700000" algn="tl">
+                    <a:srgbClr val="000000">
+                      <a:alpha val="43137"/>
+                    </a:srgbClr>
+                  </a:outerShdw>
+                </a:effectLst>
+              </a:rPr>
+              <a:t>НОВЫЕ </a:t>
+            </a:r>
+            <a:r>
+              <a:rPr lang="ru-RU" sz="1600" dirty="0" smtClean="0">
+                <a:effectLst>
+                  <a:outerShdw blurRad="38100" dist="38100" dir="2700000" algn="tl">
+                    <a:srgbClr val="000000">
+                      <a:alpha val="43137"/>
+                    </a:srgbClr>
+                  </a:outerShdw>
+                </a:effectLst>
+              </a:rPr>
+              <a:t>ЗАКАЗЫ</a:t>
+            </a:r>
+            <a:endParaRPr lang="ru-RU" sz="1600" dirty="0">
+              <a:effectLst>
+                <a:outerShdw blurRad="38100" dist="38100" dir="2700000" algn="tl">
+                  <a:srgbClr val="000000">
+                    <a:alpha val="43137"/>
+                  </a:srgbClr>
+                </a:outerShdw>
+              </a:effectLst>
+            </a:endParaRPr>
+          </a:p>
+        </p:txBody>
+      </p:sp>
+      <p:sp>
+        <p:nvSpPr>
+          <p:cNvPr id="24" name="Багетная рамка 23"/>
+          <p:cNvSpPr/>
+          <p:nvPr/>
+        </p:nvSpPr>
+        <p:spPr>
+          <a:xfrm>
+            <a:off x="4582736" y="3682606"/>
+            <a:ext cx="3024336" cy="680325"/>
+          </a:xfrm>
+          <a:prstGeom prst="bevel">
+            <a:avLst/>
+          </a:prstGeom>
+          <a:solidFill>
+            <a:srgbClr val="FFFF00">
+              <a:alpha val="67000"/>
+            </a:srgbClr>
+          </a:solidFill>
+          <a:ln>
+            <a:solidFill>
+              <a:schemeClr val="accent6"/>
+            </a:solidFill>
+          </a:ln>
+        </p:spPr>
+        <p:style>
+          <a:lnRef idx="2">
+            <a:schemeClr val="accent1">
+              <a:shade val="50000"/>
+            </a:schemeClr>
+          </a:lnRef>
+          <a:fillRef idx="1">
+            <a:schemeClr val="accent1"/>
+          </a:fillRef>
+          <a:effectRef idx="0">
+            <a:schemeClr val="accent1"/>
+          </a:effectRef>
+          <a:fontRef idx="minor">
+            <a:schemeClr val="lt1"/>
+          </a:fontRef>
+        </p:style>
+        <p:txBody>
+          <a:bodyPr rtlCol="0" anchor="ctr"/>
+          <a:lstStyle/>
+          <a:p>
+            <a:pPr algn="ctr"/>
+            <a:endParaRPr lang="ru-RU"/>
+          </a:p>
+        </p:txBody>
+      </p:sp>
+      <p:sp>
+        <p:nvSpPr>
+          <p:cNvPr id="25" name="TextBox 24"/>
+          <p:cNvSpPr txBox="1"/>
+          <p:nvPr/>
+        </p:nvSpPr>
+        <p:spPr>
+          <a:xfrm>
+            <a:off x="4870768" y="3869763"/>
+            <a:ext cx="2520280" cy="338554"/>
+          </a:xfrm>
+          <a:prstGeom prst="rect">
+            <a:avLst/>
+          </a:prstGeom>
+          <a:noFill/>
+        </p:spPr>
+        <p:txBody>
+          <a:bodyPr wrap="square" rtlCol="0">
+            <a:spAutoFit/>
+          </a:bodyPr>
+          <a:lstStyle/>
+          <a:p>
+            <a:r>
+              <a:rPr lang="ru-RU" sz="1600" dirty="0" smtClean="0">
+                <a:effectLst>
+                  <a:outerShdw blurRad="38100" dist="38100" dir="2700000" algn="tl">
+                    <a:srgbClr val="000000">
+                      <a:alpha val="43137"/>
+                    </a:srgbClr>
+                  </a:outerShdw>
+                </a:effectLst>
+              </a:rPr>
+              <a:t>ПЕРЕМЕЩЕНИЯ КУРЬЕРОВ</a:t>
+            </a:r>
+            <a:endParaRPr lang="ru-RU" sz="1600" dirty="0">
+              <a:effectLst>
+                <a:outerShdw blurRad="38100" dist="38100" dir="2700000" algn="tl">
+                  <a:srgbClr val="000000">
+                    <a:alpha val="43137"/>
+                  </a:srgbClr>
+                </a:outerShdw>
+              </a:effectLst>
+            </a:endParaRPr>
+          </a:p>
+        </p:txBody>
+      </p:sp>
+      <p:sp>
+        <p:nvSpPr>
+          <p:cNvPr id="26" name="Багетная рамка 25"/>
+          <p:cNvSpPr/>
+          <p:nvPr/>
+        </p:nvSpPr>
+        <p:spPr>
+          <a:xfrm>
+            <a:off x="4582736" y="4653488"/>
+            <a:ext cx="3024336" cy="680325"/>
+          </a:xfrm>
+          <a:prstGeom prst="bevel">
+            <a:avLst/>
+          </a:prstGeom>
+          <a:solidFill>
+            <a:srgbClr val="FFFF00">
+              <a:alpha val="67000"/>
+            </a:srgbClr>
+          </a:solidFill>
+          <a:ln>
+            <a:solidFill>
+              <a:schemeClr val="accent6"/>
+            </a:solidFill>
+          </a:ln>
+        </p:spPr>
+        <p:style>
+          <a:lnRef idx="2">
+            <a:schemeClr val="accent1">
+              <a:shade val="50000"/>
+            </a:schemeClr>
+          </a:lnRef>
+          <a:fillRef idx="1">
+            <a:schemeClr val="accent1"/>
+          </a:fillRef>
+          <a:effectRef idx="0">
+            <a:schemeClr val="accent1"/>
+          </a:effectRef>
+          <a:fontRef idx="minor">
+            <a:schemeClr val="lt1"/>
+          </a:fontRef>
+        </p:style>
+        <p:txBody>
+          <a:bodyPr rtlCol="0" anchor="ctr"/>
+          <a:lstStyle/>
+          <a:p>
+            <a:pPr algn="ctr"/>
+            <a:endParaRPr lang="ru-RU"/>
+          </a:p>
+        </p:txBody>
+      </p:sp>
+      <p:sp>
+        <p:nvSpPr>
+          <p:cNvPr id="27" name="TextBox 26"/>
+          <p:cNvSpPr txBox="1"/>
+          <p:nvPr/>
+        </p:nvSpPr>
+        <p:spPr>
+          <a:xfrm>
+            <a:off x="4834764" y="4806691"/>
+            <a:ext cx="2520280" cy="338554"/>
+          </a:xfrm>
+          <a:prstGeom prst="rect">
+            <a:avLst/>
+          </a:prstGeom>
+          <a:noFill/>
+        </p:spPr>
+        <p:txBody>
+          <a:bodyPr wrap="square" rtlCol="0">
+            <a:spAutoFit/>
+          </a:bodyPr>
+          <a:lstStyle/>
+          <a:p>
+            <a:r>
+              <a:rPr lang="ru-RU" sz="1600" dirty="0" smtClean="0">
+                <a:effectLst>
+                  <a:outerShdw blurRad="38100" dist="38100" dir="2700000" algn="tl">
+                    <a:srgbClr val="000000">
+                      <a:alpha val="43137"/>
+                    </a:srgbClr>
+                  </a:outerShdw>
+                </a:effectLst>
+              </a:rPr>
+              <a:t>ОТПРАВКА УВЕДОМЛЕНИЙ </a:t>
+            </a:r>
+            <a:endParaRPr lang="ru-RU" sz="1600" dirty="0">
+              <a:effectLst>
+                <a:outerShdw blurRad="38100" dist="38100" dir="2700000" algn="tl">
+                  <a:srgbClr val="000000">
+                    <a:alpha val="43137"/>
+                  </a:srgbClr>
+                </a:outerShdw>
+              </a:effectLst>
+            </a:endParaRPr>
+          </a:p>
+        </p:txBody>
+      </p:sp>
+      <p:sp>
+        <p:nvSpPr>
+          <p:cNvPr id="28" name="Заголовок 1"/>
+          <p:cNvSpPr>
+            <a:spLocks noGrp="1"/>
+          </p:cNvSpPr>
+          <p:nvPr>
+            <p:ph type="title"/>
+          </p:nvPr>
+        </p:nvSpPr>
+        <p:spPr>
+          <a:xfrm>
+            <a:off x="0" y="402720"/>
+            <a:ext cx="9144000" cy="491963"/>
+          </a:xfrm>
+          <a:solidFill>
+            <a:srgbClr val="FFFF00">
+              <a:alpha val="19000"/>
+            </a:srgbClr>
+          </a:solidFill>
+        </p:spPr>
+        <p:txBody>
+          <a:bodyPr>
+            <a:noAutofit/>
+          </a:bodyPr>
+          <a:lstStyle/>
+          <a:p>
+            <a:r>
+              <a:rPr lang="uk-UA" sz="3200" dirty="0" err="1" smtClean="0">
+                <a:effectLst>
+                  <a:outerShdw blurRad="38100" dist="38100" dir="2700000" algn="tl">
+                    <a:srgbClr val="000000">
+                      <a:alpha val="43137"/>
+                    </a:srgbClr>
+                  </a:outerShdw>
+                </a:effectLst>
+              </a:rPr>
+              <a:t>Главное</a:t>
+            </a:r>
+            <a:r>
+              <a:rPr lang="uk-UA" sz="3200" dirty="0" smtClean="0">
+                <a:effectLst>
+                  <a:outerShdw blurRad="38100" dist="38100" dir="2700000" algn="tl">
+                    <a:srgbClr val="000000">
+                      <a:alpha val="43137"/>
+                    </a:srgbClr>
+                  </a:outerShdw>
+                </a:effectLst>
+              </a:rPr>
+              <a:t> меню</a:t>
+            </a:r>
+            <a:endParaRPr lang="ru-RU" sz="3200" dirty="0">
+              <a:effectLst>
+                <a:outerShdw blurRad="38100" dist="38100" dir="2700000" algn="tl">
+                  <a:srgbClr val="000000">
+                    <a:alpha val="43137"/>
+                  </a:srgbClr>
+                </a:outerShdw>
+              </a:effectLst>
+            </a:endParaRPr>
+          </a:p>
+        </p:txBody>
+      </p:sp>
+      <p:sp>
+        <p:nvSpPr>
+          <p:cNvPr id="29" name="Багетная рамка 28"/>
+          <p:cNvSpPr/>
+          <p:nvPr/>
+        </p:nvSpPr>
+        <p:spPr>
+          <a:xfrm>
+            <a:off x="4582736" y="1757896"/>
+            <a:ext cx="3024336" cy="680325"/>
+          </a:xfrm>
+          <a:prstGeom prst="bevel">
+            <a:avLst/>
+          </a:prstGeom>
+          <a:solidFill>
+            <a:srgbClr val="FFFF00">
+              <a:alpha val="67000"/>
+            </a:srgbClr>
+          </a:solidFill>
+          <a:ln>
+            <a:solidFill>
+              <a:schemeClr val="accent6"/>
+            </a:solidFill>
+          </a:ln>
+        </p:spPr>
+        <p:style>
+          <a:lnRef idx="2">
+            <a:schemeClr val="accent1">
+              <a:shade val="50000"/>
+            </a:schemeClr>
+          </a:lnRef>
+          <a:fillRef idx="1">
+            <a:schemeClr val="accent1"/>
+          </a:fillRef>
+          <a:effectRef idx="0">
+            <a:schemeClr val="accent1"/>
+          </a:effectRef>
+          <a:fontRef idx="minor">
+            <a:schemeClr val="lt1"/>
+          </a:fontRef>
+        </p:style>
+        <p:txBody>
+          <a:bodyPr rtlCol="0" anchor="ctr"/>
+          <a:lstStyle/>
+          <a:p>
+            <a:pPr algn="ctr"/>
+            <a:endParaRPr lang="ru-RU"/>
+          </a:p>
+        </p:txBody>
+      </p:sp>
+      <p:sp>
+        <p:nvSpPr>
+          <p:cNvPr id="30" name="TextBox 29"/>
+          <p:cNvSpPr txBox="1"/>
+          <p:nvPr/>
+        </p:nvSpPr>
+        <p:spPr>
+          <a:xfrm>
+            <a:off x="4874310" y="1945053"/>
+            <a:ext cx="2554760" cy="338554"/>
+          </a:xfrm>
+          <a:prstGeom prst="rect">
+            <a:avLst/>
+          </a:prstGeom>
+          <a:noFill/>
+        </p:spPr>
+        <p:txBody>
+          <a:bodyPr wrap="square" rtlCol="0">
+            <a:spAutoFit/>
+          </a:bodyPr>
+          <a:lstStyle/>
+          <a:p>
+            <a:r>
+              <a:rPr lang="ru-RU" sz="1600" dirty="0" smtClean="0">
+                <a:effectLst>
+                  <a:outerShdw blurRad="38100" dist="38100" dir="2700000" algn="tl">
+                    <a:srgbClr val="000000">
+                      <a:alpha val="43137"/>
+                    </a:srgbClr>
+                  </a:outerShdw>
+                </a:effectLst>
+              </a:rPr>
+              <a:t>РАСПРЕДЕЛЕННЫЕ </a:t>
+            </a:r>
+            <a:r>
+              <a:rPr lang="ru-RU" sz="1600" dirty="0" smtClean="0">
+                <a:effectLst>
+                  <a:outerShdw blurRad="38100" dist="38100" dir="2700000" algn="tl">
+                    <a:srgbClr val="000000">
+                      <a:alpha val="43137"/>
+                    </a:srgbClr>
+                  </a:outerShdw>
+                </a:effectLst>
+              </a:rPr>
+              <a:t>ЗАКАЗЫ</a:t>
+            </a:r>
+            <a:endParaRPr lang="ru-RU" sz="1600" dirty="0">
+              <a:effectLst>
+                <a:outerShdw blurRad="38100" dist="38100" dir="2700000" algn="tl">
+                  <a:srgbClr val="000000">
+                    <a:alpha val="43137"/>
+                  </a:srgbClr>
+                </a:outerShdw>
+              </a:effectLst>
+            </a:endParaRPr>
+          </a:p>
+        </p:txBody>
+      </p:sp>
+    </p:spTree>
+    <p:extLst>
+      <p:ext uri="{BB962C8B-B14F-4D97-AF65-F5344CB8AC3E}">
+        <p14:creationId xmlns:p14="http://schemas.microsoft.com/office/powerpoint/2010/main" val="2090675280"/>
+      </p:ext>
+    </p:extLst>
+  </p:cSld>
+  <p:clrMapOvr>
+    <a:masterClrMapping/>
+  </p:clrMapOvr>
+  <p:timing>
+    <p:tnLst>
+      <p:par>
+        <p:cTn id="1" dur="indefinite" restart="never" nodeType="tmRoot"/>
+      </p:par>
+    </p:tnLst>
+  </p:timing>
+</p:sld>
+</file>
+
+<file path=ppt/slides/slide16.xml><?xml version="1.0" encoding="utf-8"?>
+<p:sld xmlns:a="http://schemas.openxmlformats.org/drawingml/2006/main" xmlns:r="http://schemas.openxmlformats.org/officeDocument/2006/relationships" xmlns:p="http://schemas.openxmlformats.org/presentationml/2006/main">
+  <p:cSld>
+    <p:spTree>
+      <p:nvGrpSpPr>
+        <p:cNvPr id="1" name=""/>
+        <p:cNvGrpSpPr/>
+        <p:nvPr/>
+      </p:nvGrpSpPr>
+      <p:grpSpPr>
+        <a:xfrm>
+          <a:off x="0" y="0"/>
+          <a:ext cx="0" cy="0"/>
+          <a:chOff x="0" y="0"/>
+          <a:chExt cx="0" cy="0"/>
+        </a:xfrm>
+      </p:grpSpPr>
+      <p:sp>
+        <p:nvSpPr>
+          <p:cNvPr id="22" name="Багетная рамка 21"/>
+          <p:cNvSpPr/>
+          <p:nvPr/>
+        </p:nvSpPr>
+        <p:spPr>
+          <a:xfrm>
+            <a:off x="987666" y="3123809"/>
+            <a:ext cx="3024336" cy="680325"/>
+          </a:xfrm>
+          <a:prstGeom prst="bevel">
+            <a:avLst/>
+          </a:prstGeom>
+          <a:solidFill>
+            <a:srgbClr val="FFFF00">
+              <a:alpha val="67000"/>
+            </a:srgbClr>
+          </a:solidFill>
+          <a:ln>
+            <a:solidFill>
+              <a:schemeClr val="accent6"/>
+            </a:solidFill>
+          </a:ln>
+        </p:spPr>
+        <p:style>
+          <a:lnRef idx="2">
+            <a:schemeClr val="accent1">
+              <a:shade val="50000"/>
+            </a:schemeClr>
+          </a:lnRef>
+          <a:fillRef idx="1">
+            <a:schemeClr val="accent1"/>
+          </a:fillRef>
+          <a:effectRef idx="0">
+            <a:schemeClr val="accent1"/>
+          </a:effectRef>
+          <a:fontRef idx="minor">
+            <a:schemeClr val="lt1"/>
+          </a:fontRef>
+        </p:style>
+        <p:txBody>
+          <a:bodyPr rtlCol="0" anchor="ctr"/>
+          <a:lstStyle/>
+          <a:p>
+            <a:pPr algn="ctr"/>
+            <a:endParaRPr lang="ru-RU"/>
+          </a:p>
+        </p:txBody>
+      </p:sp>
+      <p:sp>
+        <p:nvSpPr>
+          <p:cNvPr id="23" name="TextBox 22"/>
+          <p:cNvSpPr txBox="1"/>
+          <p:nvPr/>
+        </p:nvSpPr>
+        <p:spPr>
+          <a:xfrm>
+            <a:off x="1482771" y="3310966"/>
+            <a:ext cx="2282283" cy="338554"/>
+          </a:xfrm>
+          <a:prstGeom prst="rect">
+            <a:avLst/>
+          </a:prstGeom>
+          <a:noFill/>
+        </p:spPr>
+        <p:txBody>
+          <a:bodyPr wrap="square" rtlCol="0">
+            <a:spAutoFit/>
+          </a:bodyPr>
+          <a:lstStyle/>
+          <a:p>
+            <a:r>
+              <a:rPr lang="ru-RU" sz="1600" dirty="0" smtClean="0">
+                <a:effectLst>
+                  <a:outerShdw blurRad="38100" dist="38100" dir="2700000" algn="tl">
+                    <a:srgbClr val="000000">
+                      <a:alpha val="43137"/>
+                    </a:srgbClr>
+                  </a:outerShdw>
+                </a:effectLst>
+              </a:rPr>
+              <a:t>ГРАФИК ДОСТАВОК</a:t>
+            </a:r>
+            <a:endParaRPr lang="ru-RU" sz="1600" dirty="0">
+              <a:effectLst>
+                <a:outerShdw blurRad="38100" dist="38100" dir="2700000" algn="tl">
+                  <a:srgbClr val="000000">
+                    <a:alpha val="43137"/>
+                  </a:srgbClr>
+                </a:outerShdw>
+              </a:effectLst>
+            </a:endParaRPr>
+          </a:p>
+        </p:txBody>
+      </p:sp>
+      <p:sp>
+        <p:nvSpPr>
+          <p:cNvPr id="24" name="Багетная рамка 23"/>
+          <p:cNvSpPr/>
+          <p:nvPr/>
+        </p:nvSpPr>
+        <p:spPr>
+          <a:xfrm>
+            <a:off x="992747" y="4077638"/>
+            <a:ext cx="3024336" cy="680325"/>
+          </a:xfrm>
+          <a:prstGeom prst="bevel">
+            <a:avLst/>
+          </a:prstGeom>
+          <a:solidFill>
+            <a:srgbClr val="FFFF00">
+              <a:alpha val="67000"/>
+            </a:srgbClr>
+          </a:solidFill>
+          <a:ln>
+            <a:solidFill>
+              <a:schemeClr val="accent6"/>
+            </a:solidFill>
+          </a:ln>
+        </p:spPr>
+        <p:style>
+          <a:lnRef idx="2">
+            <a:schemeClr val="accent1">
+              <a:shade val="50000"/>
+            </a:schemeClr>
+          </a:lnRef>
+          <a:fillRef idx="1">
+            <a:schemeClr val="accent1"/>
+          </a:fillRef>
+          <a:effectRef idx="0">
+            <a:schemeClr val="accent1"/>
+          </a:effectRef>
+          <a:fontRef idx="minor">
+            <a:schemeClr val="lt1"/>
+          </a:fontRef>
+        </p:style>
+        <p:txBody>
+          <a:bodyPr rtlCol="0" anchor="ctr"/>
+          <a:lstStyle/>
+          <a:p>
+            <a:pPr algn="ctr"/>
+            <a:endParaRPr lang="ru-RU"/>
+          </a:p>
+        </p:txBody>
+      </p:sp>
+      <p:sp>
+        <p:nvSpPr>
+          <p:cNvPr id="25" name="TextBox 24"/>
+          <p:cNvSpPr txBox="1"/>
+          <p:nvPr/>
+        </p:nvSpPr>
+        <p:spPr>
+          <a:xfrm>
+            <a:off x="1698796" y="4264795"/>
+            <a:ext cx="1260140" cy="338554"/>
+          </a:xfrm>
+          <a:prstGeom prst="rect">
+            <a:avLst/>
+          </a:prstGeom>
+          <a:noFill/>
+        </p:spPr>
+        <p:txBody>
+          <a:bodyPr wrap="square" rtlCol="0">
+            <a:spAutoFit/>
+          </a:bodyPr>
+          <a:lstStyle/>
+          <a:p>
+            <a:r>
+              <a:rPr lang="ru-RU" sz="1600" dirty="0" smtClean="0">
+                <a:effectLst>
+                  <a:outerShdw blurRad="38100" dist="38100" dir="2700000" algn="tl">
+                    <a:srgbClr val="000000">
+                      <a:alpha val="43137"/>
+                    </a:srgbClr>
+                  </a:outerShdw>
+                </a:effectLst>
+              </a:rPr>
+              <a:t>МАРШРУТЫ</a:t>
+            </a:r>
+            <a:endParaRPr lang="ru-RU" sz="1600" dirty="0">
+              <a:effectLst>
+                <a:outerShdw blurRad="38100" dist="38100" dir="2700000" algn="tl">
+                  <a:srgbClr val="000000">
+                    <a:alpha val="43137"/>
+                  </a:srgbClr>
+                </a:outerShdw>
+              </a:effectLst>
+            </a:endParaRPr>
+          </a:p>
+        </p:txBody>
+      </p:sp>
+      <p:sp>
+        <p:nvSpPr>
+          <p:cNvPr id="28" name="Заголовок 1"/>
+          <p:cNvSpPr>
+            <a:spLocks noGrp="1"/>
+          </p:cNvSpPr>
+          <p:nvPr>
+            <p:ph type="title"/>
+          </p:nvPr>
+        </p:nvSpPr>
+        <p:spPr>
+          <a:xfrm>
+            <a:off x="0" y="402720"/>
+            <a:ext cx="9144000" cy="491963"/>
+          </a:xfrm>
+          <a:solidFill>
+            <a:srgbClr val="FFFF00">
+              <a:alpha val="19000"/>
+            </a:srgbClr>
+          </a:solidFill>
+        </p:spPr>
+        <p:txBody>
+          <a:bodyPr>
+            <a:noAutofit/>
+          </a:bodyPr>
+          <a:lstStyle/>
+          <a:p>
+            <a:r>
+              <a:rPr lang="uk-UA" sz="3200" dirty="0" err="1" smtClean="0">
+                <a:effectLst>
+                  <a:outerShdw blurRad="38100" dist="38100" dir="2700000" algn="tl">
+                    <a:srgbClr val="000000">
+                      <a:alpha val="43137"/>
+                    </a:srgbClr>
+                  </a:outerShdw>
+                </a:effectLst>
+              </a:rPr>
+              <a:t>Курьер</a:t>
+            </a:r>
+            <a:r>
+              <a:rPr lang="uk-UA" sz="3200" dirty="0" smtClean="0">
+                <a:effectLst>
+                  <a:outerShdw blurRad="38100" dist="38100" dir="2700000" algn="tl">
+                    <a:srgbClr val="000000">
+                      <a:alpha val="43137"/>
+                    </a:srgbClr>
+                  </a:outerShdw>
+                </a:effectLst>
+              </a:rPr>
+              <a:t> №…</a:t>
+            </a:r>
+            <a:endParaRPr lang="ru-RU" sz="3200" dirty="0">
+              <a:effectLst>
+                <a:outerShdw blurRad="38100" dist="38100" dir="2700000" algn="tl">
+                  <a:srgbClr val="000000">
+                    <a:alpha val="43137"/>
+                  </a:srgbClr>
+                </a:outerShdw>
+              </a:effectLst>
+            </a:endParaRPr>
+          </a:p>
+        </p:txBody>
+      </p:sp>
+      <p:sp>
+        <p:nvSpPr>
+          <p:cNvPr id="29" name="Багетная рамка 28"/>
+          <p:cNvSpPr/>
+          <p:nvPr/>
+        </p:nvSpPr>
+        <p:spPr>
+          <a:xfrm>
+            <a:off x="992747" y="2152928"/>
+            <a:ext cx="3024336" cy="680325"/>
+          </a:xfrm>
+          <a:prstGeom prst="bevel">
+            <a:avLst/>
+          </a:prstGeom>
+          <a:solidFill>
+            <a:srgbClr val="FFFF00">
+              <a:alpha val="67000"/>
+            </a:srgbClr>
+          </a:solidFill>
+          <a:ln>
+            <a:solidFill>
+              <a:schemeClr val="accent6"/>
+            </a:solidFill>
+          </a:ln>
+        </p:spPr>
+        <p:style>
+          <a:lnRef idx="2">
+            <a:schemeClr val="accent1">
+              <a:shade val="50000"/>
+            </a:schemeClr>
+          </a:lnRef>
+          <a:fillRef idx="1">
+            <a:schemeClr val="accent1"/>
+          </a:fillRef>
+          <a:effectRef idx="0">
+            <a:schemeClr val="accent1"/>
+          </a:effectRef>
+          <a:fontRef idx="minor">
+            <a:schemeClr val="lt1"/>
+          </a:fontRef>
+        </p:style>
+        <p:txBody>
+          <a:bodyPr rtlCol="0" anchor="ctr"/>
+          <a:lstStyle/>
+          <a:p>
+            <a:pPr algn="ctr"/>
+            <a:endParaRPr lang="ru-RU"/>
+          </a:p>
+        </p:txBody>
+      </p:sp>
+      <p:sp>
+        <p:nvSpPr>
+          <p:cNvPr id="30" name="TextBox 29"/>
+          <p:cNvSpPr txBox="1"/>
+          <p:nvPr/>
+        </p:nvSpPr>
+        <p:spPr>
+          <a:xfrm>
+            <a:off x="1280779" y="2340085"/>
+            <a:ext cx="2688040" cy="338554"/>
+          </a:xfrm>
+          <a:prstGeom prst="rect">
+            <a:avLst/>
+          </a:prstGeom>
+          <a:noFill/>
+        </p:spPr>
+        <p:txBody>
+          <a:bodyPr wrap="square" rtlCol="0">
+            <a:spAutoFit/>
+          </a:bodyPr>
+          <a:lstStyle/>
+          <a:p>
+            <a:r>
+              <a:rPr lang="ru-RU" sz="1600" dirty="0" smtClean="0">
+                <a:effectLst>
+                  <a:outerShdw blurRad="38100" dist="38100" dir="2700000" algn="tl">
+                    <a:srgbClr val="000000">
+                      <a:alpha val="43137"/>
+                    </a:srgbClr>
+                  </a:outerShdw>
+                </a:effectLst>
+              </a:rPr>
+              <a:t>СВЯЗАТЬСЯ С КУРЬЕРОМ</a:t>
+            </a:r>
+            <a:endParaRPr lang="ru-RU" sz="1600" dirty="0">
+              <a:effectLst>
+                <a:outerShdw blurRad="38100" dist="38100" dir="2700000" algn="tl">
+                  <a:srgbClr val="000000">
+                    <a:alpha val="43137"/>
+                  </a:srgbClr>
+                </a:outerShdw>
+              </a:effectLst>
+            </a:endParaRPr>
+          </a:p>
+        </p:txBody>
+      </p:sp>
+      <p:sp>
+        <p:nvSpPr>
+          <p:cNvPr id="31" name="Прямоугольник 30"/>
+          <p:cNvSpPr/>
+          <p:nvPr/>
+        </p:nvSpPr>
+        <p:spPr>
+          <a:xfrm>
+            <a:off x="5436095" y="1962636"/>
+            <a:ext cx="2952328" cy="2931755"/>
+          </a:xfrm>
+          <a:prstGeom prst="rect">
+            <a:avLst/>
+          </a:prstGeom>
+          <a:solidFill>
+            <a:srgbClr val="FFFF00">
+              <a:alpha val="52000"/>
+            </a:srgbClr>
+          </a:solidFill>
+          <a:ln>
+            <a:solidFill>
+              <a:srgbClr val="FFC000"/>
+            </a:solidFill>
+          </a:ln>
+        </p:spPr>
+        <p:style>
+          <a:lnRef idx="2">
+            <a:schemeClr val="accent1">
+              <a:shade val="50000"/>
+            </a:schemeClr>
+          </a:lnRef>
+          <a:fillRef idx="1">
+            <a:schemeClr val="accent1"/>
+          </a:fillRef>
+          <a:effectRef idx="0">
+            <a:schemeClr val="accent1"/>
+          </a:effectRef>
+          <a:fontRef idx="minor">
+            <a:schemeClr val="lt1"/>
+          </a:fontRef>
+        </p:style>
+        <p:txBody>
+          <a:bodyPr rtlCol="0" anchor="ctr"/>
+          <a:lstStyle/>
+          <a:p>
+            <a:pPr algn="ctr"/>
+            <a:endParaRPr lang="ru-RU"/>
+          </a:p>
+        </p:txBody>
+      </p:sp>
+      <p:sp>
+        <p:nvSpPr>
+          <p:cNvPr id="32" name="TextBox 31"/>
+          <p:cNvSpPr txBox="1"/>
+          <p:nvPr/>
+        </p:nvSpPr>
+        <p:spPr>
+          <a:xfrm>
+            <a:off x="5436096" y="1988711"/>
+            <a:ext cx="2952327" cy="461665"/>
+          </a:xfrm>
+          <a:prstGeom prst="rect">
+            <a:avLst/>
+          </a:prstGeom>
+          <a:noFill/>
+        </p:spPr>
+        <p:txBody>
+          <a:bodyPr wrap="square" rtlCol="0">
+            <a:spAutoFit/>
+          </a:bodyPr>
+          <a:lstStyle/>
+          <a:p>
+            <a:r>
+              <a:rPr lang="ru-RU" sz="2400" b="1" i="1" dirty="0" smtClean="0">
+                <a:effectLst>
+                  <a:outerShdw blurRad="38100" dist="38100" dir="2700000" algn="tl">
+                    <a:srgbClr val="000000">
+                      <a:alpha val="43137"/>
+                    </a:srgbClr>
+                  </a:outerShdw>
+                </a:effectLst>
+              </a:rPr>
+              <a:t>МЕСТОПОЛОЖЕНИЕ</a:t>
+            </a:r>
+            <a:endParaRPr lang="ru-RU" sz="2400" b="1" i="1" dirty="0">
+              <a:effectLst>
+                <a:outerShdw blurRad="38100" dist="38100" dir="2700000" algn="tl">
+                  <a:srgbClr val="000000">
+                    <a:alpha val="43137"/>
+                  </a:srgbClr>
+                </a:outerShdw>
+              </a:effectLst>
+            </a:endParaRPr>
+          </a:p>
+        </p:txBody>
+      </p:sp>
+      <p:pic>
+        <p:nvPicPr>
+          <p:cNvPr id="33" name="Picture 4" descr="Картинки по запросу иконка карта"/>
+          <p:cNvPicPr>
+            <a:picLocks noChangeAspect="1" noChangeArrowheads="1"/>
+          </p:cNvPicPr>
+          <p:nvPr/>
+        </p:nvPicPr>
+        <p:blipFill>
+          <a:blip r:embed="rId2">
+            <a:extLst>
+              <a:ext uri="{28A0092B-C50C-407E-A947-70E740481C1C}">
+                <a14:useLocalDpi xmlns:a14="http://schemas.microsoft.com/office/drawing/2010/main" val="0"/>
+              </a:ext>
+            </a:extLst>
+          </a:blip>
+          <a:srcRect/>
+          <a:stretch>
+            <a:fillRect/>
+          </a:stretch>
+        </p:blipFill>
+        <p:spPr bwMode="auto">
+          <a:xfrm>
+            <a:off x="5436096" y="2509362"/>
+            <a:ext cx="2952328" cy="2385030"/>
+          </a:xfrm>
+          <a:prstGeom prst="rect">
+            <a:avLst/>
+          </a:prstGeom>
+          <a:noFill/>
+          <a:extLst>
+            <a:ext uri="{909E8E84-426E-40DD-AFC4-6F175D3DCCD1}">
+              <a14:hiddenFill xmlns:a14="http://schemas.microsoft.com/office/drawing/2010/main">
+                <a:solidFill>
+                  <a:srgbClr val="FFFFFF"/>
+                </a:solidFill>
+              </a14:hiddenFill>
+            </a:ext>
+          </a:extLst>
+        </p:spPr>
+      </p:pic>
+    </p:spTree>
+    <p:extLst>
+      <p:ext uri="{BB962C8B-B14F-4D97-AF65-F5344CB8AC3E}">
+        <p14:creationId xmlns:p14="http://schemas.microsoft.com/office/powerpoint/2010/main" val="731706724"/>
+      </p:ext>
+    </p:extLst>
+  </p:cSld>
+  <p:clrMapOvr>
+    <a:masterClrMapping/>
+  </p:clrMapOvr>
+  <p:timing>
+    <p:tnLst>
+      <p:par>
+        <p:cTn id="1" dur="indefinite" restart="never" nodeType="tmRoot"/>
+      </p:par>
+    </p:tnLst>
+  </p:timing>
+</p:sld>
+</file>
+
+<file path=ppt/slides/slide17.xml><?xml version="1.0" encoding="utf-8"?>
+<p:sld xmlns:a="http://schemas.openxmlformats.org/drawingml/2006/main" xmlns:r="http://schemas.openxmlformats.org/officeDocument/2006/relationships" xmlns:p="http://schemas.openxmlformats.org/presentationml/2006/main">
+  <p:cSld>
+    <p:spTree>
+      <p:nvGrpSpPr>
+        <p:cNvPr id="1" name=""/>
+        <p:cNvGrpSpPr/>
+        <p:nvPr/>
+      </p:nvGrpSpPr>
+      <p:grpSpPr>
+        <a:xfrm>
+          <a:off x="0" y="0"/>
+          <a:ext cx="0" cy="0"/>
+          <a:chOff x="0" y="0"/>
+          <a:chExt cx="0" cy="0"/>
+        </a:xfrm>
+      </p:grpSpPr>
+      <p:sp>
+        <p:nvSpPr>
+          <p:cNvPr id="28" name="Заголовок 1"/>
+          <p:cNvSpPr>
+            <a:spLocks noGrp="1"/>
+          </p:cNvSpPr>
+          <p:nvPr>
+            <p:ph type="title"/>
+          </p:nvPr>
+        </p:nvSpPr>
+        <p:spPr>
+          <a:xfrm>
+            <a:off x="0" y="402720"/>
+            <a:ext cx="9144000" cy="491963"/>
+          </a:xfrm>
+          <a:solidFill>
+            <a:srgbClr val="FFFF00">
+              <a:alpha val="19000"/>
+            </a:srgbClr>
+          </a:solidFill>
+        </p:spPr>
+        <p:txBody>
+          <a:bodyPr>
+            <a:noAutofit/>
+          </a:bodyPr>
+          <a:lstStyle/>
+          <a:p>
+            <a:r>
+              <a:rPr lang="uk-UA" sz="3200" dirty="0" err="1" smtClean="0">
+                <a:effectLst>
+                  <a:outerShdw blurRad="38100" dist="38100" dir="2700000" algn="tl">
+                    <a:srgbClr val="000000">
+                      <a:alpha val="43137"/>
+                    </a:srgbClr>
+                  </a:outerShdw>
+                </a:effectLst>
+              </a:rPr>
+              <a:t>Перемещения</a:t>
+            </a:r>
+            <a:r>
+              <a:rPr lang="uk-UA" sz="3200" dirty="0" smtClean="0">
+                <a:effectLst>
+                  <a:outerShdw blurRad="38100" dist="38100" dir="2700000" algn="tl">
+                    <a:srgbClr val="000000">
+                      <a:alpha val="43137"/>
+                    </a:srgbClr>
+                  </a:outerShdw>
+                </a:effectLst>
+              </a:rPr>
+              <a:t> </a:t>
+            </a:r>
+            <a:r>
+              <a:rPr lang="uk-UA" sz="3200" dirty="0" err="1" smtClean="0">
+                <a:effectLst>
+                  <a:outerShdw blurRad="38100" dist="38100" dir="2700000" algn="tl">
+                    <a:srgbClr val="000000">
+                      <a:alpha val="43137"/>
+                    </a:srgbClr>
+                  </a:outerShdw>
+                </a:effectLst>
+              </a:rPr>
+              <a:t>курьеров</a:t>
+            </a:r>
+            <a:endParaRPr lang="ru-RU" sz="3200" dirty="0">
+              <a:effectLst>
+                <a:outerShdw blurRad="38100" dist="38100" dir="2700000" algn="tl">
+                  <a:srgbClr val="000000">
+                    <a:alpha val="43137"/>
+                  </a:srgbClr>
+                </a:outerShdw>
+              </a:effectLst>
+            </a:endParaRPr>
+          </a:p>
+        </p:txBody>
+      </p:sp>
+      <p:sp>
+        <p:nvSpPr>
+          <p:cNvPr id="29" name="Багетная рамка 28"/>
+          <p:cNvSpPr/>
+          <p:nvPr/>
+        </p:nvSpPr>
+        <p:spPr>
+          <a:xfrm>
+            <a:off x="5954669" y="3170143"/>
+            <a:ext cx="3024336" cy="925702"/>
+          </a:xfrm>
+          <a:prstGeom prst="bevel">
+            <a:avLst/>
+          </a:prstGeom>
+          <a:solidFill>
+            <a:srgbClr val="FFFF00">
+              <a:alpha val="67000"/>
+            </a:srgbClr>
+          </a:solidFill>
+          <a:ln>
+            <a:solidFill>
+              <a:schemeClr val="accent6"/>
+            </a:solidFill>
+          </a:ln>
+        </p:spPr>
+        <p:style>
+          <a:lnRef idx="2">
+            <a:schemeClr val="accent1">
+              <a:shade val="50000"/>
+            </a:schemeClr>
+          </a:lnRef>
+          <a:fillRef idx="1">
+            <a:schemeClr val="accent1"/>
+          </a:fillRef>
+          <a:effectRef idx="0">
+            <a:schemeClr val="accent1"/>
+          </a:effectRef>
+          <a:fontRef idx="minor">
+            <a:schemeClr val="lt1"/>
+          </a:fontRef>
+        </p:style>
+        <p:txBody>
+          <a:bodyPr rtlCol="0" anchor="ctr"/>
+          <a:lstStyle/>
+          <a:p>
+            <a:pPr algn="ctr"/>
+            <a:endParaRPr lang="ru-RU"/>
+          </a:p>
+        </p:txBody>
+      </p:sp>
+      <p:sp>
+        <p:nvSpPr>
+          <p:cNvPr id="30" name="TextBox 29"/>
+          <p:cNvSpPr txBox="1"/>
+          <p:nvPr/>
+        </p:nvSpPr>
+        <p:spPr>
+          <a:xfrm>
+            <a:off x="6164757" y="3340606"/>
+            <a:ext cx="2604159" cy="584775"/>
+          </a:xfrm>
+          <a:prstGeom prst="rect">
+            <a:avLst/>
+          </a:prstGeom>
+          <a:noFill/>
+        </p:spPr>
+        <p:txBody>
+          <a:bodyPr wrap="square" rtlCol="0">
+            <a:spAutoFit/>
+          </a:bodyPr>
+          <a:lstStyle/>
+          <a:p>
+            <a:pPr algn="ctr"/>
+            <a:r>
+              <a:rPr lang="ru-RU" sz="1600" dirty="0" smtClean="0">
+                <a:effectLst>
+                  <a:outerShdw blurRad="38100" dist="38100" dir="2700000" algn="tl">
+                    <a:srgbClr val="000000">
+                      <a:alpha val="43137"/>
+                    </a:srgbClr>
+                  </a:outerShdw>
+                </a:effectLst>
+              </a:rPr>
+              <a:t>СООБЩЕНИЕ КУРЬЕРАМ ВЫДЕЛЕННОГО РЕГИОНА</a:t>
+            </a:r>
+            <a:endParaRPr lang="ru-RU" sz="1600" dirty="0">
+              <a:effectLst>
+                <a:outerShdw blurRad="38100" dist="38100" dir="2700000" algn="tl">
+                  <a:srgbClr val="000000">
+                    <a:alpha val="43137"/>
+                  </a:srgbClr>
+                </a:outerShdw>
+              </a:effectLst>
+            </a:endParaRPr>
+          </a:p>
+        </p:txBody>
+      </p:sp>
+      <p:sp>
+        <p:nvSpPr>
+          <p:cNvPr id="31" name="Прямоугольник 30"/>
+          <p:cNvSpPr/>
+          <p:nvPr/>
+        </p:nvSpPr>
+        <p:spPr>
+          <a:xfrm>
+            <a:off x="323527" y="1124743"/>
+            <a:ext cx="5400600" cy="5442701"/>
+          </a:xfrm>
+          <a:prstGeom prst="rect">
+            <a:avLst/>
+          </a:prstGeom>
+          <a:solidFill>
+            <a:srgbClr val="FFFF00">
+              <a:alpha val="52000"/>
+            </a:srgbClr>
+          </a:solidFill>
+          <a:ln>
+            <a:solidFill>
+              <a:srgbClr val="FFC000"/>
+            </a:solidFill>
+          </a:ln>
+        </p:spPr>
+        <p:style>
+          <a:lnRef idx="2">
+            <a:schemeClr val="accent1">
+              <a:shade val="50000"/>
+            </a:schemeClr>
+          </a:lnRef>
+          <a:fillRef idx="1">
+            <a:schemeClr val="accent1"/>
+          </a:fillRef>
+          <a:effectRef idx="0">
+            <a:schemeClr val="accent1"/>
+          </a:effectRef>
+          <a:fontRef idx="minor">
+            <a:schemeClr val="lt1"/>
+          </a:fontRef>
+        </p:style>
+        <p:txBody>
+          <a:bodyPr rtlCol="0" anchor="ctr"/>
+          <a:lstStyle/>
+          <a:p>
+            <a:pPr algn="ctr"/>
+            <a:endParaRPr lang="ru-RU"/>
+          </a:p>
+        </p:txBody>
+      </p:sp>
+      <p:sp>
+        <p:nvSpPr>
+          <p:cNvPr id="32" name="TextBox 31"/>
+          <p:cNvSpPr txBox="1"/>
+          <p:nvPr/>
+        </p:nvSpPr>
+        <p:spPr>
+          <a:xfrm>
+            <a:off x="1619671" y="1124742"/>
+            <a:ext cx="2952327" cy="461665"/>
+          </a:xfrm>
+          <a:prstGeom prst="rect">
+            <a:avLst/>
+          </a:prstGeom>
+          <a:noFill/>
+        </p:spPr>
+        <p:txBody>
+          <a:bodyPr wrap="square" rtlCol="0">
+            <a:spAutoFit/>
+          </a:bodyPr>
+          <a:lstStyle/>
+          <a:p>
+            <a:r>
+              <a:rPr lang="ru-RU" sz="2400" b="1" i="1" dirty="0" smtClean="0">
+                <a:effectLst>
+                  <a:outerShdw blurRad="38100" dist="38100" dir="2700000" algn="tl">
+                    <a:srgbClr val="000000">
+                      <a:alpha val="43137"/>
+                    </a:srgbClr>
+                  </a:outerShdw>
+                </a:effectLst>
+              </a:rPr>
+              <a:t>КУРЬЕРЫ НА КАРТЕ</a:t>
+            </a:r>
+            <a:endParaRPr lang="ru-RU" sz="2400" b="1" i="1" dirty="0">
+              <a:effectLst>
+                <a:outerShdw blurRad="38100" dist="38100" dir="2700000" algn="tl">
+                  <a:srgbClr val="000000">
+                    <a:alpha val="43137"/>
+                  </a:srgbClr>
+                </a:outerShdw>
+              </a:effectLst>
+            </a:endParaRPr>
+          </a:p>
+        </p:txBody>
+      </p:sp>
+      <p:pic>
+        <p:nvPicPr>
+          <p:cNvPr id="33" name="Picture 4" descr="Картинки по запросу иконка карта"/>
+          <p:cNvPicPr>
+            <a:picLocks noChangeAspect="1" noChangeArrowheads="1"/>
+          </p:cNvPicPr>
+          <p:nvPr/>
+        </p:nvPicPr>
+        <p:blipFill>
+          <a:blip r:embed="rId2">
+            <a:extLst>
+              <a:ext uri="{28A0092B-C50C-407E-A947-70E740481C1C}">
+                <a14:useLocalDpi xmlns:a14="http://schemas.microsoft.com/office/drawing/2010/main" val="0"/>
+              </a:ext>
+            </a:extLst>
+          </a:blip>
+          <a:srcRect/>
+          <a:stretch>
+            <a:fillRect/>
+          </a:stretch>
+        </p:blipFill>
+        <p:spPr bwMode="auto">
+          <a:xfrm>
+            <a:off x="323528" y="1624246"/>
+            <a:ext cx="5400600" cy="4943198"/>
+          </a:xfrm>
+          <a:prstGeom prst="rect">
+            <a:avLst/>
+          </a:prstGeom>
+          <a:noFill/>
+          <a:extLst>
+            <a:ext uri="{909E8E84-426E-40DD-AFC4-6F175D3DCCD1}">
+              <a14:hiddenFill xmlns:a14="http://schemas.microsoft.com/office/drawing/2010/main">
+                <a:solidFill>
+                  <a:srgbClr val="FFFFFF"/>
+                </a:solidFill>
+              </a14:hiddenFill>
+            </a:ext>
+          </a:extLst>
+        </p:spPr>
+      </p:pic>
+    </p:spTree>
+    <p:extLst>
+      <p:ext uri="{BB962C8B-B14F-4D97-AF65-F5344CB8AC3E}">
+        <p14:creationId xmlns:p14="http://schemas.microsoft.com/office/powerpoint/2010/main" val="4072543664"/>
+      </p:ext>
+    </p:extLst>
+  </p:cSld>
+  <p:clrMapOvr>
+    <a:masterClrMapping/>
+  </p:clrMapOvr>
+  <p:timing>
+    <p:tnLst>
+      <p:par>
+        <p:cTn id="1" dur="indefinite" restart="never" nodeType="tmRoot"/>
+      </p:par>
+    </p:tnLst>
+  </p:timing>
+</p:sld>
+</file>
+
+<file path=ppt/slides/slide18.xml><?xml version="1.0" encoding="utf-8"?>
+<p:sld xmlns:a="http://schemas.openxmlformats.org/drawingml/2006/main" xmlns:r="http://schemas.openxmlformats.org/officeDocument/2006/relationships" xmlns:p="http://schemas.openxmlformats.org/presentationml/2006/main">
+  <p:cSld>
+    <p:spTree>
+      <p:nvGrpSpPr>
+        <p:cNvPr id="1" name=""/>
+        <p:cNvGrpSpPr/>
+        <p:nvPr/>
+      </p:nvGrpSpPr>
+      <p:grpSpPr>
+        <a:xfrm>
+          <a:off x="0" y="0"/>
+          <a:ext cx="0" cy="0"/>
+          <a:chOff x="0" y="0"/>
+          <a:chExt cx="0" cy="0"/>
+        </a:xfrm>
+      </p:grpSpPr>
+      <p:sp>
+        <p:nvSpPr>
+          <p:cNvPr id="28" name="Заголовок 1"/>
+          <p:cNvSpPr>
+            <a:spLocks noGrp="1"/>
+          </p:cNvSpPr>
+          <p:nvPr>
+            <p:ph type="title"/>
+          </p:nvPr>
+        </p:nvSpPr>
+        <p:spPr>
+          <a:xfrm>
+            <a:off x="0" y="402720"/>
+            <a:ext cx="9144000" cy="491963"/>
+          </a:xfrm>
+          <a:solidFill>
+            <a:srgbClr val="FFFF00">
+              <a:alpha val="19000"/>
+            </a:srgbClr>
+          </a:solidFill>
+        </p:spPr>
+        <p:txBody>
+          <a:bodyPr>
+            <a:noAutofit/>
+          </a:bodyPr>
+          <a:lstStyle/>
+          <a:p>
+            <a:r>
+              <a:rPr lang="uk-UA" sz="3200" dirty="0" err="1" smtClean="0">
+                <a:effectLst>
+                  <a:outerShdw blurRad="38100" dist="38100" dir="2700000" algn="tl">
+                    <a:srgbClr val="000000">
+                      <a:alpha val="43137"/>
+                    </a:srgbClr>
+                  </a:outerShdw>
+                </a:effectLst>
+              </a:rPr>
+              <a:t>Новые</a:t>
+            </a:r>
+            <a:r>
+              <a:rPr lang="uk-UA" sz="3200" dirty="0" smtClean="0">
+                <a:effectLst>
+                  <a:outerShdw blurRad="38100" dist="38100" dir="2700000" algn="tl">
+                    <a:srgbClr val="000000">
+                      <a:alpha val="43137"/>
+                    </a:srgbClr>
+                  </a:outerShdw>
+                </a:effectLst>
+              </a:rPr>
+              <a:t> </a:t>
+            </a:r>
+            <a:r>
+              <a:rPr lang="uk-UA" sz="3200" dirty="0" err="1" smtClean="0">
+                <a:effectLst>
+                  <a:outerShdw blurRad="38100" dist="38100" dir="2700000" algn="tl">
+                    <a:srgbClr val="000000">
+                      <a:alpha val="43137"/>
+                    </a:srgbClr>
+                  </a:outerShdw>
+                </a:effectLst>
+              </a:rPr>
+              <a:t>заказы</a:t>
+            </a:r>
+            <a:endParaRPr lang="ru-RU" sz="3200" dirty="0">
+              <a:effectLst>
+                <a:outerShdw blurRad="38100" dist="38100" dir="2700000" algn="tl">
+                  <a:srgbClr val="000000">
+                    <a:alpha val="43137"/>
+                  </a:srgbClr>
+                </a:outerShdw>
+              </a:effectLst>
+            </a:endParaRPr>
+          </a:p>
+        </p:txBody>
+      </p:sp>
+      <p:sp>
+        <p:nvSpPr>
+          <p:cNvPr id="39" name="Скругленный прямоугольник 38"/>
+          <p:cNvSpPr/>
+          <p:nvPr/>
+        </p:nvSpPr>
+        <p:spPr>
+          <a:xfrm>
+            <a:off x="986180" y="1563756"/>
+            <a:ext cx="3153772" cy="3331005"/>
+          </a:xfrm>
+          <a:prstGeom prst="roundRect">
+            <a:avLst/>
+          </a:prstGeom>
+          <a:solidFill>
+            <a:srgbClr val="FFFF00">
+              <a:alpha val="51000"/>
+            </a:srgbClr>
+          </a:solidFill>
+          <a:ln>
+            <a:solidFill>
+              <a:srgbClr val="FFC000"/>
+            </a:solidFill>
+          </a:ln>
+        </p:spPr>
+        <p:style>
+          <a:lnRef idx="2">
+            <a:schemeClr val="accent1">
+              <a:shade val="50000"/>
+            </a:schemeClr>
+          </a:lnRef>
+          <a:fillRef idx="1">
+            <a:schemeClr val="accent1"/>
+          </a:fillRef>
+          <a:effectRef idx="0">
+            <a:schemeClr val="accent1"/>
+          </a:effectRef>
+          <a:fontRef idx="minor">
+            <a:schemeClr val="lt1"/>
+          </a:fontRef>
+        </p:style>
+        <p:txBody>
+          <a:bodyPr rtlCol="0" anchor="ctr"/>
+          <a:lstStyle/>
+          <a:p>
+            <a:pPr algn="ctr"/>
+            <a:endParaRPr lang="ru-RU"/>
+          </a:p>
+        </p:txBody>
+      </p:sp>
+      <p:cxnSp>
+        <p:nvCxnSpPr>
+          <p:cNvPr id="40" name="Прямая соединительная линия 39"/>
+          <p:cNvCxnSpPr/>
+          <p:nvPr/>
+        </p:nvCxnSpPr>
+        <p:spPr>
+          <a:xfrm>
+            <a:off x="986180" y="2018580"/>
+            <a:ext cx="3153772" cy="0"/>
+          </a:xfrm>
+          <a:prstGeom prst="line">
+            <a:avLst/>
+          </a:prstGeom>
+          <a:ln>
+            <a:solidFill>
+              <a:srgbClr val="FFC000"/>
+            </a:solidFill>
+          </a:ln>
+        </p:spPr>
+        <p:style>
+          <a:lnRef idx="1">
+            <a:schemeClr val="accent1"/>
+          </a:lnRef>
+          <a:fillRef idx="0">
+            <a:schemeClr val="accent1"/>
+          </a:fillRef>
+          <a:effectRef idx="0">
+            <a:schemeClr val="accent1"/>
+          </a:effectRef>
+          <a:fontRef idx="minor">
+            <a:schemeClr val="tx1"/>
+          </a:fontRef>
+        </p:style>
+      </p:cxnSp>
+      <p:cxnSp>
+        <p:nvCxnSpPr>
+          <p:cNvPr id="41" name="Прямая соединительная линия 40"/>
+          <p:cNvCxnSpPr/>
+          <p:nvPr/>
+        </p:nvCxnSpPr>
+        <p:spPr>
+          <a:xfrm>
+            <a:off x="975510" y="4351272"/>
+            <a:ext cx="3164442" cy="6595"/>
+          </a:xfrm>
+          <a:prstGeom prst="line">
+            <a:avLst/>
+          </a:prstGeom>
+          <a:ln>
+            <a:solidFill>
+              <a:srgbClr val="FFC000"/>
+            </a:solidFill>
+          </a:ln>
+        </p:spPr>
+        <p:style>
+          <a:lnRef idx="1">
+            <a:schemeClr val="accent1"/>
+          </a:lnRef>
+          <a:fillRef idx="0">
+            <a:schemeClr val="accent1"/>
+          </a:fillRef>
+          <a:effectRef idx="0">
+            <a:schemeClr val="accent1"/>
+          </a:effectRef>
+          <a:fontRef idx="minor">
+            <a:schemeClr val="tx1"/>
+          </a:fontRef>
+        </p:style>
+      </p:cxnSp>
+      <p:cxnSp>
+        <p:nvCxnSpPr>
+          <p:cNvPr id="42" name="Прямая соединительная линия 41"/>
+          <p:cNvCxnSpPr/>
+          <p:nvPr/>
+        </p:nvCxnSpPr>
+        <p:spPr>
+          <a:xfrm>
+            <a:off x="986180" y="2352656"/>
+            <a:ext cx="3153772" cy="0"/>
+          </a:xfrm>
+          <a:prstGeom prst="line">
+            <a:avLst/>
+          </a:prstGeom>
+          <a:ln>
+            <a:solidFill>
+              <a:srgbClr val="FFC000"/>
+            </a:solidFill>
+          </a:ln>
+        </p:spPr>
+        <p:style>
+          <a:lnRef idx="1">
+            <a:schemeClr val="accent1"/>
+          </a:lnRef>
+          <a:fillRef idx="0">
+            <a:schemeClr val="accent1"/>
+          </a:fillRef>
+          <a:effectRef idx="0">
+            <a:schemeClr val="accent1"/>
+          </a:effectRef>
+          <a:fontRef idx="minor">
+            <a:schemeClr val="tx1"/>
+          </a:fontRef>
+        </p:style>
+      </p:cxnSp>
+      <p:sp>
+        <p:nvSpPr>
+          <p:cNvPr id="43" name="TextBox 42"/>
+          <p:cNvSpPr txBox="1"/>
+          <p:nvPr/>
+        </p:nvSpPr>
+        <p:spPr>
+          <a:xfrm>
+            <a:off x="1022184" y="1707772"/>
+            <a:ext cx="2973752" cy="260511"/>
+          </a:xfrm>
+          <a:prstGeom prst="rect">
+            <a:avLst/>
+          </a:prstGeom>
+          <a:noFill/>
+        </p:spPr>
+        <p:txBody>
+          <a:bodyPr wrap="square" rtlCol="0">
+            <a:spAutoFit/>
+          </a:bodyPr>
+          <a:lstStyle/>
+          <a:p>
+            <a:pPr algn="ctr"/>
+            <a:r>
+              <a:rPr lang="ru-RU" sz="1050" dirty="0" smtClean="0"/>
+              <a:t>Заказ № 1</a:t>
+            </a:r>
+            <a:endParaRPr lang="ru-RU" sz="1050" dirty="0"/>
+          </a:p>
+        </p:txBody>
+      </p:sp>
+      <p:sp>
+        <p:nvSpPr>
+          <p:cNvPr id="44" name="TextBox 43"/>
+          <p:cNvSpPr txBox="1"/>
+          <p:nvPr/>
+        </p:nvSpPr>
+        <p:spPr>
+          <a:xfrm>
+            <a:off x="1342130" y="2098740"/>
+            <a:ext cx="2365774" cy="253916"/>
+          </a:xfrm>
+          <a:prstGeom prst="rect">
+            <a:avLst/>
+          </a:prstGeom>
+          <a:noFill/>
+        </p:spPr>
+        <p:txBody>
+          <a:bodyPr wrap="square" rtlCol="0">
+            <a:spAutoFit/>
+          </a:bodyPr>
+          <a:lstStyle/>
+          <a:p>
+            <a:pPr algn="ctr"/>
+            <a:r>
+              <a:rPr lang="ru-RU" sz="1050" dirty="0" smtClean="0"/>
+              <a:t>Заказ №2</a:t>
+            </a:r>
+            <a:endParaRPr lang="ru-RU" sz="1050" dirty="0"/>
+          </a:p>
+        </p:txBody>
+      </p:sp>
+      <p:sp>
+        <p:nvSpPr>
+          <p:cNvPr id="45" name="TextBox 44"/>
+          <p:cNvSpPr txBox="1"/>
+          <p:nvPr/>
+        </p:nvSpPr>
+        <p:spPr>
+          <a:xfrm>
+            <a:off x="2240756" y="2768280"/>
+            <a:ext cx="792088" cy="769441"/>
+          </a:xfrm>
+          <a:prstGeom prst="rect">
+            <a:avLst/>
+          </a:prstGeom>
+          <a:noFill/>
+        </p:spPr>
+        <p:txBody>
+          <a:bodyPr wrap="square" rtlCol="0">
+            <a:spAutoFit/>
+          </a:bodyPr>
+          <a:lstStyle/>
+          <a:p>
+            <a:r>
+              <a:rPr lang="ru-RU" sz="4400" dirty="0" smtClean="0"/>
+              <a:t>…</a:t>
+            </a:r>
+            <a:endParaRPr lang="ru-RU" sz="4400" dirty="0"/>
+          </a:p>
+        </p:txBody>
+      </p:sp>
+      <p:sp>
+        <p:nvSpPr>
+          <p:cNvPr id="46" name="TextBox 45"/>
+          <p:cNvSpPr txBox="1"/>
+          <p:nvPr/>
+        </p:nvSpPr>
+        <p:spPr>
+          <a:xfrm>
+            <a:off x="1159902" y="1131709"/>
+            <a:ext cx="2692017" cy="369332"/>
+          </a:xfrm>
+          <a:prstGeom prst="rect">
+            <a:avLst/>
+          </a:prstGeom>
+          <a:noFill/>
+        </p:spPr>
+        <p:txBody>
+          <a:bodyPr wrap="square" rtlCol="0">
+            <a:spAutoFit/>
+          </a:bodyPr>
+          <a:lstStyle/>
+          <a:p>
+            <a:pPr algn="ctr"/>
+            <a:r>
+              <a:rPr lang="en-US" i="1" dirty="0" smtClean="0"/>
+              <a:t>VIP-</a:t>
+            </a:r>
+            <a:r>
+              <a:rPr lang="ru-RU" i="1" dirty="0" smtClean="0"/>
+              <a:t>заказы</a:t>
+            </a:r>
+            <a:endParaRPr lang="ru-RU" i="1" dirty="0"/>
+          </a:p>
+        </p:txBody>
+      </p:sp>
+      <p:sp>
+        <p:nvSpPr>
+          <p:cNvPr id="47" name="TextBox 46"/>
+          <p:cNvSpPr txBox="1"/>
+          <p:nvPr/>
+        </p:nvSpPr>
+        <p:spPr>
+          <a:xfrm>
+            <a:off x="1011514" y="4462713"/>
+            <a:ext cx="3128438" cy="260511"/>
+          </a:xfrm>
+          <a:prstGeom prst="rect">
+            <a:avLst/>
+          </a:prstGeom>
+          <a:noFill/>
+        </p:spPr>
+        <p:txBody>
+          <a:bodyPr wrap="square" rtlCol="0">
+            <a:spAutoFit/>
+          </a:bodyPr>
+          <a:lstStyle/>
+          <a:p>
+            <a:pPr algn="ctr"/>
+            <a:r>
+              <a:rPr lang="ru-RU" sz="1050" dirty="0" smtClean="0"/>
+              <a:t>Заказ №</a:t>
+            </a:r>
+            <a:r>
+              <a:rPr lang="en-US" sz="1050" dirty="0"/>
+              <a:t>n</a:t>
+            </a:r>
+            <a:endParaRPr lang="ru-RU" sz="1050" dirty="0"/>
+          </a:p>
+        </p:txBody>
+      </p:sp>
+      <p:sp>
+        <p:nvSpPr>
+          <p:cNvPr id="48" name="Скругленный прямоугольник 47"/>
+          <p:cNvSpPr/>
+          <p:nvPr/>
+        </p:nvSpPr>
+        <p:spPr>
+          <a:xfrm>
+            <a:off x="5282626" y="1563756"/>
+            <a:ext cx="2961782" cy="3331005"/>
+          </a:xfrm>
+          <a:prstGeom prst="roundRect">
+            <a:avLst/>
+          </a:prstGeom>
+          <a:solidFill>
+            <a:srgbClr val="FFFF00">
+              <a:alpha val="51000"/>
+            </a:srgbClr>
+          </a:solidFill>
+          <a:ln>
+            <a:solidFill>
+              <a:srgbClr val="FFC000"/>
+            </a:solidFill>
+          </a:ln>
+        </p:spPr>
+        <p:style>
+          <a:lnRef idx="2">
+            <a:schemeClr val="accent1">
+              <a:shade val="50000"/>
+            </a:schemeClr>
+          </a:lnRef>
+          <a:fillRef idx="1">
+            <a:schemeClr val="accent1"/>
+          </a:fillRef>
+          <a:effectRef idx="0">
+            <a:schemeClr val="accent1"/>
+          </a:effectRef>
+          <a:fontRef idx="minor">
+            <a:schemeClr val="lt1"/>
+          </a:fontRef>
+        </p:style>
+        <p:txBody>
+          <a:bodyPr rtlCol="0" anchor="ctr"/>
+          <a:lstStyle/>
+          <a:p>
+            <a:pPr algn="ctr"/>
+            <a:endParaRPr lang="ru-RU"/>
+          </a:p>
+        </p:txBody>
+      </p:sp>
+      <p:cxnSp>
+        <p:nvCxnSpPr>
+          <p:cNvPr id="49" name="Прямая соединительная линия 48"/>
+          <p:cNvCxnSpPr/>
+          <p:nvPr/>
+        </p:nvCxnSpPr>
+        <p:spPr>
+          <a:xfrm>
+            <a:off x="5295387" y="2025175"/>
+            <a:ext cx="2949021" cy="0"/>
+          </a:xfrm>
+          <a:prstGeom prst="line">
+            <a:avLst/>
+          </a:prstGeom>
+          <a:ln>
+            <a:solidFill>
+              <a:srgbClr val="FFC000"/>
+            </a:solidFill>
+          </a:ln>
+        </p:spPr>
+        <p:style>
+          <a:lnRef idx="1">
+            <a:schemeClr val="accent1"/>
+          </a:lnRef>
+          <a:fillRef idx="0">
+            <a:schemeClr val="accent1"/>
+          </a:fillRef>
+          <a:effectRef idx="0">
+            <a:schemeClr val="accent1"/>
+          </a:effectRef>
+          <a:fontRef idx="minor">
+            <a:schemeClr val="tx1"/>
+          </a:fontRef>
+        </p:style>
+      </p:cxnSp>
+      <p:cxnSp>
+        <p:nvCxnSpPr>
+          <p:cNvPr id="50" name="Прямая соединительная линия 49"/>
+          <p:cNvCxnSpPr/>
+          <p:nvPr/>
+        </p:nvCxnSpPr>
+        <p:spPr>
+          <a:xfrm flipV="1">
+            <a:off x="5284717" y="4351272"/>
+            <a:ext cx="2959691" cy="6595"/>
+          </a:xfrm>
+          <a:prstGeom prst="line">
+            <a:avLst/>
+          </a:prstGeom>
+          <a:ln>
+            <a:solidFill>
+              <a:srgbClr val="FFC000"/>
+            </a:solidFill>
+          </a:ln>
+        </p:spPr>
+        <p:style>
+          <a:lnRef idx="1">
+            <a:schemeClr val="accent1"/>
+          </a:lnRef>
+          <a:fillRef idx="0">
+            <a:schemeClr val="accent1"/>
+          </a:fillRef>
+          <a:effectRef idx="0">
+            <a:schemeClr val="accent1"/>
+          </a:effectRef>
+          <a:fontRef idx="minor">
+            <a:schemeClr val="tx1"/>
+          </a:fontRef>
+        </p:style>
+      </p:cxnSp>
+      <p:cxnSp>
+        <p:nvCxnSpPr>
+          <p:cNvPr id="51" name="Прямая соединительная линия 50"/>
+          <p:cNvCxnSpPr/>
+          <p:nvPr/>
+        </p:nvCxnSpPr>
+        <p:spPr>
+          <a:xfrm flipV="1">
+            <a:off x="5295387" y="2352656"/>
+            <a:ext cx="2949021" cy="6595"/>
+          </a:xfrm>
+          <a:prstGeom prst="line">
+            <a:avLst/>
+          </a:prstGeom>
+          <a:ln>
+            <a:solidFill>
+              <a:srgbClr val="FFC000"/>
+            </a:solidFill>
+          </a:ln>
+        </p:spPr>
+        <p:style>
+          <a:lnRef idx="1">
+            <a:schemeClr val="accent1"/>
+          </a:lnRef>
+          <a:fillRef idx="0">
+            <a:schemeClr val="accent1"/>
+          </a:fillRef>
+          <a:effectRef idx="0">
+            <a:schemeClr val="accent1"/>
+          </a:effectRef>
+          <a:fontRef idx="minor">
+            <a:schemeClr val="tx1"/>
+          </a:fontRef>
+        </p:style>
+      </p:cxnSp>
+      <p:sp>
+        <p:nvSpPr>
+          <p:cNvPr id="52" name="TextBox 51"/>
+          <p:cNvSpPr txBox="1"/>
+          <p:nvPr/>
+        </p:nvSpPr>
+        <p:spPr>
+          <a:xfrm>
+            <a:off x="5331390" y="1714368"/>
+            <a:ext cx="2841009" cy="253916"/>
+          </a:xfrm>
+          <a:prstGeom prst="rect">
+            <a:avLst/>
+          </a:prstGeom>
+          <a:noFill/>
+        </p:spPr>
+        <p:txBody>
+          <a:bodyPr wrap="square" rtlCol="0">
+            <a:spAutoFit/>
+          </a:bodyPr>
+          <a:lstStyle/>
+          <a:p>
+            <a:pPr algn="ctr"/>
+            <a:r>
+              <a:rPr lang="ru-RU" sz="1050" dirty="0" smtClean="0"/>
+              <a:t>Заказ № 1</a:t>
+            </a:r>
+            <a:endParaRPr lang="ru-RU" sz="1050" dirty="0"/>
+          </a:p>
+        </p:txBody>
+      </p:sp>
+      <p:sp>
+        <p:nvSpPr>
+          <p:cNvPr id="53" name="TextBox 52"/>
+          <p:cNvSpPr txBox="1"/>
+          <p:nvPr/>
+        </p:nvSpPr>
+        <p:spPr>
+          <a:xfrm>
+            <a:off x="5651336" y="2105335"/>
+            <a:ext cx="2161023" cy="253916"/>
+          </a:xfrm>
+          <a:prstGeom prst="rect">
+            <a:avLst/>
+          </a:prstGeom>
+          <a:noFill/>
+        </p:spPr>
+        <p:txBody>
+          <a:bodyPr wrap="square" rtlCol="0">
+            <a:spAutoFit/>
+          </a:bodyPr>
+          <a:lstStyle/>
+          <a:p>
+            <a:pPr algn="ctr"/>
+            <a:r>
+              <a:rPr lang="ru-RU" sz="1050" dirty="0" smtClean="0"/>
+              <a:t>Заказ №2</a:t>
+            </a:r>
+            <a:endParaRPr lang="ru-RU" sz="1050" dirty="0"/>
+          </a:p>
+        </p:txBody>
+      </p:sp>
+      <p:sp>
+        <p:nvSpPr>
+          <p:cNvPr id="54" name="TextBox 53"/>
+          <p:cNvSpPr txBox="1"/>
+          <p:nvPr/>
+        </p:nvSpPr>
+        <p:spPr>
+          <a:xfrm>
+            <a:off x="6545078" y="2749026"/>
+            <a:ext cx="792088" cy="769441"/>
+          </a:xfrm>
+          <a:prstGeom prst="rect">
+            <a:avLst/>
+          </a:prstGeom>
+          <a:noFill/>
+        </p:spPr>
+        <p:txBody>
+          <a:bodyPr wrap="square" rtlCol="0">
+            <a:spAutoFit/>
+          </a:bodyPr>
+          <a:lstStyle/>
+          <a:p>
+            <a:r>
+              <a:rPr lang="ru-RU" sz="4400" dirty="0" smtClean="0"/>
+              <a:t>…</a:t>
+            </a:r>
+            <a:endParaRPr lang="ru-RU" sz="4400" dirty="0"/>
+          </a:p>
+        </p:txBody>
+      </p:sp>
+      <p:sp>
+        <p:nvSpPr>
+          <p:cNvPr id="55" name="TextBox 54"/>
+          <p:cNvSpPr txBox="1"/>
+          <p:nvPr/>
+        </p:nvSpPr>
+        <p:spPr>
+          <a:xfrm>
+            <a:off x="5469109" y="1138304"/>
+            <a:ext cx="2703289" cy="369332"/>
+          </a:xfrm>
+          <a:prstGeom prst="rect">
+            <a:avLst/>
+          </a:prstGeom>
+          <a:noFill/>
+        </p:spPr>
+        <p:txBody>
+          <a:bodyPr wrap="square" rtlCol="0">
+            <a:spAutoFit/>
+          </a:bodyPr>
+          <a:lstStyle/>
+          <a:p>
+            <a:pPr algn="ctr"/>
+            <a:r>
+              <a:rPr lang="ru-RU" i="1" dirty="0" smtClean="0"/>
+              <a:t>Обычные заказы</a:t>
+            </a:r>
+            <a:endParaRPr lang="ru-RU" i="1" dirty="0"/>
+          </a:p>
+        </p:txBody>
+      </p:sp>
+      <p:sp>
+        <p:nvSpPr>
+          <p:cNvPr id="56" name="TextBox 55"/>
+          <p:cNvSpPr txBox="1"/>
+          <p:nvPr/>
+        </p:nvSpPr>
+        <p:spPr>
+          <a:xfrm>
+            <a:off x="5320721" y="4469309"/>
+            <a:ext cx="2851678" cy="253916"/>
+          </a:xfrm>
+          <a:prstGeom prst="rect">
+            <a:avLst/>
+          </a:prstGeom>
+          <a:noFill/>
+        </p:spPr>
+        <p:txBody>
+          <a:bodyPr wrap="square" rtlCol="0">
+            <a:spAutoFit/>
+          </a:bodyPr>
+          <a:lstStyle/>
+          <a:p>
+            <a:pPr algn="ctr"/>
+            <a:r>
+              <a:rPr lang="ru-RU" sz="1050" dirty="0" smtClean="0"/>
+              <a:t>Заказ №</a:t>
+            </a:r>
+            <a:r>
+              <a:rPr lang="en-US" sz="1050" dirty="0"/>
+              <a:t>n</a:t>
+            </a:r>
+            <a:endParaRPr lang="ru-RU" sz="1050" dirty="0"/>
+          </a:p>
+        </p:txBody>
+      </p:sp>
+      <p:sp>
+        <p:nvSpPr>
+          <p:cNvPr id="63" name="Багетная рамка 62"/>
+          <p:cNvSpPr/>
+          <p:nvPr/>
+        </p:nvSpPr>
+        <p:spPr>
+          <a:xfrm>
+            <a:off x="1030846" y="5036459"/>
+            <a:ext cx="3109106" cy="1008112"/>
+          </a:xfrm>
+          <a:prstGeom prst="bevel">
+            <a:avLst/>
+          </a:prstGeom>
+          <a:solidFill>
+            <a:srgbClr val="FFFF00">
+              <a:alpha val="67000"/>
+            </a:srgbClr>
+          </a:solidFill>
+          <a:ln>
+            <a:solidFill>
+              <a:schemeClr val="accent6"/>
+            </a:solidFill>
+          </a:ln>
+        </p:spPr>
+        <p:style>
+          <a:lnRef idx="2">
+            <a:schemeClr val="accent1">
+              <a:shade val="50000"/>
+            </a:schemeClr>
+          </a:lnRef>
+          <a:fillRef idx="1">
+            <a:schemeClr val="accent1"/>
+          </a:fillRef>
+          <a:effectRef idx="0">
+            <a:schemeClr val="accent1"/>
+          </a:effectRef>
+          <a:fontRef idx="minor">
+            <a:schemeClr val="lt1"/>
+          </a:fontRef>
+        </p:style>
+        <p:txBody>
+          <a:bodyPr rtlCol="0" anchor="ctr"/>
+          <a:lstStyle/>
+          <a:p>
+            <a:pPr algn="ctr"/>
+            <a:endParaRPr lang="ru-RU"/>
+          </a:p>
+        </p:txBody>
+      </p:sp>
+      <p:sp>
+        <p:nvSpPr>
+          <p:cNvPr id="64" name="TextBox 63"/>
+          <p:cNvSpPr txBox="1"/>
+          <p:nvPr/>
+        </p:nvSpPr>
+        <p:spPr>
+          <a:xfrm>
+            <a:off x="1159902" y="5171183"/>
+            <a:ext cx="2905994" cy="738664"/>
+          </a:xfrm>
+          <a:prstGeom prst="rect">
+            <a:avLst/>
+          </a:prstGeom>
+          <a:noFill/>
+        </p:spPr>
+        <p:txBody>
+          <a:bodyPr wrap="square" rtlCol="0">
+            <a:spAutoFit/>
+          </a:bodyPr>
+          <a:lstStyle/>
+          <a:p>
+            <a:pPr algn="ctr"/>
+            <a:r>
+              <a:rPr lang="ru-RU" sz="1400" dirty="0" smtClean="0">
+                <a:effectLst>
+                  <a:outerShdw blurRad="38100" dist="38100" dir="2700000" algn="tl">
+                    <a:srgbClr val="000000">
+                      <a:alpha val="43137"/>
+                    </a:srgbClr>
+                  </a:outerShdw>
+                </a:effectLst>
+              </a:rPr>
+              <a:t>РАСПРЕДЕЛИТЬ ПО БЛИЗЖАЙШИМ К ЗАКАЗЧИКУ СВОБОДНЫМ КУРЬЕРАМ</a:t>
+            </a:r>
+            <a:endParaRPr lang="ru-RU" sz="1400" dirty="0">
+              <a:effectLst>
+                <a:outerShdw blurRad="38100" dist="38100" dir="2700000" algn="tl">
+                  <a:srgbClr val="000000">
+                    <a:alpha val="43137"/>
+                  </a:srgbClr>
+                </a:outerShdw>
+              </a:effectLst>
+            </a:endParaRPr>
+          </a:p>
+        </p:txBody>
+      </p:sp>
+      <p:sp>
+        <p:nvSpPr>
+          <p:cNvPr id="65" name="Багетная рамка 64"/>
+          <p:cNvSpPr/>
+          <p:nvPr/>
+        </p:nvSpPr>
+        <p:spPr>
+          <a:xfrm>
+            <a:off x="5307960" y="5036459"/>
+            <a:ext cx="2936448" cy="1008112"/>
+          </a:xfrm>
+          <a:prstGeom prst="bevel">
+            <a:avLst/>
+          </a:prstGeom>
+          <a:solidFill>
+            <a:srgbClr val="FFFF00">
+              <a:alpha val="67000"/>
+            </a:srgbClr>
+          </a:solidFill>
+          <a:ln>
+            <a:solidFill>
+              <a:schemeClr val="accent6"/>
+            </a:solidFill>
+          </a:ln>
+        </p:spPr>
+        <p:style>
+          <a:lnRef idx="2">
+            <a:schemeClr val="accent1">
+              <a:shade val="50000"/>
+            </a:schemeClr>
+          </a:lnRef>
+          <a:fillRef idx="1">
+            <a:schemeClr val="accent1"/>
+          </a:fillRef>
+          <a:effectRef idx="0">
+            <a:schemeClr val="accent1"/>
+          </a:effectRef>
+          <a:fontRef idx="minor">
+            <a:schemeClr val="lt1"/>
+          </a:fontRef>
+        </p:style>
+        <p:txBody>
+          <a:bodyPr rtlCol="0" anchor="ctr"/>
+          <a:lstStyle/>
+          <a:p>
+            <a:pPr algn="ctr"/>
+            <a:endParaRPr lang="ru-RU"/>
+          </a:p>
+        </p:txBody>
+      </p:sp>
+      <p:sp>
+        <p:nvSpPr>
+          <p:cNvPr id="66" name="TextBox 65"/>
+          <p:cNvSpPr txBox="1"/>
+          <p:nvPr/>
+        </p:nvSpPr>
+        <p:spPr>
+          <a:xfrm>
+            <a:off x="5451144" y="5278905"/>
+            <a:ext cx="2649247" cy="523220"/>
+          </a:xfrm>
+          <a:prstGeom prst="rect">
+            <a:avLst/>
+          </a:prstGeom>
+          <a:noFill/>
+        </p:spPr>
+        <p:txBody>
+          <a:bodyPr wrap="square" rtlCol="0">
+            <a:spAutoFit/>
+          </a:bodyPr>
+          <a:lstStyle/>
+          <a:p>
+            <a:pPr algn="ctr"/>
+            <a:r>
+              <a:rPr lang="ru-RU" sz="1400" dirty="0" smtClean="0">
+                <a:effectLst>
+                  <a:outerShdw blurRad="38100" dist="38100" dir="2700000" algn="tl">
+                    <a:srgbClr val="000000">
+                      <a:alpha val="43137"/>
+                    </a:srgbClr>
+                  </a:outerShdw>
+                </a:effectLst>
+              </a:rPr>
+              <a:t>РАСПРЕДЕЛИТЬ ПО СВОБОДНЫМ КУРЬЕРАМ</a:t>
+            </a:r>
+            <a:endParaRPr lang="ru-RU" sz="1400" dirty="0">
+              <a:effectLst>
+                <a:outerShdw blurRad="38100" dist="38100" dir="2700000" algn="tl">
+                  <a:srgbClr val="000000">
+                    <a:alpha val="43137"/>
+                  </a:srgbClr>
+                </a:outerShdw>
+              </a:effectLst>
+            </a:endParaRPr>
+          </a:p>
+        </p:txBody>
+      </p:sp>
+    </p:spTree>
+    <p:extLst>
+      <p:ext uri="{BB962C8B-B14F-4D97-AF65-F5344CB8AC3E}">
+        <p14:creationId xmlns:p14="http://schemas.microsoft.com/office/powerpoint/2010/main" val="1041516418"/>
+      </p:ext>
+    </p:extLst>
+  </p:cSld>
+  <p:clrMapOvr>
+    <a:masterClrMapping/>
+  </p:clrMapOvr>
+  <p:timing>
+    <p:tnLst>
+      <p:par>
+        <p:cTn id="1" dur="indefinite" restart="never" nodeType="tmRoot"/>
+      </p:par>
+    </p:tnLst>
+  </p:timing>
+</p:sld>
+</file>
+
+<file path=ppt/slides/slide19.xml><?xml version="1.0" encoding="utf-8"?>
+<p:sld xmlns:a="http://schemas.openxmlformats.org/drawingml/2006/main" xmlns:r="http://schemas.openxmlformats.org/officeDocument/2006/relationships" xmlns:p="http://schemas.openxmlformats.org/presentationml/2006/main">
+  <p:cSld>
+    <p:spTree>
+      <p:nvGrpSpPr>
+        <p:cNvPr id="1" name=""/>
+        <p:cNvGrpSpPr/>
+        <p:nvPr/>
+      </p:nvGrpSpPr>
+      <p:grpSpPr>
+        <a:xfrm>
+          <a:off x="0" y="0"/>
+          <a:ext cx="0" cy="0"/>
+          <a:chOff x="0" y="0"/>
+          <a:chExt cx="0" cy="0"/>
+        </a:xfrm>
+      </p:grpSpPr>
+      <p:sp>
+        <p:nvSpPr>
+          <p:cNvPr id="28" name="Заголовок 1"/>
+          <p:cNvSpPr>
+            <a:spLocks noGrp="1"/>
+          </p:cNvSpPr>
+          <p:nvPr>
+            <p:ph type="title"/>
+          </p:nvPr>
+        </p:nvSpPr>
+        <p:spPr>
+          <a:xfrm>
+            <a:off x="0" y="402720"/>
+            <a:ext cx="9144000" cy="491963"/>
+          </a:xfrm>
+          <a:solidFill>
+            <a:srgbClr val="FFFF00">
+              <a:alpha val="19000"/>
+            </a:srgbClr>
+          </a:solidFill>
+        </p:spPr>
+        <p:txBody>
+          <a:bodyPr>
+            <a:noAutofit/>
+          </a:bodyPr>
+          <a:lstStyle/>
+          <a:p>
+            <a:r>
+              <a:rPr lang="uk-UA" sz="3200" dirty="0" err="1" smtClean="0">
+                <a:effectLst>
+                  <a:outerShdw blurRad="38100" dist="38100" dir="2700000" algn="tl">
+                    <a:srgbClr val="000000">
+                      <a:alpha val="43137"/>
+                    </a:srgbClr>
+                  </a:outerShdw>
+                </a:effectLst>
+              </a:rPr>
+              <a:t>Распределенные</a:t>
+            </a:r>
+            <a:r>
+              <a:rPr lang="uk-UA" sz="3200" dirty="0" smtClean="0">
+                <a:effectLst>
+                  <a:outerShdw blurRad="38100" dist="38100" dir="2700000" algn="tl">
+                    <a:srgbClr val="000000">
+                      <a:alpha val="43137"/>
+                    </a:srgbClr>
+                  </a:outerShdw>
+                </a:effectLst>
+              </a:rPr>
+              <a:t> </a:t>
+            </a:r>
+            <a:r>
+              <a:rPr lang="uk-UA" sz="3200" dirty="0" err="1" smtClean="0">
+                <a:effectLst>
+                  <a:outerShdw blurRad="38100" dist="38100" dir="2700000" algn="tl">
+                    <a:srgbClr val="000000">
+                      <a:alpha val="43137"/>
+                    </a:srgbClr>
+                  </a:outerShdw>
+                </a:effectLst>
+              </a:rPr>
+              <a:t>заказы</a:t>
+            </a:r>
+            <a:endParaRPr lang="ru-RU" sz="3200" dirty="0">
+              <a:effectLst>
+                <a:outerShdw blurRad="38100" dist="38100" dir="2700000" algn="tl">
+                  <a:srgbClr val="000000">
+                    <a:alpha val="43137"/>
+                  </a:srgbClr>
+                </a:outerShdw>
+              </a:effectLst>
+            </a:endParaRPr>
+          </a:p>
+        </p:txBody>
+      </p:sp>
+      <p:sp>
+        <p:nvSpPr>
+          <p:cNvPr id="25" name="Прямоугольник 24"/>
+          <p:cNvSpPr/>
+          <p:nvPr/>
+        </p:nvSpPr>
+        <p:spPr>
+          <a:xfrm>
+            <a:off x="69680" y="1086048"/>
+            <a:ext cx="9074320" cy="5148572"/>
+          </a:xfrm>
+          <a:prstGeom prst="rect">
+            <a:avLst/>
+          </a:prstGeom>
+          <a:solidFill>
+            <a:srgbClr val="FFFF00">
+              <a:alpha val="41000"/>
+            </a:srgbClr>
+          </a:solidFill>
+          <a:ln>
+            <a:solidFill>
+              <a:srgbClr val="FFC000"/>
+            </a:solidFill>
+          </a:ln>
+        </p:spPr>
+        <p:style>
+          <a:lnRef idx="2">
+            <a:schemeClr val="accent1">
+              <a:shade val="50000"/>
+            </a:schemeClr>
+          </a:lnRef>
+          <a:fillRef idx="1">
+            <a:schemeClr val="accent1"/>
+          </a:fillRef>
+          <a:effectRef idx="0">
+            <a:schemeClr val="accent1"/>
+          </a:effectRef>
+          <a:fontRef idx="minor">
+            <a:schemeClr val="lt1"/>
+          </a:fontRef>
+        </p:style>
+        <p:txBody>
+          <a:bodyPr rtlCol="0" anchor="ctr"/>
+          <a:lstStyle/>
+          <a:p>
+            <a:pPr algn="ctr"/>
+            <a:endParaRPr lang="ru-RU" dirty="0"/>
+          </a:p>
+        </p:txBody>
+      </p:sp>
+      <p:cxnSp>
+        <p:nvCxnSpPr>
+          <p:cNvPr id="26" name="Прямая соединительная линия 25"/>
+          <p:cNvCxnSpPr/>
+          <p:nvPr/>
+        </p:nvCxnSpPr>
+        <p:spPr>
+          <a:xfrm>
+            <a:off x="4572000" y="1088740"/>
+            <a:ext cx="0" cy="5148572"/>
+          </a:xfrm>
+          <a:prstGeom prst="line">
+            <a:avLst/>
+          </a:prstGeom>
+          <a:ln w="12700">
+            <a:solidFill>
+              <a:srgbClr val="FFC000"/>
+            </a:solidFill>
+          </a:ln>
+        </p:spPr>
+        <p:style>
+          <a:lnRef idx="1">
+            <a:schemeClr val="accent1"/>
+          </a:lnRef>
+          <a:fillRef idx="0">
+            <a:schemeClr val="accent1"/>
+          </a:fillRef>
+          <a:effectRef idx="0">
+            <a:schemeClr val="accent1"/>
+          </a:effectRef>
+          <a:fontRef idx="minor">
+            <a:schemeClr val="tx1"/>
+          </a:fontRef>
+        </p:style>
+      </p:cxnSp>
+      <p:cxnSp>
+        <p:nvCxnSpPr>
+          <p:cNvPr id="27" name="Прямая соединительная линия 26"/>
+          <p:cNvCxnSpPr/>
+          <p:nvPr/>
+        </p:nvCxnSpPr>
+        <p:spPr>
+          <a:xfrm>
+            <a:off x="69681" y="1698116"/>
+            <a:ext cx="9074319" cy="0"/>
+          </a:xfrm>
+          <a:prstGeom prst="line">
+            <a:avLst/>
+          </a:prstGeom>
+          <a:ln w="12700">
+            <a:solidFill>
+              <a:srgbClr val="FFC000"/>
+            </a:solidFill>
+          </a:ln>
+        </p:spPr>
+        <p:style>
+          <a:lnRef idx="1">
+            <a:schemeClr val="accent1"/>
+          </a:lnRef>
+          <a:fillRef idx="0">
+            <a:schemeClr val="accent1"/>
+          </a:fillRef>
+          <a:effectRef idx="0">
+            <a:schemeClr val="accent1"/>
+          </a:effectRef>
+          <a:fontRef idx="minor">
+            <a:schemeClr val="tx1"/>
+          </a:fontRef>
+        </p:style>
+      </p:cxnSp>
+      <p:sp>
+        <p:nvSpPr>
+          <p:cNvPr id="29" name="TextBox 28"/>
+          <p:cNvSpPr txBox="1"/>
+          <p:nvPr/>
+        </p:nvSpPr>
+        <p:spPr>
+          <a:xfrm>
+            <a:off x="2685639" y="1182773"/>
+            <a:ext cx="1814353" cy="400110"/>
+          </a:xfrm>
+          <a:prstGeom prst="rect">
+            <a:avLst/>
+          </a:prstGeom>
+          <a:noFill/>
+        </p:spPr>
+        <p:txBody>
+          <a:bodyPr wrap="square" rtlCol="0">
+            <a:spAutoFit/>
+          </a:bodyPr>
+          <a:lstStyle/>
+          <a:p>
+            <a:r>
+              <a:rPr lang="ru-RU" sz="2000" b="1" dirty="0" smtClean="0">
+                <a:effectLst>
+                  <a:outerShdw blurRad="38100" dist="38100" dir="2700000" algn="tl">
+                    <a:srgbClr val="000000">
+                      <a:alpha val="43137"/>
+                    </a:srgbClr>
+                  </a:outerShdw>
+                </a:effectLst>
+              </a:rPr>
+              <a:t>ОТПРАВИТЕЛЬ</a:t>
+            </a:r>
+            <a:endParaRPr lang="ru-RU" sz="2000" b="1" dirty="0">
+              <a:effectLst>
+                <a:outerShdw blurRad="38100" dist="38100" dir="2700000" algn="tl">
+                  <a:srgbClr val="000000">
+                    <a:alpha val="43137"/>
+                  </a:srgbClr>
+                </a:outerShdw>
+              </a:effectLst>
+            </a:endParaRPr>
+          </a:p>
+        </p:txBody>
+      </p:sp>
+      <p:sp>
+        <p:nvSpPr>
+          <p:cNvPr id="30" name="TextBox 29"/>
+          <p:cNvSpPr txBox="1"/>
+          <p:nvPr/>
+        </p:nvSpPr>
+        <p:spPr>
+          <a:xfrm>
+            <a:off x="4572000" y="1206590"/>
+            <a:ext cx="2016224" cy="400110"/>
+          </a:xfrm>
+          <a:prstGeom prst="rect">
+            <a:avLst/>
+          </a:prstGeom>
+          <a:noFill/>
+        </p:spPr>
+        <p:txBody>
+          <a:bodyPr wrap="square" rtlCol="0">
+            <a:spAutoFit/>
+          </a:bodyPr>
+          <a:lstStyle/>
+          <a:p>
+            <a:r>
+              <a:rPr lang="ru-RU" sz="2000" b="1" dirty="0" smtClean="0">
+                <a:effectLst>
+                  <a:outerShdw blurRad="38100" dist="38100" dir="2700000" algn="tl">
+                    <a:srgbClr val="000000">
+                      <a:alpha val="43137"/>
+                    </a:srgbClr>
+                  </a:outerShdw>
+                </a:effectLst>
+              </a:rPr>
+              <a:t>ПОЛУЧАТЕЛЬ</a:t>
+            </a:r>
+            <a:endParaRPr lang="ru-RU" b="1" dirty="0">
+              <a:effectLst>
+                <a:outerShdw blurRad="38100" dist="38100" dir="2700000" algn="tl">
+                  <a:srgbClr val="000000">
+                    <a:alpha val="43137"/>
+                  </a:srgbClr>
+                </a:outerShdw>
+              </a:effectLst>
+            </a:endParaRPr>
+          </a:p>
+        </p:txBody>
+      </p:sp>
+      <p:cxnSp>
+        <p:nvCxnSpPr>
+          <p:cNvPr id="31" name="Прямая соединительная линия 30"/>
+          <p:cNvCxnSpPr/>
+          <p:nvPr/>
+        </p:nvCxnSpPr>
+        <p:spPr>
+          <a:xfrm>
+            <a:off x="69681" y="3138276"/>
+            <a:ext cx="9074319" cy="0"/>
+          </a:xfrm>
+          <a:prstGeom prst="line">
+            <a:avLst/>
+          </a:prstGeom>
+          <a:ln w="12700">
+            <a:solidFill>
+              <a:srgbClr val="FFC000"/>
+            </a:solidFill>
+          </a:ln>
+        </p:spPr>
+        <p:style>
+          <a:lnRef idx="1">
+            <a:schemeClr val="accent1"/>
+          </a:lnRef>
+          <a:fillRef idx="0">
+            <a:schemeClr val="accent1"/>
+          </a:fillRef>
+          <a:effectRef idx="0">
+            <a:schemeClr val="accent1"/>
+          </a:effectRef>
+          <a:fontRef idx="minor">
+            <a:schemeClr val="tx1"/>
+          </a:fontRef>
+        </p:style>
+      </p:cxnSp>
+      <p:cxnSp>
+        <p:nvCxnSpPr>
+          <p:cNvPr id="33" name="Прямая соединительная линия 32"/>
+          <p:cNvCxnSpPr/>
+          <p:nvPr/>
+        </p:nvCxnSpPr>
+        <p:spPr>
+          <a:xfrm>
+            <a:off x="69681" y="4736945"/>
+            <a:ext cx="9074319" cy="0"/>
+          </a:xfrm>
+          <a:prstGeom prst="line">
+            <a:avLst/>
+          </a:prstGeom>
+          <a:ln w="12700">
+            <a:solidFill>
+              <a:srgbClr val="FFC000"/>
+            </a:solidFill>
+          </a:ln>
+        </p:spPr>
+        <p:style>
+          <a:lnRef idx="1">
+            <a:schemeClr val="accent1"/>
+          </a:lnRef>
+          <a:fillRef idx="0">
+            <a:schemeClr val="accent1"/>
+          </a:fillRef>
+          <a:effectRef idx="0">
+            <a:schemeClr val="accent1"/>
+          </a:effectRef>
+          <a:fontRef idx="minor">
+            <a:schemeClr val="tx1"/>
+          </a:fontRef>
+        </p:style>
+      </p:cxnSp>
+      <p:sp>
+        <p:nvSpPr>
+          <p:cNvPr id="34" name="TextBox 33"/>
+          <p:cNvSpPr txBox="1"/>
+          <p:nvPr/>
+        </p:nvSpPr>
+        <p:spPr>
+          <a:xfrm>
+            <a:off x="2825376" y="1754735"/>
+            <a:ext cx="1108426" cy="369332"/>
+          </a:xfrm>
+          <a:prstGeom prst="rect">
+            <a:avLst/>
+          </a:prstGeom>
+          <a:noFill/>
+        </p:spPr>
+        <p:txBody>
+          <a:bodyPr wrap="square" rtlCol="0">
+            <a:spAutoFit/>
+          </a:bodyPr>
+          <a:lstStyle/>
+          <a:p>
+            <a:r>
+              <a:rPr lang="ru-RU" dirty="0" smtClean="0"/>
+              <a:t>ФИО</a:t>
+            </a:r>
+            <a:endParaRPr lang="ru-RU" dirty="0"/>
+          </a:p>
+        </p:txBody>
+      </p:sp>
+      <p:sp>
+        <p:nvSpPr>
+          <p:cNvPr id="35" name="TextBox 34"/>
+          <p:cNvSpPr txBox="1"/>
+          <p:nvPr/>
+        </p:nvSpPr>
+        <p:spPr>
+          <a:xfrm>
+            <a:off x="2825376" y="2108678"/>
+            <a:ext cx="1476164" cy="646331"/>
+          </a:xfrm>
+          <a:prstGeom prst="rect">
+            <a:avLst/>
+          </a:prstGeom>
+          <a:noFill/>
+        </p:spPr>
+        <p:txBody>
+          <a:bodyPr wrap="square" rtlCol="0">
+            <a:spAutoFit/>
+          </a:bodyPr>
+          <a:lstStyle/>
+          <a:p>
+            <a:r>
+              <a:rPr lang="ru-RU" dirty="0" smtClean="0"/>
+              <a:t>Контактные данные</a:t>
+            </a:r>
+            <a:endParaRPr lang="ru-RU" dirty="0"/>
+          </a:p>
+        </p:txBody>
+      </p:sp>
+      <p:sp>
+        <p:nvSpPr>
+          <p:cNvPr id="36" name="TextBox 35"/>
+          <p:cNvSpPr txBox="1"/>
+          <p:nvPr/>
+        </p:nvSpPr>
+        <p:spPr>
+          <a:xfrm>
+            <a:off x="2825376" y="2732497"/>
+            <a:ext cx="1080120" cy="369332"/>
+          </a:xfrm>
+          <a:prstGeom prst="rect">
+            <a:avLst/>
+          </a:prstGeom>
+          <a:noFill/>
+        </p:spPr>
+        <p:txBody>
+          <a:bodyPr wrap="square" rtlCol="0">
+            <a:spAutoFit/>
+          </a:bodyPr>
+          <a:lstStyle/>
+          <a:p>
+            <a:r>
+              <a:rPr lang="ru-RU" dirty="0" smtClean="0"/>
+              <a:t>Адрес</a:t>
+            </a:r>
+            <a:endParaRPr lang="ru-RU" dirty="0"/>
+          </a:p>
+        </p:txBody>
+      </p:sp>
+      <p:cxnSp>
+        <p:nvCxnSpPr>
+          <p:cNvPr id="37" name="Прямая соединительная линия 36"/>
+          <p:cNvCxnSpPr/>
+          <p:nvPr/>
+        </p:nvCxnSpPr>
+        <p:spPr>
+          <a:xfrm>
+            <a:off x="2703198" y="1065567"/>
+            <a:ext cx="0" cy="5148572"/>
+          </a:xfrm>
+          <a:prstGeom prst="line">
+            <a:avLst/>
+          </a:prstGeom>
+          <a:ln w="12700">
+            <a:solidFill>
+              <a:srgbClr val="FFC000"/>
+            </a:solidFill>
+          </a:ln>
+        </p:spPr>
+        <p:style>
+          <a:lnRef idx="1">
+            <a:schemeClr val="accent1"/>
+          </a:lnRef>
+          <a:fillRef idx="0">
+            <a:schemeClr val="accent1"/>
+          </a:fillRef>
+          <a:effectRef idx="0">
+            <a:schemeClr val="accent1"/>
+          </a:effectRef>
+          <a:fontRef idx="minor">
+            <a:schemeClr val="tx1"/>
+          </a:fontRef>
+        </p:style>
+      </p:cxnSp>
+      <p:sp>
+        <p:nvSpPr>
+          <p:cNvPr id="38" name="TextBox 37"/>
+          <p:cNvSpPr txBox="1"/>
+          <p:nvPr/>
+        </p:nvSpPr>
+        <p:spPr>
+          <a:xfrm>
+            <a:off x="1239416" y="1182773"/>
+            <a:ext cx="1080120" cy="400110"/>
+          </a:xfrm>
+          <a:prstGeom prst="rect">
+            <a:avLst/>
+          </a:prstGeom>
+          <a:noFill/>
+        </p:spPr>
+        <p:txBody>
+          <a:bodyPr wrap="square" rtlCol="0">
+            <a:spAutoFit/>
+          </a:bodyPr>
+          <a:lstStyle/>
+          <a:p>
+            <a:r>
+              <a:rPr lang="ru-RU" sz="2000" b="1" dirty="0" smtClean="0">
+                <a:effectLst>
+                  <a:outerShdw blurRad="38100" dist="38100" dir="2700000" algn="tl">
+                    <a:srgbClr val="000000">
+                      <a:alpha val="43137"/>
+                    </a:srgbClr>
+                  </a:outerShdw>
+                </a:effectLst>
+              </a:rPr>
+              <a:t>ГРУЗ</a:t>
+            </a:r>
+            <a:endParaRPr lang="ru-RU" sz="2000" b="1" dirty="0">
+              <a:effectLst>
+                <a:outerShdw blurRad="38100" dist="38100" dir="2700000" algn="tl">
+                  <a:srgbClr val="000000">
+                    <a:alpha val="43137"/>
+                  </a:srgbClr>
+                </a:outerShdw>
+              </a:effectLst>
+            </a:endParaRPr>
+          </a:p>
+        </p:txBody>
+      </p:sp>
+      <p:sp>
+        <p:nvSpPr>
+          <p:cNvPr id="57" name="TextBox 56"/>
+          <p:cNvSpPr txBox="1"/>
+          <p:nvPr/>
+        </p:nvSpPr>
+        <p:spPr>
+          <a:xfrm>
+            <a:off x="4747645" y="1732223"/>
+            <a:ext cx="1108426" cy="369332"/>
+          </a:xfrm>
+          <a:prstGeom prst="rect">
+            <a:avLst/>
+          </a:prstGeom>
+          <a:noFill/>
+        </p:spPr>
+        <p:txBody>
+          <a:bodyPr wrap="square" rtlCol="0">
+            <a:spAutoFit/>
+          </a:bodyPr>
+          <a:lstStyle/>
+          <a:p>
+            <a:r>
+              <a:rPr lang="ru-RU" dirty="0" smtClean="0"/>
+              <a:t>ФИО</a:t>
+            </a:r>
+            <a:endParaRPr lang="ru-RU" dirty="0"/>
+          </a:p>
+        </p:txBody>
+      </p:sp>
+      <p:sp>
+        <p:nvSpPr>
+          <p:cNvPr id="58" name="TextBox 57"/>
+          <p:cNvSpPr txBox="1"/>
+          <p:nvPr/>
+        </p:nvSpPr>
+        <p:spPr>
+          <a:xfrm>
+            <a:off x="4747645" y="2086166"/>
+            <a:ext cx="1476164" cy="646331"/>
+          </a:xfrm>
+          <a:prstGeom prst="rect">
+            <a:avLst/>
+          </a:prstGeom>
+          <a:noFill/>
+        </p:spPr>
+        <p:txBody>
+          <a:bodyPr wrap="square" rtlCol="0">
+            <a:spAutoFit/>
+          </a:bodyPr>
+          <a:lstStyle/>
+          <a:p>
+            <a:r>
+              <a:rPr lang="ru-RU" dirty="0" smtClean="0"/>
+              <a:t>Контактные данные</a:t>
+            </a:r>
+            <a:endParaRPr lang="ru-RU" dirty="0"/>
+          </a:p>
+        </p:txBody>
+      </p:sp>
+      <p:sp>
+        <p:nvSpPr>
+          <p:cNvPr id="59" name="TextBox 58"/>
+          <p:cNvSpPr txBox="1"/>
+          <p:nvPr/>
+        </p:nvSpPr>
+        <p:spPr>
+          <a:xfrm>
+            <a:off x="4747645" y="2709985"/>
+            <a:ext cx="1080120" cy="369332"/>
+          </a:xfrm>
+          <a:prstGeom prst="rect">
+            <a:avLst/>
+          </a:prstGeom>
+          <a:noFill/>
+        </p:spPr>
+        <p:txBody>
+          <a:bodyPr wrap="square" rtlCol="0">
+            <a:spAutoFit/>
+          </a:bodyPr>
+          <a:lstStyle/>
+          <a:p>
+            <a:r>
+              <a:rPr lang="ru-RU" dirty="0" smtClean="0"/>
+              <a:t>Адрес</a:t>
+            </a:r>
+            <a:endParaRPr lang="ru-RU" dirty="0"/>
+          </a:p>
+        </p:txBody>
+      </p:sp>
+      <p:sp>
+        <p:nvSpPr>
+          <p:cNvPr id="60" name="TextBox 59"/>
+          <p:cNvSpPr txBox="1"/>
+          <p:nvPr/>
+        </p:nvSpPr>
+        <p:spPr>
+          <a:xfrm>
+            <a:off x="1225263" y="1808971"/>
+            <a:ext cx="1108426" cy="369332"/>
+          </a:xfrm>
+          <a:prstGeom prst="rect">
+            <a:avLst/>
+          </a:prstGeom>
+          <a:noFill/>
+        </p:spPr>
+        <p:txBody>
+          <a:bodyPr wrap="square" rtlCol="0">
+            <a:spAutoFit/>
+          </a:bodyPr>
+          <a:lstStyle/>
+          <a:p>
+            <a:r>
+              <a:rPr lang="ru-RU" dirty="0" smtClean="0"/>
+              <a:t>Габариты</a:t>
+            </a:r>
+            <a:endParaRPr lang="ru-RU" dirty="0"/>
+          </a:p>
+        </p:txBody>
+      </p:sp>
+      <p:sp>
+        <p:nvSpPr>
+          <p:cNvPr id="61" name="TextBox 60"/>
+          <p:cNvSpPr txBox="1"/>
+          <p:nvPr/>
+        </p:nvSpPr>
+        <p:spPr>
+          <a:xfrm>
+            <a:off x="1239652" y="2193692"/>
+            <a:ext cx="1476164" cy="369332"/>
+          </a:xfrm>
+          <a:prstGeom prst="rect">
+            <a:avLst/>
+          </a:prstGeom>
+          <a:noFill/>
+        </p:spPr>
+        <p:txBody>
+          <a:bodyPr wrap="square" rtlCol="0">
+            <a:spAutoFit/>
+          </a:bodyPr>
+          <a:lstStyle/>
+          <a:p>
+            <a:r>
+              <a:rPr lang="ru-RU" dirty="0" smtClean="0"/>
+              <a:t>Вес</a:t>
+            </a:r>
+            <a:endParaRPr lang="ru-RU" dirty="0"/>
+          </a:p>
+        </p:txBody>
+      </p:sp>
+      <p:sp>
+        <p:nvSpPr>
+          <p:cNvPr id="62" name="TextBox 61"/>
+          <p:cNvSpPr txBox="1"/>
+          <p:nvPr/>
+        </p:nvSpPr>
+        <p:spPr>
+          <a:xfrm>
+            <a:off x="1239652" y="2547635"/>
+            <a:ext cx="1290317" cy="369332"/>
+          </a:xfrm>
+          <a:prstGeom prst="rect">
+            <a:avLst/>
+          </a:prstGeom>
+          <a:noFill/>
+        </p:spPr>
+        <p:txBody>
+          <a:bodyPr wrap="square" rtlCol="0">
+            <a:spAutoFit/>
+          </a:bodyPr>
+          <a:lstStyle/>
+          <a:p>
+            <a:r>
+              <a:rPr lang="ru-RU" dirty="0" smtClean="0"/>
+              <a:t>Код груза</a:t>
+            </a:r>
+            <a:endParaRPr lang="ru-RU" dirty="0"/>
+          </a:p>
+        </p:txBody>
+      </p:sp>
+      <p:sp>
+        <p:nvSpPr>
+          <p:cNvPr id="67" name="TextBox 66"/>
+          <p:cNvSpPr txBox="1"/>
+          <p:nvPr/>
+        </p:nvSpPr>
+        <p:spPr>
+          <a:xfrm>
+            <a:off x="2915816" y="4775314"/>
+            <a:ext cx="1108426" cy="369332"/>
+          </a:xfrm>
+          <a:prstGeom prst="rect">
+            <a:avLst/>
+          </a:prstGeom>
+          <a:noFill/>
+        </p:spPr>
+        <p:txBody>
+          <a:bodyPr wrap="square" rtlCol="0">
+            <a:spAutoFit/>
+          </a:bodyPr>
+          <a:lstStyle/>
+          <a:p>
+            <a:r>
+              <a:rPr lang="ru-RU" dirty="0" smtClean="0"/>
+              <a:t>ФИО</a:t>
+            </a:r>
+            <a:endParaRPr lang="ru-RU" dirty="0"/>
+          </a:p>
+        </p:txBody>
+      </p:sp>
+      <p:sp>
+        <p:nvSpPr>
+          <p:cNvPr id="68" name="TextBox 67"/>
+          <p:cNvSpPr txBox="1"/>
+          <p:nvPr/>
+        </p:nvSpPr>
+        <p:spPr>
+          <a:xfrm>
+            <a:off x="2915816" y="5129257"/>
+            <a:ext cx="1476164" cy="646331"/>
+          </a:xfrm>
+          <a:prstGeom prst="rect">
+            <a:avLst/>
+          </a:prstGeom>
+          <a:noFill/>
+        </p:spPr>
+        <p:txBody>
+          <a:bodyPr wrap="square" rtlCol="0">
+            <a:spAutoFit/>
+          </a:bodyPr>
+          <a:lstStyle/>
+          <a:p>
+            <a:r>
+              <a:rPr lang="ru-RU" dirty="0" smtClean="0"/>
+              <a:t>Контактные данные</a:t>
+            </a:r>
+            <a:endParaRPr lang="ru-RU" dirty="0"/>
+          </a:p>
+        </p:txBody>
+      </p:sp>
+      <p:sp>
+        <p:nvSpPr>
+          <p:cNvPr id="69" name="TextBox 68"/>
+          <p:cNvSpPr txBox="1"/>
+          <p:nvPr/>
+        </p:nvSpPr>
+        <p:spPr>
+          <a:xfrm>
+            <a:off x="2915816" y="5753076"/>
+            <a:ext cx="1080120" cy="369332"/>
+          </a:xfrm>
+          <a:prstGeom prst="rect">
+            <a:avLst/>
+          </a:prstGeom>
+          <a:noFill/>
+        </p:spPr>
+        <p:txBody>
+          <a:bodyPr wrap="square" rtlCol="0">
+            <a:spAutoFit/>
+          </a:bodyPr>
+          <a:lstStyle/>
+          <a:p>
+            <a:r>
+              <a:rPr lang="ru-RU" dirty="0" smtClean="0"/>
+              <a:t>Адрес</a:t>
+            </a:r>
+            <a:endParaRPr lang="ru-RU" dirty="0"/>
+          </a:p>
+        </p:txBody>
+      </p:sp>
+      <p:sp>
+        <p:nvSpPr>
+          <p:cNvPr id="70" name="TextBox 69"/>
+          <p:cNvSpPr txBox="1"/>
+          <p:nvPr/>
+        </p:nvSpPr>
+        <p:spPr>
+          <a:xfrm>
+            <a:off x="4788024" y="4752802"/>
+            <a:ext cx="1108426" cy="369332"/>
+          </a:xfrm>
+          <a:prstGeom prst="rect">
+            <a:avLst/>
+          </a:prstGeom>
+          <a:noFill/>
+        </p:spPr>
+        <p:txBody>
+          <a:bodyPr wrap="square" rtlCol="0">
+            <a:spAutoFit/>
+          </a:bodyPr>
+          <a:lstStyle/>
+          <a:p>
+            <a:r>
+              <a:rPr lang="ru-RU" dirty="0" smtClean="0"/>
+              <a:t>ФИО</a:t>
+            </a:r>
+            <a:endParaRPr lang="ru-RU" dirty="0"/>
+          </a:p>
+        </p:txBody>
+      </p:sp>
+      <p:sp>
+        <p:nvSpPr>
+          <p:cNvPr id="71" name="TextBox 70"/>
+          <p:cNvSpPr txBox="1"/>
+          <p:nvPr/>
+        </p:nvSpPr>
+        <p:spPr>
+          <a:xfrm>
+            <a:off x="4788024" y="5106745"/>
+            <a:ext cx="1476164" cy="646331"/>
+          </a:xfrm>
+          <a:prstGeom prst="rect">
+            <a:avLst/>
+          </a:prstGeom>
+          <a:noFill/>
+        </p:spPr>
+        <p:txBody>
+          <a:bodyPr wrap="square" rtlCol="0">
+            <a:spAutoFit/>
+          </a:bodyPr>
+          <a:lstStyle/>
+          <a:p>
+            <a:r>
+              <a:rPr lang="ru-RU" dirty="0" smtClean="0"/>
+              <a:t>Контактные данные</a:t>
+            </a:r>
+            <a:endParaRPr lang="ru-RU" dirty="0"/>
+          </a:p>
+        </p:txBody>
+      </p:sp>
+      <p:sp>
+        <p:nvSpPr>
+          <p:cNvPr id="72" name="TextBox 71"/>
+          <p:cNvSpPr txBox="1"/>
+          <p:nvPr/>
+        </p:nvSpPr>
+        <p:spPr>
+          <a:xfrm>
+            <a:off x="4788024" y="5730564"/>
+            <a:ext cx="1080120" cy="369332"/>
+          </a:xfrm>
+          <a:prstGeom prst="rect">
+            <a:avLst/>
+          </a:prstGeom>
+          <a:noFill/>
+        </p:spPr>
+        <p:txBody>
+          <a:bodyPr wrap="square" rtlCol="0">
+            <a:spAutoFit/>
+          </a:bodyPr>
+          <a:lstStyle/>
+          <a:p>
+            <a:r>
+              <a:rPr lang="ru-RU" dirty="0" smtClean="0"/>
+              <a:t>Адрес</a:t>
+            </a:r>
+            <a:endParaRPr lang="ru-RU" dirty="0"/>
+          </a:p>
+        </p:txBody>
+      </p:sp>
+      <p:sp>
+        <p:nvSpPr>
+          <p:cNvPr id="73" name="TextBox 72"/>
+          <p:cNvSpPr txBox="1"/>
+          <p:nvPr/>
+        </p:nvSpPr>
+        <p:spPr>
+          <a:xfrm>
+            <a:off x="1259632" y="4759925"/>
+            <a:ext cx="1108426" cy="369332"/>
+          </a:xfrm>
+          <a:prstGeom prst="rect">
+            <a:avLst/>
+          </a:prstGeom>
+          <a:noFill/>
+        </p:spPr>
+        <p:txBody>
+          <a:bodyPr wrap="square" rtlCol="0">
+            <a:spAutoFit/>
+          </a:bodyPr>
+          <a:lstStyle/>
+          <a:p>
+            <a:r>
+              <a:rPr lang="ru-RU" dirty="0" smtClean="0"/>
+              <a:t>Габариты</a:t>
+            </a:r>
+            <a:endParaRPr lang="ru-RU" dirty="0"/>
+          </a:p>
+        </p:txBody>
+      </p:sp>
+      <p:sp>
+        <p:nvSpPr>
+          <p:cNvPr id="74" name="TextBox 73"/>
+          <p:cNvSpPr txBox="1"/>
+          <p:nvPr/>
+        </p:nvSpPr>
+        <p:spPr>
+          <a:xfrm>
+            <a:off x="1274021" y="5144646"/>
+            <a:ext cx="1476164" cy="369332"/>
+          </a:xfrm>
+          <a:prstGeom prst="rect">
+            <a:avLst/>
+          </a:prstGeom>
+          <a:noFill/>
+        </p:spPr>
+        <p:txBody>
+          <a:bodyPr wrap="square" rtlCol="0">
+            <a:spAutoFit/>
+          </a:bodyPr>
+          <a:lstStyle/>
+          <a:p>
+            <a:r>
+              <a:rPr lang="ru-RU" dirty="0" smtClean="0"/>
+              <a:t>Вес</a:t>
+            </a:r>
+            <a:endParaRPr lang="ru-RU" dirty="0"/>
+          </a:p>
+        </p:txBody>
+      </p:sp>
+      <p:sp>
+        <p:nvSpPr>
+          <p:cNvPr id="75" name="TextBox 74"/>
+          <p:cNvSpPr txBox="1"/>
+          <p:nvPr/>
+        </p:nvSpPr>
+        <p:spPr>
+          <a:xfrm>
+            <a:off x="1274021" y="5498589"/>
+            <a:ext cx="1290317" cy="369332"/>
+          </a:xfrm>
+          <a:prstGeom prst="rect">
+            <a:avLst/>
+          </a:prstGeom>
+          <a:noFill/>
+        </p:spPr>
+        <p:txBody>
+          <a:bodyPr wrap="square" rtlCol="0">
+            <a:spAutoFit/>
+          </a:bodyPr>
+          <a:lstStyle/>
+          <a:p>
+            <a:r>
+              <a:rPr lang="ru-RU" dirty="0" smtClean="0"/>
+              <a:t>Код груза</a:t>
+            </a:r>
+            <a:endParaRPr lang="ru-RU" dirty="0"/>
+          </a:p>
+        </p:txBody>
+      </p:sp>
+      <p:sp>
+        <p:nvSpPr>
+          <p:cNvPr id="76" name="TextBox 75"/>
+          <p:cNvSpPr txBox="1"/>
+          <p:nvPr/>
+        </p:nvSpPr>
+        <p:spPr>
+          <a:xfrm>
+            <a:off x="1554089" y="3454471"/>
+            <a:ext cx="1091288" cy="769441"/>
+          </a:xfrm>
+          <a:prstGeom prst="rect">
+            <a:avLst/>
+          </a:prstGeom>
+          <a:noFill/>
+        </p:spPr>
+        <p:txBody>
+          <a:bodyPr wrap="square" rtlCol="0">
+            <a:spAutoFit/>
+          </a:bodyPr>
+          <a:lstStyle/>
+          <a:p>
+            <a:r>
+              <a:rPr lang="ru-RU" sz="4400" b="1" dirty="0" smtClean="0">
+                <a:effectLst>
+                  <a:outerShdw blurRad="38100" dist="38100" dir="2700000" algn="tl">
+                    <a:srgbClr val="000000">
+                      <a:alpha val="43137"/>
+                    </a:srgbClr>
+                  </a:outerShdw>
+                </a:effectLst>
+              </a:rPr>
+              <a:t>…</a:t>
+            </a:r>
+            <a:endParaRPr lang="ru-RU" b="1" dirty="0">
+              <a:effectLst>
+                <a:outerShdw blurRad="38100" dist="38100" dir="2700000" algn="tl">
+                  <a:srgbClr val="000000">
+                    <a:alpha val="43137"/>
+                  </a:srgbClr>
+                </a:outerShdw>
+              </a:effectLst>
+            </a:endParaRPr>
+          </a:p>
+        </p:txBody>
+      </p:sp>
+      <p:sp>
+        <p:nvSpPr>
+          <p:cNvPr id="77" name="TextBox 76"/>
+          <p:cNvSpPr txBox="1"/>
+          <p:nvPr/>
+        </p:nvSpPr>
+        <p:spPr>
+          <a:xfrm>
+            <a:off x="2814208" y="3454471"/>
+            <a:ext cx="1091288" cy="769441"/>
+          </a:xfrm>
+          <a:prstGeom prst="rect">
+            <a:avLst/>
+          </a:prstGeom>
+          <a:noFill/>
+        </p:spPr>
+        <p:txBody>
+          <a:bodyPr wrap="square" rtlCol="0">
+            <a:spAutoFit/>
+          </a:bodyPr>
+          <a:lstStyle/>
+          <a:p>
+            <a:r>
+              <a:rPr lang="ru-RU" sz="4400" b="1" dirty="0" smtClean="0">
+                <a:effectLst>
+                  <a:outerShdw blurRad="38100" dist="38100" dir="2700000" algn="tl">
+                    <a:srgbClr val="000000">
+                      <a:alpha val="43137"/>
+                    </a:srgbClr>
+                  </a:outerShdw>
+                </a:effectLst>
+              </a:rPr>
+              <a:t>…</a:t>
+            </a:r>
+            <a:endParaRPr lang="ru-RU" b="1" dirty="0">
+              <a:effectLst>
+                <a:outerShdw blurRad="38100" dist="38100" dir="2700000" algn="tl">
+                  <a:srgbClr val="000000">
+                    <a:alpha val="43137"/>
+                  </a:srgbClr>
+                </a:outerShdw>
+              </a:effectLst>
+            </a:endParaRPr>
+          </a:p>
+        </p:txBody>
+      </p:sp>
+      <p:sp>
+        <p:nvSpPr>
+          <p:cNvPr id="78" name="TextBox 77"/>
+          <p:cNvSpPr txBox="1"/>
+          <p:nvPr/>
+        </p:nvSpPr>
+        <p:spPr>
+          <a:xfrm>
+            <a:off x="4661899" y="3454471"/>
+            <a:ext cx="1091288" cy="769441"/>
+          </a:xfrm>
+          <a:prstGeom prst="rect">
+            <a:avLst/>
+          </a:prstGeom>
+          <a:noFill/>
+        </p:spPr>
+        <p:txBody>
+          <a:bodyPr wrap="square" rtlCol="0">
+            <a:spAutoFit/>
+          </a:bodyPr>
+          <a:lstStyle/>
+          <a:p>
+            <a:r>
+              <a:rPr lang="ru-RU" sz="4400" b="1" dirty="0" smtClean="0">
+                <a:effectLst>
+                  <a:outerShdw blurRad="38100" dist="38100" dir="2700000" algn="tl">
+                    <a:srgbClr val="000000">
+                      <a:alpha val="43137"/>
+                    </a:srgbClr>
+                  </a:outerShdw>
+                </a:effectLst>
+              </a:rPr>
+              <a:t>…</a:t>
+            </a:r>
+            <a:endParaRPr lang="ru-RU" b="1" dirty="0">
+              <a:effectLst>
+                <a:outerShdw blurRad="38100" dist="38100" dir="2700000" algn="tl">
+                  <a:srgbClr val="000000">
+                    <a:alpha val="43137"/>
+                  </a:srgbClr>
+                </a:outerShdw>
+              </a:effectLst>
+            </a:endParaRPr>
+          </a:p>
+        </p:txBody>
+      </p:sp>
+      <p:cxnSp>
+        <p:nvCxnSpPr>
+          <p:cNvPr id="82" name="Прямая соединительная линия 81"/>
+          <p:cNvCxnSpPr/>
+          <p:nvPr/>
+        </p:nvCxnSpPr>
+        <p:spPr>
+          <a:xfrm>
+            <a:off x="6513453" y="1065567"/>
+            <a:ext cx="0" cy="5148572"/>
+          </a:xfrm>
+          <a:prstGeom prst="line">
+            <a:avLst/>
+          </a:prstGeom>
+          <a:ln w="12700">
+            <a:solidFill>
+              <a:srgbClr val="FFC000"/>
+            </a:solidFill>
+          </a:ln>
+        </p:spPr>
+        <p:style>
+          <a:lnRef idx="1">
+            <a:schemeClr val="accent1"/>
+          </a:lnRef>
+          <a:fillRef idx="0">
+            <a:schemeClr val="accent1"/>
+          </a:fillRef>
+          <a:effectRef idx="0">
+            <a:schemeClr val="accent1"/>
+          </a:effectRef>
+          <a:fontRef idx="minor">
+            <a:schemeClr val="tx1"/>
+          </a:fontRef>
+        </p:style>
+      </p:cxnSp>
+      <p:sp>
+        <p:nvSpPr>
+          <p:cNvPr id="83" name="TextBox 82"/>
+          <p:cNvSpPr txBox="1"/>
+          <p:nvPr/>
+        </p:nvSpPr>
+        <p:spPr>
+          <a:xfrm>
+            <a:off x="6516216" y="1182773"/>
+            <a:ext cx="1584176" cy="400110"/>
+          </a:xfrm>
+          <a:prstGeom prst="rect">
+            <a:avLst/>
+          </a:prstGeom>
+          <a:noFill/>
+        </p:spPr>
+        <p:txBody>
+          <a:bodyPr wrap="square" rtlCol="0">
+            <a:spAutoFit/>
+          </a:bodyPr>
+          <a:lstStyle/>
+          <a:p>
+            <a:r>
+              <a:rPr lang="ru-RU" sz="2000" b="1" dirty="0" smtClean="0">
+                <a:effectLst>
+                  <a:outerShdw blurRad="38100" dist="38100" dir="2700000" algn="tl">
+                    <a:srgbClr val="000000">
+                      <a:alpha val="43137"/>
+                    </a:srgbClr>
+                  </a:outerShdw>
+                </a:effectLst>
+              </a:rPr>
+              <a:t>КУРЬЕР</a:t>
+            </a:r>
+            <a:endParaRPr lang="ru-RU" b="1" dirty="0">
+              <a:effectLst>
+                <a:outerShdw blurRad="38100" dist="38100" dir="2700000" algn="tl">
+                  <a:srgbClr val="000000">
+                    <a:alpha val="43137"/>
+                  </a:srgbClr>
+                </a:outerShdw>
+              </a:effectLst>
+            </a:endParaRPr>
+          </a:p>
+        </p:txBody>
+      </p:sp>
+      <p:cxnSp>
+        <p:nvCxnSpPr>
+          <p:cNvPr id="84" name="Прямая соединительная линия 83"/>
+          <p:cNvCxnSpPr/>
+          <p:nvPr/>
+        </p:nvCxnSpPr>
+        <p:spPr>
+          <a:xfrm>
+            <a:off x="7956376" y="1088740"/>
+            <a:ext cx="0" cy="5148572"/>
+          </a:xfrm>
+          <a:prstGeom prst="line">
+            <a:avLst/>
+          </a:prstGeom>
+          <a:ln w="12700">
+            <a:solidFill>
+              <a:srgbClr val="FFC000"/>
+            </a:solidFill>
+          </a:ln>
+        </p:spPr>
+        <p:style>
+          <a:lnRef idx="1">
+            <a:schemeClr val="accent1"/>
+          </a:lnRef>
+          <a:fillRef idx="0">
+            <a:schemeClr val="accent1"/>
+          </a:fillRef>
+          <a:effectRef idx="0">
+            <a:schemeClr val="accent1"/>
+          </a:effectRef>
+          <a:fontRef idx="minor">
+            <a:schemeClr val="tx1"/>
+          </a:fontRef>
+        </p:style>
+      </p:cxnSp>
+      <p:sp>
+        <p:nvSpPr>
+          <p:cNvPr id="85" name="TextBox 84"/>
+          <p:cNvSpPr txBox="1"/>
+          <p:nvPr/>
+        </p:nvSpPr>
+        <p:spPr>
+          <a:xfrm>
+            <a:off x="6520188" y="2052253"/>
+            <a:ext cx="1108426" cy="369332"/>
+          </a:xfrm>
+          <a:prstGeom prst="rect">
+            <a:avLst/>
+          </a:prstGeom>
+          <a:noFill/>
+        </p:spPr>
+        <p:txBody>
+          <a:bodyPr wrap="square" rtlCol="0">
+            <a:spAutoFit/>
+          </a:bodyPr>
+          <a:lstStyle/>
+          <a:p>
+            <a:r>
+              <a:rPr lang="ru-RU" dirty="0" smtClean="0"/>
+              <a:t>ФИО</a:t>
+            </a:r>
+            <a:endParaRPr lang="ru-RU" dirty="0"/>
+          </a:p>
+        </p:txBody>
+      </p:sp>
+      <p:sp>
+        <p:nvSpPr>
+          <p:cNvPr id="86" name="TextBox 85"/>
+          <p:cNvSpPr txBox="1"/>
+          <p:nvPr/>
+        </p:nvSpPr>
+        <p:spPr>
+          <a:xfrm>
+            <a:off x="6520188" y="2406196"/>
+            <a:ext cx="1476164" cy="369332"/>
+          </a:xfrm>
+          <a:prstGeom prst="rect">
+            <a:avLst/>
+          </a:prstGeom>
+          <a:noFill/>
+        </p:spPr>
+        <p:txBody>
+          <a:bodyPr wrap="square" rtlCol="0">
+            <a:spAutoFit/>
+          </a:bodyPr>
+          <a:lstStyle/>
+          <a:p>
+            <a:r>
+              <a:rPr lang="ru-RU" dirty="0" smtClean="0"/>
+              <a:t>Код курьера</a:t>
+            </a:r>
+            <a:endParaRPr lang="ru-RU" dirty="0"/>
+          </a:p>
+        </p:txBody>
+      </p:sp>
+      <p:sp>
+        <p:nvSpPr>
+          <p:cNvPr id="90" name="TextBox 89"/>
+          <p:cNvSpPr txBox="1"/>
+          <p:nvPr/>
+        </p:nvSpPr>
+        <p:spPr>
+          <a:xfrm>
+            <a:off x="6520188" y="5075967"/>
+            <a:ext cx="1108426" cy="369332"/>
+          </a:xfrm>
+          <a:prstGeom prst="rect">
+            <a:avLst/>
+          </a:prstGeom>
+          <a:noFill/>
+        </p:spPr>
+        <p:txBody>
+          <a:bodyPr wrap="square" rtlCol="0">
+            <a:spAutoFit/>
+          </a:bodyPr>
+          <a:lstStyle/>
+          <a:p>
+            <a:r>
+              <a:rPr lang="ru-RU" dirty="0" smtClean="0"/>
+              <a:t>ФИО</a:t>
+            </a:r>
+            <a:endParaRPr lang="ru-RU" dirty="0"/>
+          </a:p>
+        </p:txBody>
+      </p:sp>
+      <p:sp>
+        <p:nvSpPr>
+          <p:cNvPr id="91" name="TextBox 90"/>
+          <p:cNvSpPr txBox="1"/>
+          <p:nvPr/>
+        </p:nvSpPr>
+        <p:spPr>
+          <a:xfrm>
+            <a:off x="6520188" y="5429910"/>
+            <a:ext cx="1476164" cy="369332"/>
+          </a:xfrm>
+          <a:prstGeom prst="rect">
+            <a:avLst/>
+          </a:prstGeom>
+          <a:noFill/>
+        </p:spPr>
+        <p:txBody>
+          <a:bodyPr wrap="square" rtlCol="0">
+            <a:spAutoFit/>
+          </a:bodyPr>
+          <a:lstStyle/>
+          <a:p>
+            <a:r>
+              <a:rPr lang="ru-RU" dirty="0" smtClean="0"/>
+              <a:t>Код курьера</a:t>
+            </a:r>
+            <a:endParaRPr lang="ru-RU" dirty="0"/>
+          </a:p>
+        </p:txBody>
+      </p:sp>
+      <p:sp>
+        <p:nvSpPr>
+          <p:cNvPr id="92" name="TextBox 91"/>
+          <p:cNvSpPr txBox="1"/>
+          <p:nvPr/>
+        </p:nvSpPr>
+        <p:spPr>
+          <a:xfrm>
+            <a:off x="8244408" y="1182773"/>
+            <a:ext cx="864096" cy="400110"/>
+          </a:xfrm>
+          <a:prstGeom prst="rect">
+            <a:avLst/>
+          </a:prstGeom>
+          <a:noFill/>
+        </p:spPr>
+        <p:txBody>
+          <a:bodyPr wrap="square" rtlCol="0">
+            <a:spAutoFit/>
+          </a:bodyPr>
+          <a:lstStyle/>
+          <a:p>
+            <a:r>
+              <a:rPr lang="en-US" sz="2000" b="1" dirty="0" smtClean="0">
+                <a:effectLst>
+                  <a:outerShdw blurRad="38100" dist="38100" dir="2700000" algn="tl">
+                    <a:srgbClr val="000000">
+                      <a:alpha val="43137"/>
+                    </a:srgbClr>
+                  </a:outerShdw>
+                </a:effectLst>
+              </a:rPr>
+              <a:t>VIP</a:t>
+            </a:r>
+            <a:endParaRPr lang="ru-RU" b="1" dirty="0">
+              <a:effectLst>
+                <a:outerShdw blurRad="38100" dist="38100" dir="2700000" algn="tl">
+                  <a:srgbClr val="000000">
+                    <a:alpha val="43137"/>
+                  </a:srgbClr>
+                </a:outerShdw>
+              </a:effectLst>
+            </a:endParaRPr>
+          </a:p>
+        </p:txBody>
+      </p:sp>
+      <p:sp>
+        <p:nvSpPr>
+          <p:cNvPr id="93" name="TextBox 92"/>
+          <p:cNvSpPr txBox="1"/>
+          <p:nvPr/>
+        </p:nvSpPr>
+        <p:spPr>
+          <a:xfrm>
+            <a:off x="8064932" y="2193692"/>
+            <a:ext cx="1008112" cy="369332"/>
+          </a:xfrm>
+          <a:prstGeom prst="rect">
+            <a:avLst/>
+          </a:prstGeom>
+          <a:noFill/>
+        </p:spPr>
+        <p:txBody>
+          <a:bodyPr wrap="square" rtlCol="0">
+            <a:spAutoFit/>
+          </a:bodyPr>
+          <a:lstStyle/>
+          <a:p>
+            <a:r>
+              <a:rPr lang="ru-RU" dirty="0" smtClean="0"/>
+              <a:t>Да/Нет</a:t>
+            </a:r>
+            <a:endParaRPr lang="ru-RU" dirty="0"/>
+          </a:p>
+        </p:txBody>
+      </p:sp>
+      <p:sp>
+        <p:nvSpPr>
+          <p:cNvPr id="94" name="TextBox 93"/>
+          <p:cNvSpPr txBox="1"/>
+          <p:nvPr/>
+        </p:nvSpPr>
+        <p:spPr>
+          <a:xfrm>
+            <a:off x="8064932" y="5324982"/>
+            <a:ext cx="1008112" cy="369332"/>
+          </a:xfrm>
+          <a:prstGeom prst="rect">
+            <a:avLst/>
+          </a:prstGeom>
+          <a:noFill/>
+        </p:spPr>
+        <p:txBody>
+          <a:bodyPr wrap="square" rtlCol="0">
+            <a:spAutoFit/>
+          </a:bodyPr>
+          <a:lstStyle/>
+          <a:p>
+            <a:r>
+              <a:rPr lang="ru-RU" dirty="0" smtClean="0"/>
+              <a:t>Да/Нет</a:t>
+            </a:r>
+            <a:endParaRPr lang="ru-RU" dirty="0"/>
+          </a:p>
+        </p:txBody>
+      </p:sp>
+      <p:cxnSp>
+        <p:nvCxnSpPr>
+          <p:cNvPr id="95" name="Прямая соединительная линия 94"/>
+          <p:cNvCxnSpPr/>
+          <p:nvPr/>
+        </p:nvCxnSpPr>
+        <p:spPr>
+          <a:xfrm>
+            <a:off x="1043608" y="1086048"/>
+            <a:ext cx="0" cy="5148572"/>
+          </a:xfrm>
+          <a:prstGeom prst="line">
+            <a:avLst/>
+          </a:prstGeom>
+          <a:ln w="12700">
+            <a:solidFill>
+              <a:srgbClr val="FFC000"/>
+            </a:solidFill>
+          </a:ln>
+        </p:spPr>
+        <p:style>
+          <a:lnRef idx="1">
+            <a:schemeClr val="accent1"/>
+          </a:lnRef>
+          <a:fillRef idx="0">
+            <a:schemeClr val="accent1"/>
+          </a:fillRef>
+          <a:effectRef idx="0">
+            <a:schemeClr val="accent1"/>
+          </a:effectRef>
+          <a:fontRef idx="minor">
+            <a:schemeClr val="tx1"/>
+          </a:fontRef>
+        </p:style>
+      </p:cxnSp>
+      <p:sp>
+        <p:nvSpPr>
+          <p:cNvPr id="96" name="TextBox 95"/>
+          <p:cNvSpPr txBox="1"/>
+          <p:nvPr/>
+        </p:nvSpPr>
+        <p:spPr>
+          <a:xfrm>
+            <a:off x="159532" y="1206487"/>
+            <a:ext cx="1080120" cy="400110"/>
+          </a:xfrm>
+          <a:prstGeom prst="rect">
+            <a:avLst/>
+          </a:prstGeom>
+          <a:noFill/>
+        </p:spPr>
+        <p:txBody>
+          <a:bodyPr wrap="square" rtlCol="0">
+            <a:spAutoFit/>
+          </a:bodyPr>
+          <a:lstStyle/>
+          <a:p>
+            <a:r>
+              <a:rPr lang="ru-RU" sz="2000" b="1" dirty="0" smtClean="0">
+                <a:effectLst>
+                  <a:outerShdw blurRad="38100" dist="38100" dir="2700000" algn="tl">
+                    <a:srgbClr val="000000">
+                      <a:alpha val="43137"/>
+                    </a:srgbClr>
+                  </a:outerShdw>
+                </a:effectLst>
+              </a:rPr>
+              <a:t>КОД</a:t>
+            </a:r>
+            <a:endParaRPr lang="ru-RU" sz="2000" b="1" dirty="0">
+              <a:effectLst>
+                <a:outerShdw blurRad="38100" dist="38100" dir="2700000" algn="tl">
+                  <a:srgbClr val="000000">
+                    <a:alpha val="43137"/>
+                  </a:srgbClr>
+                </a:outerShdw>
+              </a:effectLst>
+            </a:endParaRPr>
+          </a:p>
+        </p:txBody>
+      </p:sp>
+      <p:sp>
+        <p:nvSpPr>
+          <p:cNvPr id="97" name="TextBox 96"/>
+          <p:cNvSpPr txBox="1"/>
+          <p:nvPr/>
+        </p:nvSpPr>
+        <p:spPr>
+          <a:xfrm>
+            <a:off x="159532" y="2116025"/>
+            <a:ext cx="987110" cy="646331"/>
+          </a:xfrm>
+          <a:prstGeom prst="rect">
+            <a:avLst/>
+          </a:prstGeom>
+          <a:noFill/>
+        </p:spPr>
+        <p:txBody>
+          <a:bodyPr wrap="square" rtlCol="0">
+            <a:spAutoFit/>
+          </a:bodyPr>
+          <a:lstStyle/>
+          <a:p>
+            <a:r>
+              <a:rPr lang="ru-RU" dirty="0" smtClean="0"/>
+              <a:t>Код заказа</a:t>
+            </a:r>
+            <a:endParaRPr lang="ru-RU" dirty="0"/>
+          </a:p>
+        </p:txBody>
+      </p:sp>
+      <p:sp>
+        <p:nvSpPr>
+          <p:cNvPr id="98" name="TextBox 97"/>
+          <p:cNvSpPr txBox="1"/>
+          <p:nvPr/>
+        </p:nvSpPr>
+        <p:spPr>
+          <a:xfrm>
+            <a:off x="144016" y="5152911"/>
+            <a:ext cx="987110" cy="646331"/>
+          </a:xfrm>
+          <a:prstGeom prst="rect">
+            <a:avLst/>
+          </a:prstGeom>
+          <a:noFill/>
+        </p:spPr>
+        <p:txBody>
+          <a:bodyPr wrap="square" rtlCol="0">
+            <a:spAutoFit/>
+          </a:bodyPr>
+          <a:lstStyle/>
+          <a:p>
+            <a:r>
+              <a:rPr lang="ru-RU" dirty="0" smtClean="0"/>
+              <a:t>Код заказа</a:t>
+            </a:r>
+            <a:endParaRPr lang="ru-RU" dirty="0"/>
+          </a:p>
+        </p:txBody>
+      </p:sp>
+      <p:sp>
+        <p:nvSpPr>
+          <p:cNvPr id="99" name="TextBox 98"/>
+          <p:cNvSpPr txBox="1"/>
+          <p:nvPr/>
+        </p:nvSpPr>
+        <p:spPr>
+          <a:xfrm>
+            <a:off x="107443" y="3434629"/>
+            <a:ext cx="1091288" cy="769441"/>
+          </a:xfrm>
+          <a:prstGeom prst="rect">
+            <a:avLst/>
+          </a:prstGeom>
+          <a:noFill/>
+        </p:spPr>
+        <p:txBody>
+          <a:bodyPr wrap="square" rtlCol="0">
+            <a:spAutoFit/>
+          </a:bodyPr>
+          <a:lstStyle/>
+          <a:p>
+            <a:r>
+              <a:rPr lang="ru-RU" sz="4400" b="1" dirty="0" smtClean="0">
+                <a:effectLst>
+                  <a:outerShdw blurRad="38100" dist="38100" dir="2700000" algn="tl">
+                    <a:srgbClr val="000000">
+                      <a:alpha val="43137"/>
+                    </a:srgbClr>
+                  </a:outerShdw>
+                </a:effectLst>
+              </a:rPr>
+              <a:t>…</a:t>
+            </a:r>
+            <a:endParaRPr lang="ru-RU" b="1" dirty="0">
+              <a:effectLst>
+                <a:outerShdw blurRad="38100" dist="38100" dir="2700000" algn="tl">
+                  <a:srgbClr val="000000">
+                    <a:alpha val="43137"/>
+                  </a:srgbClr>
+                </a:outerShdw>
+              </a:effectLst>
+            </a:endParaRPr>
+          </a:p>
+        </p:txBody>
+      </p:sp>
+      <p:sp>
+        <p:nvSpPr>
+          <p:cNvPr id="100" name="TextBox 99"/>
+          <p:cNvSpPr txBox="1"/>
+          <p:nvPr/>
+        </p:nvSpPr>
+        <p:spPr>
+          <a:xfrm>
+            <a:off x="6588224" y="3468250"/>
+            <a:ext cx="1091288" cy="769441"/>
+          </a:xfrm>
+          <a:prstGeom prst="rect">
+            <a:avLst/>
+          </a:prstGeom>
+          <a:noFill/>
+        </p:spPr>
+        <p:txBody>
+          <a:bodyPr wrap="square" rtlCol="0">
+            <a:spAutoFit/>
+          </a:bodyPr>
+          <a:lstStyle/>
+          <a:p>
+            <a:r>
+              <a:rPr lang="ru-RU" sz="4400" b="1" dirty="0" smtClean="0">
+                <a:effectLst>
+                  <a:outerShdw blurRad="38100" dist="38100" dir="2700000" algn="tl">
+                    <a:srgbClr val="000000">
+                      <a:alpha val="43137"/>
+                    </a:srgbClr>
+                  </a:outerShdw>
+                </a:effectLst>
+              </a:rPr>
+              <a:t>…</a:t>
+            </a:r>
+            <a:endParaRPr lang="ru-RU" b="1" dirty="0">
+              <a:effectLst>
+                <a:outerShdw blurRad="38100" dist="38100" dir="2700000" algn="tl">
+                  <a:srgbClr val="000000">
+                    <a:alpha val="43137"/>
+                  </a:srgbClr>
+                </a:outerShdw>
+              </a:effectLst>
+            </a:endParaRPr>
+          </a:p>
+        </p:txBody>
+      </p:sp>
+      <p:sp>
+        <p:nvSpPr>
+          <p:cNvPr id="101" name="TextBox 100"/>
+          <p:cNvSpPr txBox="1"/>
+          <p:nvPr/>
+        </p:nvSpPr>
+        <p:spPr>
+          <a:xfrm>
+            <a:off x="8017216" y="3495300"/>
+            <a:ext cx="1091288" cy="769441"/>
+          </a:xfrm>
+          <a:prstGeom prst="rect">
+            <a:avLst/>
+          </a:prstGeom>
+          <a:noFill/>
+        </p:spPr>
+        <p:txBody>
+          <a:bodyPr wrap="square" rtlCol="0">
+            <a:spAutoFit/>
+          </a:bodyPr>
+          <a:lstStyle/>
+          <a:p>
+            <a:r>
+              <a:rPr lang="ru-RU" sz="4400" b="1" dirty="0" smtClean="0">
+                <a:effectLst>
+                  <a:outerShdw blurRad="38100" dist="38100" dir="2700000" algn="tl">
+                    <a:srgbClr val="000000">
+                      <a:alpha val="43137"/>
+                    </a:srgbClr>
+                  </a:outerShdw>
+                </a:effectLst>
+              </a:rPr>
+              <a:t>…</a:t>
+            </a:r>
+            <a:endParaRPr lang="ru-RU" b="1" dirty="0">
+              <a:effectLst>
+                <a:outerShdw blurRad="38100" dist="38100" dir="2700000" algn="tl">
+                  <a:srgbClr val="000000">
+                    <a:alpha val="43137"/>
+                  </a:srgbClr>
+                </a:outerShdw>
+              </a:effectLst>
+            </a:endParaRPr>
+          </a:p>
+        </p:txBody>
+      </p:sp>
+    </p:spTree>
+    <p:extLst>
+      <p:ext uri="{BB962C8B-B14F-4D97-AF65-F5344CB8AC3E}">
+        <p14:creationId xmlns:p14="http://schemas.microsoft.com/office/powerpoint/2010/main" val="1911202796"/>
+      </p:ext>
+    </p:extLst>
+  </p:cSld>
+  <p:clrMapOvr>
+    <a:masterClrMapping/>
+  </p:clrMapOvr>
+  <p:timing>
+    <p:tnLst>
+      <p:par>
+        <p:cTn id="1" dur="indefinite" restart="never" nodeType="tmRoot"/>
+      </p:par>
+    </p:tnLst>
+  </p:timing>
+</p:sld>
+</file>
+
 <file path=ppt/slides/slide2.xml><?xml version="1.0" encoding="utf-8"?>
 <p:sld xmlns:a="http://schemas.openxmlformats.org/drawingml/2006/main" xmlns:r="http://schemas.openxmlformats.org/officeDocument/2006/relationships" xmlns:p="http://schemas.openxmlformats.org/presentationml/2006/main">
   <p:cSld>
@@ -6055,6 +10545,3883 @@
     <p:extLst>
       <p:ext uri="{BB962C8B-B14F-4D97-AF65-F5344CB8AC3E}">
         <p14:creationId xmlns:p14="http://schemas.microsoft.com/office/powerpoint/2010/main" val="2003824503"/>
+      </p:ext>
+    </p:extLst>
+  </p:cSld>
+  <p:clrMapOvr>
+    <a:masterClrMapping/>
+  </p:clrMapOvr>
+  <p:timing>
+    <p:tnLst>
+      <p:par>
+        <p:cTn id="1" dur="indefinite" restart="never" nodeType="tmRoot"/>
+      </p:par>
+    </p:tnLst>
+  </p:timing>
+</p:sld>
+</file>
+
+<file path=ppt/slides/slide20.xml><?xml version="1.0" encoding="utf-8"?>
+<p:sld xmlns:a="http://schemas.openxmlformats.org/drawingml/2006/main" xmlns:r="http://schemas.openxmlformats.org/officeDocument/2006/relationships" xmlns:p="http://schemas.openxmlformats.org/presentationml/2006/main">
+  <p:cSld>
+    <p:spTree>
+      <p:nvGrpSpPr>
+        <p:cNvPr id="1" name=""/>
+        <p:cNvGrpSpPr/>
+        <p:nvPr/>
+      </p:nvGrpSpPr>
+      <p:grpSpPr>
+        <a:xfrm>
+          <a:off x="0" y="0"/>
+          <a:ext cx="0" cy="0"/>
+          <a:chOff x="0" y="0"/>
+          <a:chExt cx="0" cy="0"/>
+        </a:xfrm>
+      </p:grpSpPr>
+      <p:sp>
+        <p:nvSpPr>
+          <p:cNvPr id="8" name="Прямоугольник 7"/>
+          <p:cNvSpPr/>
+          <p:nvPr/>
+        </p:nvSpPr>
+        <p:spPr>
+          <a:xfrm>
+            <a:off x="5220072" y="1988840"/>
+            <a:ext cx="3816424" cy="1908212"/>
+          </a:xfrm>
+          <a:prstGeom prst="rect">
+            <a:avLst/>
+          </a:prstGeom>
+          <a:solidFill>
+            <a:srgbClr val="FFFF00">
+              <a:alpha val="52000"/>
+            </a:srgbClr>
+          </a:solidFill>
+          <a:ln>
+            <a:solidFill>
+              <a:srgbClr val="FFC000"/>
+            </a:solidFill>
+          </a:ln>
+        </p:spPr>
+        <p:style>
+          <a:lnRef idx="2">
+            <a:schemeClr val="accent1">
+              <a:shade val="50000"/>
+            </a:schemeClr>
+          </a:lnRef>
+          <a:fillRef idx="1">
+            <a:schemeClr val="accent1"/>
+          </a:fillRef>
+          <a:effectRef idx="0">
+            <a:schemeClr val="accent1"/>
+          </a:effectRef>
+          <a:fontRef idx="minor">
+            <a:schemeClr val="lt1"/>
+          </a:fontRef>
+        </p:style>
+        <p:txBody>
+          <a:bodyPr rtlCol="0" anchor="ctr"/>
+          <a:lstStyle/>
+          <a:p>
+            <a:pPr algn="ctr"/>
+            <a:endParaRPr lang="ru-RU"/>
+          </a:p>
+        </p:txBody>
+      </p:sp>
+      <p:cxnSp>
+        <p:nvCxnSpPr>
+          <p:cNvPr id="9" name="Прямая соединительная линия 8"/>
+          <p:cNvCxnSpPr/>
+          <p:nvPr/>
+        </p:nvCxnSpPr>
+        <p:spPr>
+          <a:xfrm>
+            <a:off x="5292080" y="2486806"/>
+            <a:ext cx="3744416" cy="62378"/>
+          </a:xfrm>
+          <a:prstGeom prst="line">
+            <a:avLst/>
+          </a:prstGeom>
+          <a:ln>
+            <a:solidFill>
+              <a:srgbClr val="FFC000"/>
+            </a:solidFill>
+          </a:ln>
+        </p:spPr>
+        <p:style>
+          <a:lnRef idx="1">
+            <a:schemeClr val="accent1"/>
+          </a:lnRef>
+          <a:fillRef idx="0">
+            <a:schemeClr val="accent1"/>
+          </a:fillRef>
+          <a:effectRef idx="0">
+            <a:schemeClr val="accent1"/>
+          </a:effectRef>
+          <a:fontRef idx="minor">
+            <a:schemeClr val="tx1"/>
+          </a:fontRef>
+        </p:style>
+      </p:cxnSp>
+      <p:sp>
+        <p:nvSpPr>
+          <p:cNvPr id="4" name="Заголовок 1"/>
+          <p:cNvSpPr>
+            <a:spLocks noGrp="1"/>
+          </p:cNvSpPr>
+          <p:nvPr>
+            <p:ph type="title"/>
+          </p:nvPr>
+        </p:nvSpPr>
+        <p:spPr>
+          <a:xfrm>
+            <a:off x="0" y="402720"/>
+            <a:ext cx="9144000" cy="491963"/>
+          </a:xfrm>
+          <a:solidFill>
+            <a:srgbClr val="FFFF00">
+              <a:alpha val="19000"/>
+            </a:srgbClr>
+          </a:solidFill>
+        </p:spPr>
+        <p:txBody>
+          <a:bodyPr>
+            <a:noAutofit/>
+          </a:bodyPr>
+          <a:lstStyle/>
+          <a:p>
+            <a:r>
+              <a:rPr lang="uk-UA" sz="3200" dirty="0" smtClean="0">
+                <a:effectLst>
+                  <a:outerShdw blurRad="38100" dist="38100" dir="2700000" algn="tl">
+                    <a:srgbClr val="000000">
+                      <a:alpha val="43137"/>
+                    </a:srgbClr>
+                  </a:outerShdw>
+                </a:effectLst>
+              </a:rPr>
+              <a:t>ОТПРАВКА УВЕДОМЛЕНИЙ</a:t>
+            </a:r>
+            <a:endParaRPr lang="ru-RU" sz="3200" dirty="0">
+              <a:effectLst>
+                <a:outerShdw blurRad="38100" dist="38100" dir="2700000" algn="tl">
+                  <a:srgbClr val="000000">
+                    <a:alpha val="43137"/>
+                  </a:srgbClr>
+                </a:outerShdw>
+              </a:effectLst>
+            </a:endParaRPr>
+          </a:p>
+        </p:txBody>
+      </p:sp>
+      <p:sp>
+        <p:nvSpPr>
+          <p:cNvPr id="5" name="Прямоугольник 4"/>
+          <p:cNvSpPr/>
+          <p:nvPr/>
+        </p:nvSpPr>
+        <p:spPr>
+          <a:xfrm>
+            <a:off x="215516" y="1196752"/>
+            <a:ext cx="4788532" cy="5256584"/>
+          </a:xfrm>
+          <a:prstGeom prst="rect">
+            <a:avLst/>
+          </a:prstGeom>
+          <a:solidFill>
+            <a:schemeClr val="bg1"/>
+          </a:solidFill>
+          <a:ln>
+            <a:solidFill>
+              <a:srgbClr val="FFC000"/>
+            </a:solidFill>
+          </a:ln>
+        </p:spPr>
+        <p:style>
+          <a:lnRef idx="2">
+            <a:schemeClr val="accent1">
+              <a:shade val="50000"/>
+            </a:schemeClr>
+          </a:lnRef>
+          <a:fillRef idx="1">
+            <a:schemeClr val="accent1"/>
+          </a:fillRef>
+          <a:effectRef idx="0">
+            <a:schemeClr val="accent1"/>
+          </a:effectRef>
+          <a:fontRef idx="minor">
+            <a:schemeClr val="lt1"/>
+          </a:fontRef>
+        </p:style>
+        <p:txBody>
+          <a:bodyPr rtlCol="0" anchor="ctr"/>
+          <a:lstStyle/>
+          <a:p>
+            <a:pPr algn="ctr"/>
+            <a:endParaRPr lang="ru-RU"/>
+          </a:p>
+        </p:txBody>
+      </p:sp>
+      <p:sp>
+        <p:nvSpPr>
+          <p:cNvPr id="6" name="TextBox 5"/>
+          <p:cNvSpPr txBox="1"/>
+          <p:nvPr/>
+        </p:nvSpPr>
+        <p:spPr>
+          <a:xfrm rot="2718363">
+            <a:off x="-557862" y="3417191"/>
+            <a:ext cx="6388485" cy="461665"/>
+          </a:xfrm>
+          <a:prstGeom prst="rect">
+            <a:avLst/>
+          </a:prstGeom>
+          <a:noFill/>
+        </p:spPr>
+        <p:txBody>
+          <a:bodyPr wrap="square" rtlCol="0">
+            <a:spAutoFit/>
+          </a:bodyPr>
+          <a:lstStyle/>
+          <a:p>
+            <a:pPr algn="ctr"/>
+            <a:r>
+              <a:rPr lang="ru-RU" sz="2400" dirty="0" smtClean="0">
+                <a:solidFill>
+                  <a:schemeClr val="tx1">
+                    <a:lumMod val="50000"/>
+                    <a:lumOff val="50000"/>
+                  </a:schemeClr>
+                </a:solidFill>
+              </a:rPr>
+              <a:t>ПОЛЕ ДЛЯ ВВОДА УВЕДОМЛЕНИЯ</a:t>
+            </a:r>
+            <a:endParaRPr lang="ru-RU" sz="2400" dirty="0">
+              <a:solidFill>
+                <a:schemeClr val="tx1">
+                  <a:lumMod val="50000"/>
+                  <a:lumOff val="50000"/>
+                </a:schemeClr>
+              </a:solidFill>
+            </a:endParaRPr>
+          </a:p>
+        </p:txBody>
+      </p:sp>
+      <p:pic>
+        <p:nvPicPr>
+          <p:cNvPr id="1026" name="Picture 2" descr="Картинки по запросу фильтр иконка"/>
+          <p:cNvPicPr>
+            <a:picLocks noChangeAspect="1" noChangeArrowheads="1"/>
+          </p:cNvPicPr>
+          <p:nvPr/>
+        </p:nvPicPr>
+        <p:blipFill>
+          <a:blip r:embed="rId2" cstate="print">
+            <a:extLst>
+              <a:ext uri="{28A0092B-C50C-407E-A947-70E740481C1C}">
+                <a14:useLocalDpi xmlns:a14="http://schemas.microsoft.com/office/drawing/2010/main" val="0"/>
+              </a:ext>
+            </a:extLst>
+          </a:blip>
+          <a:srcRect/>
+          <a:stretch>
+            <a:fillRect/>
+          </a:stretch>
+        </p:blipFill>
+        <p:spPr bwMode="auto">
+          <a:xfrm>
+            <a:off x="5220072" y="2549184"/>
+            <a:ext cx="1177144" cy="1177144"/>
+          </a:xfrm>
+          <a:prstGeom prst="rect">
+            <a:avLst/>
+          </a:prstGeom>
+          <a:noFill/>
+          <a:extLst>
+            <a:ext uri="{909E8E84-426E-40DD-AFC4-6F175D3DCCD1}">
+              <a14:hiddenFill xmlns:a14="http://schemas.microsoft.com/office/drawing/2010/main">
+                <a:solidFill>
+                  <a:srgbClr val="FFFFFF"/>
+                </a:solidFill>
+              </a14:hiddenFill>
+            </a:ext>
+          </a:extLst>
+        </p:spPr>
+      </p:pic>
+      <p:sp>
+        <p:nvSpPr>
+          <p:cNvPr id="10" name="TextBox 9"/>
+          <p:cNvSpPr txBox="1"/>
+          <p:nvPr/>
+        </p:nvSpPr>
+        <p:spPr>
+          <a:xfrm>
+            <a:off x="5436096" y="2025141"/>
+            <a:ext cx="3528392" cy="461665"/>
+          </a:xfrm>
+          <a:prstGeom prst="rect">
+            <a:avLst/>
+          </a:prstGeom>
+          <a:noFill/>
+        </p:spPr>
+        <p:txBody>
+          <a:bodyPr wrap="square" rtlCol="0">
+            <a:spAutoFit/>
+          </a:bodyPr>
+          <a:lstStyle/>
+          <a:p>
+            <a:r>
+              <a:rPr lang="ru-RU" sz="2400" b="1" i="1" dirty="0" smtClean="0">
+                <a:effectLst>
+                  <a:outerShdw blurRad="38100" dist="38100" dir="2700000" algn="tl">
+                    <a:srgbClr val="000000">
+                      <a:alpha val="43137"/>
+                    </a:srgbClr>
+                  </a:outerShdw>
+                </a:effectLst>
+              </a:rPr>
+              <a:t>ФИЛЬТР ПОЛУЧАТЕЛЕЙ</a:t>
+            </a:r>
+            <a:endParaRPr lang="ru-RU" sz="2400" b="1" i="1" dirty="0">
+              <a:effectLst>
+                <a:outerShdw blurRad="38100" dist="38100" dir="2700000" algn="tl">
+                  <a:srgbClr val="000000">
+                    <a:alpha val="43137"/>
+                  </a:srgbClr>
+                </a:outerShdw>
+              </a:effectLst>
+            </a:endParaRPr>
+          </a:p>
+        </p:txBody>
+      </p:sp>
+      <p:sp>
+        <p:nvSpPr>
+          <p:cNvPr id="13" name="TextBox 12"/>
+          <p:cNvSpPr txBox="1"/>
+          <p:nvPr/>
+        </p:nvSpPr>
+        <p:spPr>
+          <a:xfrm>
+            <a:off x="7233574" y="2753034"/>
+            <a:ext cx="1091288" cy="769441"/>
+          </a:xfrm>
+          <a:prstGeom prst="rect">
+            <a:avLst/>
+          </a:prstGeom>
+          <a:noFill/>
+        </p:spPr>
+        <p:txBody>
+          <a:bodyPr wrap="square" rtlCol="0">
+            <a:spAutoFit/>
+          </a:bodyPr>
+          <a:lstStyle/>
+          <a:p>
+            <a:r>
+              <a:rPr lang="ru-RU" sz="4400" b="1" dirty="0" smtClean="0">
+                <a:effectLst>
+                  <a:outerShdw blurRad="38100" dist="38100" dir="2700000" algn="tl">
+                    <a:srgbClr val="000000">
+                      <a:alpha val="43137"/>
+                    </a:srgbClr>
+                  </a:outerShdw>
+                </a:effectLst>
+              </a:rPr>
+              <a:t>…</a:t>
+            </a:r>
+            <a:endParaRPr lang="ru-RU" b="1" dirty="0">
+              <a:effectLst>
+                <a:outerShdw blurRad="38100" dist="38100" dir="2700000" algn="tl">
+                  <a:srgbClr val="000000">
+                    <a:alpha val="43137"/>
+                  </a:srgbClr>
+                </a:outerShdw>
+              </a:effectLst>
+            </a:endParaRPr>
+          </a:p>
+        </p:txBody>
+      </p:sp>
+      <p:sp>
+        <p:nvSpPr>
+          <p:cNvPr id="14" name="Багетная рамка 13"/>
+          <p:cNvSpPr/>
+          <p:nvPr/>
+        </p:nvSpPr>
+        <p:spPr>
+          <a:xfrm>
+            <a:off x="5508104" y="4437112"/>
+            <a:ext cx="3024336" cy="1247064"/>
+          </a:xfrm>
+          <a:prstGeom prst="bevel">
+            <a:avLst/>
+          </a:prstGeom>
+          <a:solidFill>
+            <a:srgbClr val="FFFF00">
+              <a:alpha val="52000"/>
+            </a:srgbClr>
+          </a:solidFill>
+          <a:ln>
+            <a:solidFill>
+              <a:srgbClr val="FFC000"/>
+            </a:solidFill>
+          </a:ln>
+        </p:spPr>
+        <p:style>
+          <a:lnRef idx="2">
+            <a:schemeClr val="accent1">
+              <a:shade val="50000"/>
+            </a:schemeClr>
+          </a:lnRef>
+          <a:fillRef idx="1">
+            <a:schemeClr val="accent1"/>
+          </a:fillRef>
+          <a:effectRef idx="0">
+            <a:schemeClr val="accent1"/>
+          </a:effectRef>
+          <a:fontRef idx="minor">
+            <a:schemeClr val="lt1"/>
+          </a:fontRef>
+        </p:style>
+        <p:txBody>
+          <a:bodyPr rtlCol="0" anchor="ctr"/>
+          <a:lstStyle/>
+          <a:p>
+            <a:pPr algn="ctr"/>
+            <a:endParaRPr lang="ru-RU"/>
+          </a:p>
+        </p:txBody>
+      </p:sp>
+      <p:sp>
+        <p:nvSpPr>
+          <p:cNvPr id="15" name="TextBox 14"/>
+          <p:cNvSpPr txBox="1"/>
+          <p:nvPr/>
+        </p:nvSpPr>
+        <p:spPr>
+          <a:xfrm>
+            <a:off x="5652120" y="4645145"/>
+            <a:ext cx="2736304" cy="830997"/>
+          </a:xfrm>
+          <a:prstGeom prst="rect">
+            <a:avLst/>
+          </a:prstGeom>
+          <a:noFill/>
+        </p:spPr>
+        <p:txBody>
+          <a:bodyPr wrap="square" rtlCol="0">
+            <a:spAutoFit/>
+          </a:bodyPr>
+          <a:lstStyle/>
+          <a:p>
+            <a:pPr algn="ctr"/>
+            <a:r>
+              <a:rPr lang="ru-RU" sz="2400" b="1" dirty="0" smtClean="0">
+                <a:effectLst>
+                  <a:outerShdw blurRad="38100" dist="38100" dir="2700000" algn="tl">
+                    <a:srgbClr val="000000">
+                      <a:alpha val="43137"/>
+                    </a:srgbClr>
+                  </a:outerShdw>
+                </a:effectLst>
+              </a:rPr>
+              <a:t>ОТПРАВИТЬ УВЕДОМЛЕНИЕ</a:t>
+            </a:r>
+            <a:endParaRPr lang="ru-RU" sz="2400" b="1" dirty="0">
+              <a:effectLst>
+                <a:outerShdw blurRad="38100" dist="38100" dir="2700000" algn="tl">
+                  <a:srgbClr val="000000">
+                    <a:alpha val="43137"/>
+                  </a:srgbClr>
+                </a:outerShdw>
+              </a:effectLst>
+            </a:endParaRPr>
+          </a:p>
+        </p:txBody>
+      </p:sp>
+    </p:spTree>
+    <p:extLst>
+      <p:ext uri="{BB962C8B-B14F-4D97-AF65-F5344CB8AC3E}">
+        <p14:creationId xmlns:p14="http://schemas.microsoft.com/office/powerpoint/2010/main" val="1103063400"/>
+      </p:ext>
+    </p:extLst>
+  </p:cSld>
+  <p:clrMapOvr>
+    <a:masterClrMapping/>
+  </p:clrMapOvr>
+  <p:timing>
+    <p:tnLst>
+      <p:par>
+        <p:cTn id="1" dur="indefinite" restart="never" nodeType="tmRoot"/>
+      </p:par>
+    </p:tnLst>
+  </p:timing>
+</p:sld>
+</file>
+
+<file path=ppt/slides/slide21.xml><?xml version="1.0" encoding="utf-8"?>
+<p:sld xmlns:a="http://schemas.openxmlformats.org/drawingml/2006/main" xmlns:r="http://schemas.openxmlformats.org/officeDocument/2006/relationships" xmlns:p="http://schemas.openxmlformats.org/presentationml/2006/main">
+  <p:cSld>
+    <p:spTree>
+      <p:nvGrpSpPr>
+        <p:cNvPr id="1" name=""/>
+        <p:cNvGrpSpPr/>
+        <p:nvPr/>
+      </p:nvGrpSpPr>
+      <p:grpSpPr>
+        <a:xfrm>
+          <a:off x="0" y="0"/>
+          <a:ext cx="0" cy="0"/>
+          <a:chOff x="0" y="0"/>
+          <a:chExt cx="0" cy="0"/>
+        </a:xfrm>
+      </p:grpSpPr>
+      <p:sp>
+        <p:nvSpPr>
+          <p:cNvPr id="4" name="Заголовок 1"/>
+          <p:cNvSpPr>
+            <a:spLocks noGrp="1"/>
+          </p:cNvSpPr>
+          <p:nvPr>
+            <p:ph type="title"/>
+          </p:nvPr>
+        </p:nvSpPr>
+        <p:spPr>
+          <a:xfrm>
+            <a:off x="539552" y="2636912"/>
+            <a:ext cx="8229600" cy="1143000"/>
+          </a:xfrm>
+        </p:spPr>
+        <p:txBody>
+          <a:bodyPr>
+            <a:normAutofit/>
+          </a:bodyPr>
+          <a:lstStyle/>
+          <a:p>
+            <a:r>
+              <a:rPr lang="ru-RU" dirty="0" smtClean="0"/>
+              <a:t>Консалтинговый центр</a:t>
+            </a:r>
+            <a:endParaRPr lang="ru-RU" dirty="0"/>
+          </a:p>
+        </p:txBody>
+      </p:sp>
+    </p:spTree>
+    <p:extLst>
+      <p:ext uri="{BB962C8B-B14F-4D97-AF65-F5344CB8AC3E}">
+        <p14:creationId xmlns:p14="http://schemas.microsoft.com/office/powerpoint/2010/main" val="488663037"/>
+      </p:ext>
+    </p:extLst>
+  </p:cSld>
+  <p:clrMapOvr>
+    <a:masterClrMapping/>
+  </p:clrMapOvr>
+  <p:timing>
+    <p:tnLst>
+      <p:par>
+        <p:cTn id="1" dur="indefinite" restart="never" nodeType="tmRoot"/>
+      </p:par>
+    </p:tnLst>
+  </p:timing>
+</p:sld>
+</file>
+
+<file path=ppt/slides/slide22.xml><?xml version="1.0" encoding="utf-8"?>
+<p:sld xmlns:a="http://schemas.openxmlformats.org/drawingml/2006/main" xmlns:r="http://schemas.openxmlformats.org/officeDocument/2006/relationships" xmlns:p="http://schemas.openxmlformats.org/presentationml/2006/main">
+  <p:cSld>
+    <p:spTree>
+      <p:nvGrpSpPr>
+        <p:cNvPr id="1" name=""/>
+        <p:cNvGrpSpPr/>
+        <p:nvPr/>
+      </p:nvGrpSpPr>
+      <p:grpSpPr>
+        <a:xfrm>
+          <a:off x="0" y="0"/>
+          <a:ext cx="0" cy="0"/>
+          <a:chOff x="0" y="0"/>
+          <a:chExt cx="0" cy="0"/>
+        </a:xfrm>
+      </p:grpSpPr>
+      <p:sp>
+        <p:nvSpPr>
+          <p:cNvPr id="22" name="Багетная рамка 21"/>
+          <p:cNvSpPr/>
+          <p:nvPr/>
+        </p:nvSpPr>
+        <p:spPr>
+          <a:xfrm>
+            <a:off x="952836" y="3575768"/>
+            <a:ext cx="3024336" cy="680325"/>
+          </a:xfrm>
+          <a:prstGeom prst="bevel">
+            <a:avLst/>
+          </a:prstGeom>
+          <a:solidFill>
+            <a:schemeClr val="accent2">
+              <a:alpha val="67000"/>
+            </a:schemeClr>
+          </a:solidFill>
+          <a:ln>
+            <a:solidFill>
+              <a:schemeClr val="accent2"/>
+            </a:solidFill>
+          </a:ln>
+        </p:spPr>
+        <p:style>
+          <a:lnRef idx="2">
+            <a:schemeClr val="accent1">
+              <a:shade val="50000"/>
+            </a:schemeClr>
+          </a:lnRef>
+          <a:fillRef idx="1">
+            <a:schemeClr val="accent1"/>
+          </a:fillRef>
+          <a:effectRef idx="0">
+            <a:schemeClr val="accent1"/>
+          </a:effectRef>
+          <a:fontRef idx="minor">
+            <a:schemeClr val="lt1"/>
+          </a:fontRef>
+        </p:style>
+        <p:txBody>
+          <a:bodyPr rtlCol="0" anchor="ctr"/>
+          <a:lstStyle/>
+          <a:p>
+            <a:pPr algn="ctr"/>
+            <a:endParaRPr lang="ru-RU"/>
+          </a:p>
+        </p:txBody>
+      </p:sp>
+      <p:sp>
+        <p:nvSpPr>
+          <p:cNvPr id="23" name="TextBox 22"/>
+          <p:cNvSpPr txBox="1"/>
+          <p:nvPr/>
+        </p:nvSpPr>
+        <p:spPr>
+          <a:xfrm>
+            <a:off x="1115616" y="3623542"/>
+            <a:ext cx="2698776" cy="584775"/>
+          </a:xfrm>
+          <a:prstGeom prst="rect">
+            <a:avLst/>
+          </a:prstGeom>
+          <a:noFill/>
+        </p:spPr>
+        <p:txBody>
+          <a:bodyPr wrap="square" rtlCol="0">
+            <a:spAutoFit/>
+          </a:bodyPr>
+          <a:lstStyle/>
+          <a:p>
+            <a:pPr algn="ctr"/>
+            <a:r>
+              <a:rPr lang="ru-RU" sz="1600" dirty="0" smtClean="0">
+                <a:effectLst>
+                  <a:outerShdw blurRad="38100" dist="38100" dir="2700000" algn="tl">
+                    <a:srgbClr val="000000">
+                      <a:alpha val="43137"/>
+                    </a:srgbClr>
+                  </a:outerShdw>
+                </a:effectLst>
+              </a:rPr>
+              <a:t>ИНФОРМАЦИЯ О СУЩЕСТВУЮЩЕМ ЗАКАЗЕ</a:t>
+            </a:r>
+            <a:endParaRPr lang="ru-RU" sz="1600" dirty="0">
+              <a:effectLst>
+                <a:outerShdw blurRad="38100" dist="38100" dir="2700000" algn="tl">
+                  <a:srgbClr val="000000">
+                    <a:alpha val="43137"/>
+                  </a:srgbClr>
+                </a:outerShdw>
+              </a:effectLst>
+            </a:endParaRPr>
+          </a:p>
+        </p:txBody>
+      </p:sp>
+      <p:sp>
+        <p:nvSpPr>
+          <p:cNvPr id="24" name="Багетная рамка 23"/>
+          <p:cNvSpPr/>
+          <p:nvPr/>
+        </p:nvSpPr>
+        <p:spPr>
+          <a:xfrm>
+            <a:off x="4860032" y="2604884"/>
+            <a:ext cx="3024336" cy="680325"/>
+          </a:xfrm>
+          <a:prstGeom prst="bevel">
+            <a:avLst/>
+          </a:prstGeom>
+          <a:solidFill>
+            <a:schemeClr val="accent2">
+              <a:alpha val="67000"/>
+            </a:schemeClr>
+          </a:solidFill>
+          <a:ln>
+            <a:solidFill>
+              <a:schemeClr val="accent2"/>
+            </a:solidFill>
+          </a:ln>
+        </p:spPr>
+        <p:style>
+          <a:lnRef idx="2">
+            <a:schemeClr val="accent1">
+              <a:shade val="50000"/>
+            </a:schemeClr>
+          </a:lnRef>
+          <a:fillRef idx="1">
+            <a:schemeClr val="accent1"/>
+          </a:fillRef>
+          <a:effectRef idx="0">
+            <a:schemeClr val="accent1"/>
+          </a:effectRef>
+          <a:fontRef idx="minor">
+            <a:schemeClr val="lt1"/>
+          </a:fontRef>
+        </p:style>
+        <p:txBody>
+          <a:bodyPr rtlCol="0" anchor="ctr"/>
+          <a:lstStyle/>
+          <a:p>
+            <a:pPr algn="ctr"/>
+            <a:endParaRPr lang="ru-RU"/>
+          </a:p>
+        </p:txBody>
+      </p:sp>
+      <p:sp>
+        <p:nvSpPr>
+          <p:cNvPr id="25" name="TextBox 24"/>
+          <p:cNvSpPr txBox="1"/>
+          <p:nvPr/>
+        </p:nvSpPr>
+        <p:spPr>
+          <a:xfrm>
+            <a:off x="5148064" y="2792041"/>
+            <a:ext cx="2520280" cy="338554"/>
+          </a:xfrm>
+          <a:prstGeom prst="rect">
+            <a:avLst/>
+          </a:prstGeom>
+          <a:noFill/>
+        </p:spPr>
+        <p:txBody>
+          <a:bodyPr wrap="square" rtlCol="0">
+            <a:spAutoFit/>
+          </a:bodyPr>
+          <a:lstStyle/>
+          <a:p>
+            <a:r>
+              <a:rPr lang="ru-RU" sz="1600" dirty="0" smtClean="0">
+                <a:effectLst>
+                  <a:outerShdw blurRad="38100" dist="38100" dir="2700000" algn="tl">
+                    <a:srgbClr val="000000">
+                      <a:alpha val="43137"/>
+                    </a:srgbClr>
+                  </a:outerShdw>
+                </a:effectLst>
+              </a:rPr>
+              <a:t>ЧАТ-КОНСУЛЬТИРОВАНИЕ</a:t>
+            </a:r>
+            <a:endParaRPr lang="ru-RU" sz="1600" dirty="0">
+              <a:effectLst>
+                <a:outerShdw blurRad="38100" dist="38100" dir="2700000" algn="tl">
+                  <a:srgbClr val="000000">
+                    <a:alpha val="43137"/>
+                  </a:srgbClr>
+                </a:outerShdw>
+              </a:effectLst>
+            </a:endParaRPr>
+          </a:p>
+        </p:txBody>
+      </p:sp>
+      <p:sp>
+        <p:nvSpPr>
+          <p:cNvPr id="26" name="Багетная рамка 25"/>
+          <p:cNvSpPr/>
+          <p:nvPr/>
+        </p:nvSpPr>
+        <p:spPr>
+          <a:xfrm>
+            <a:off x="4860032" y="3575766"/>
+            <a:ext cx="3024336" cy="680325"/>
+          </a:xfrm>
+          <a:prstGeom prst="bevel">
+            <a:avLst/>
+          </a:prstGeom>
+          <a:solidFill>
+            <a:schemeClr val="accent2">
+              <a:alpha val="67000"/>
+            </a:schemeClr>
+          </a:solidFill>
+          <a:ln>
+            <a:solidFill>
+              <a:schemeClr val="accent2"/>
+            </a:solidFill>
+          </a:ln>
+        </p:spPr>
+        <p:style>
+          <a:lnRef idx="2">
+            <a:schemeClr val="accent1">
+              <a:shade val="50000"/>
+            </a:schemeClr>
+          </a:lnRef>
+          <a:fillRef idx="1">
+            <a:schemeClr val="accent1"/>
+          </a:fillRef>
+          <a:effectRef idx="0">
+            <a:schemeClr val="accent1"/>
+          </a:effectRef>
+          <a:fontRef idx="minor">
+            <a:schemeClr val="lt1"/>
+          </a:fontRef>
+        </p:style>
+        <p:txBody>
+          <a:bodyPr rtlCol="0" anchor="ctr"/>
+          <a:lstStyle/>
+          <a:p>
+            <a:pPr algn="ctr"/>
+            <a:endParaRPr lang="ru-RU"/>
+          </a:p>
+        </p:txBody>
+      </p:sp>
+      <p:sp>
+        <p:nvSpPr>
+          <p:cNvPr id="27" name="TextBox 26"/>
+          <p:cNvSpPr txBox="1"/>
+          <p:nvPr/>
+        </p:nvSpPr>
+        <p:spPr>
+          <a:xfrm>
+            <a:off x="5137328" y="3746651"/>
+            <a:ext cx="2579179" cy="338554"/>
+          </a:xfrm>
+          <a:prstGeom prst="rect">
+            <a:avLst/>
+          </a:prstGeom>
+          <a:noFill/>
+        </p:spPr>
+        <p:txBody>
+          <a:bodyPr wrap="square" rtlCol="0">
+            <a:spAutoFit/>
+          </a:bodyPr>
+          <a:lstStyle/>
+          <a:p>
+            <a:pPr algn="ctr"/>
+            <a:r>
+              <a:rPr lang="ru-RU" sz="1600" dirty="0" smtClean="0">
+                <a:effectLst>
+                  <a:outerShdw blurRad="38100" dist="38100" dir="2700000" algn="tl">
+                    <a:srgbClr val="000000">
+                      <a:alpha val="43137"/>
+                    </a:srgbClr>
+                  </a:outerShdw>
+                </a:effectLst>
+              </a:rPr>
+              <a:t>ОБРАБОТКА ЖАЛОБ</a:t>
+            </a:r>
+            <a:endParaRPr lang="ru-RU" sz="1600" dirty="0">
+              <a:effectLst>
+                <a:outerShdw blurRad="38100" dist="38100" dir="2700000" algn="tl">
+                  <a:srgbClr val="000000">
+                    <a:alpha val="43137"/>
+                  </a:srgbClr>
+                </a:outerShdw>
+              </a:effectLst>
+            </a:endParaRPr>
+          </a:p>
+        </p:txBody>
+      </p:sp>
+      <p:sp>
+        <p:nvSpPr>
+          <p:cNvPr id="28" name="Заголовок 1"/>
+          <p:cNvSpPr>
+            <a:spLocks noGrp="1"/>
+          </p:cNvSpPr>
+          <p:nvPr>
+            <p:ph type="title"/>
+          </p:nvPr>
+        </p:nvSpPr>
+        <p:spPr>
+          <a:xfrm>
+            <a:off x="0" y="402720"/>
+            <a:ext cx="9144000" cy="491963"/>
+          </a:xfrm>
+          <a:solidFill>
+            <a:schemeClr val="accent2">
+              <a:lumMod val="60000"/>
+              <a:lumOff val="40000"/>
+              <a:alpha val="19000"/>
+            </a:schemeClr>
+          </a:solidFill>
+        </p:spPr>
+        <p:txBody>
+          <a:bodyPr>
+            <a:noAutofit/>
+          </a:bodyPr>
+          <a:lstStyle/>
+          <a:p>
+            <a:r>
+              <a:rPr lang="uk-UA" sz="3200" dirty="0" err="1" smtClean="0">
+                <a:effectLst>
+                  <a:outerShdw blurRad="38100" dist="38100" dir="2700000" algn="tl">
+                    <a:srgbClr val="000000">
+                      <a:alpha val="43137"/>
+                    </a:srgbClr>
+                  </a:outerShdw>
+                </a:effectLst>
+              </a:rPr>
+              <a:t>Главное</a:t>
+            </a:r>
+            <a:r>
+              <a:rPr lang="uk-UA" sz="3200" dirty="0" smtClean="0">
+                <a:effectLst>
+                  <a:outerShdw blurRad="38100" dist="38100" dir="2700000" algn="tl">
+                    <a:srgbClr val="000000">
+                      <a:alpha val="43137"/>
+                    </a:srgbClr>
+                  </a:outerShdw>
+                </a:effectLst>
+              </a:rPr>
+              <a:t> меню</a:t>
+            </a:r>
+            <a:endParaRPr lang="ru-RU" sz="3200" dirty="0">
+              <a:effectLst>
+                <a:outerShdw blurRad="38100" dist="38100" dir="2700000" algn="tl">
+                  <a:srgbClr val="000000">
+                    <a:alpha val="43137"/>
+                  </a:srgbClr>
+                </a:outerShdw>
+              </a:effectLst>
+            </a:endParaRPr>
+          </a:p>
+        </p:txBody>
+      </p:sp>
+      <p:sp>
+        <p:nvSpPr>
+          <p:cNvPr id="29" name="Багетная рамка 28"/>
+          <p:cNvSpPr/>
+          <p:nvPr/>
+        </p:nvSpPr>
+        <p:spPr>
+          <a:xfrm>
+            <a:off x="957917" y="2604887"/>
+            <a:ext cx="3024336" cy="680325"/>
+          </a:xfrm>
+          <a:prstGeom prst="bevel">
+            <a:avLst/>
+          </a:prstGeom>
+          <a:solidFill>
+            <a:schemeClr val="accent2">
+              <a:alpha val="67000"/>
+            </a:schemeClr>
+          </a:solidFill>
+          <a:ln>
+            <a:solidFill>
+              <a:schemeClr val="accent2"/>
+            </a:solidFill>
+          </a:ln>
+        </p:spPr>
+        <p:style>
+          <a:lnRef idx="2">
+            <a:schemeClr val="accent1">
+              <a:shade val="50000"/>
+            </a:schemeClr>
+          </a:lnRef>
+          <a:fillRef idx="1">
+            <a:schemeClr val="accent1"/>
+          </a:fillRef>
+          <a:effectRef idx="0">
+            <a:schemeClr val="accent1"/>
+          </a:effectRef>
+          <a:fontRef idx="minor">
+            <a:schemeClr val="lt1"/>
+          </a:fontRef>
+        </p:style>
+        <p:txBody>
+          <a:bodyPr rtlCol="0" anchor="ctr"/>
+          <a:lstStyle/>
+          <a:p>
+            <a:pPr algn="ctr"/>
+            <a:endParaRPr lang="ru-RU"/>
+          </a:p>
+        </p:txBody>
+      </p:sp>
+      <p:sp>
+        <p:nvSpPr>
+          <p:cNvPr id="30" name="TextBox 29"/>
+          <p:cNvSpPr txBox="1"/>
+          <p:nvPr/>
+        </p:nvSpPr>
+        <p:spPr>
+          <a:xfrm>
+            <a:off x="1297160" y="2792044"/>
+            <a:ext cx="2554760" cy="338554"/>
+          </a:xfrm>
+          <a:prstGeom prst="rect">
+            <a:avLst/>
+          </a:prstGeom>
+          <a:noFill/>
+        </p:spPr>
+        <p:txBody>
+          <a:bodyPr wrap="square" rtlCol="0">
+            <a:spAutoFit/>
+          </a:bodyPr>
+          <a:lstStyle/>
+          <a:p>
+            <a:r>
+              <a:rPr lang="ru-RU" sz="1600" dirty="0" smtClean="0">
+                <a:effectLst>
+                  <a:outerShdw blurRad="38100" dist="38100" dir="2700000" algn="tl">
+                    <a:srgbClr val="000000">
+                      <a:alpha val="43137"/>
+                    </a:srgbClr>
+                  </a:outerShdw>
+                </a:effectLst>
+              </a:rPr>
+              <a:t>ОФОРМЛЕНИЕ </a:t>
+            </a:r>
+            <a:r>
+              <a:rPr lang="ru-RU" sz="1600" dirty="0" smtClean="0">
+                <a:effectLst>
+                  <a:outerShdw blurRad="38100" dist="38100" dir="2700000" algn="tl">
+                    <a:srgbClr val="000000">
+                      <a:alpha val="43137"/>
+                    </a:srgbClr>
+                  </a:outerShdw>
+                </a:effectLst>
+              </a:rPr>
+              <a:t>ЗАКАЗА</a:t>
+            </a:r>
+            <a:endParaRPr lang="ru-RU" sz="1600" dirty="0">
+              <a:effectLst>
+                <a:outerShdw blurRad="38100" dist="38100" dir="2700000" algn="tl">
+                  <a:srgbClr val="000000">
+                    <a:alpha val="43137"/>
+                  </a:srgbClr>
+                </a:outerShdw>
+              </a:effectLst>
+            </a:endParaRPr>
+          </a:p>
+        </p:txBody>
+      </p:sp>
+    </p:spTree>
+    <p:extLst>
+      <p:ext uri="{BB962C8B-B14F-4D97-AF65-F5344CB8AC3E}">
+        <p14:creationId xmlns:p14="http://schemas.microsoft.com/office/powerpoint/2010/main" val="311624517"/>
+      </p:ext>
+    </p:extLst>
+  </p:cSld>
+  <p:clrMapOvr>
+    <a:masterClrMapping/>
+  </p:clrMapOvr>
+  <p:timing>
+    <p:tnLst>
+      <p:par>
+        <p:cTn id="1" dur="indefinite" restart="never" nodeType="tmRoot"/>
+      </p:par>
+    </p:tnLst>
+  </p:timing>
+</p:sld>
+</file>
+
+<file path=ppt/slides/slide23.xml><?xml version="1.0" encoding="utf-8"?>
+<p:sld xmlns:a="http://schemas.openxmlformats.org/drawingml/2006/main" xmlns:r="http://schemas.openxmlformats.org/officeDocument/2006/relationships" xmlns:p="http://schemas.openxmlformats.org/presentationml/2006/main">
+  <p:cSld>
+    <p:spTree>
+      <p:nvGrpSpPr>
+        <p:cNvPr id="1" name=""/>
+        <p:cNvGrpSpPr/>
+        <p:nvPr/>
+      </p:nvGrpSpPr>
+      <p:grpSpPr>
+        <a:xfrm>
+          <a:off x="0" y="0"/>
+          <a:ext cx="0" cy="0"/>
+          <a:chOff x="0" y="0"/>
+          <a:chExt cx="0" cy="0"/>
+        </a:xfrm>
+      </p:grpSpPr>
+      <p:sp>
+        <p:nvSpPr>
+          <p:cNvPr id="28" name="Заголовок 1"/>
+          <p:cNvSpPr>
+            <a:spLocks noGrp="1"/>
+          </p:cNvSpPr>
+          <p:nvPr>
+            <p:ph type="title"/>
+          </p:nvPr>
+        </p:nvSpPr>
+        <p:spPr>
+          <a:xfrm>
+            <a:off x="0" y="402720"/>
+            <a:ext cx="9144000" cy="491963"/>
+          </a:xfrm>
+          <a:solidFill>
+            <a:schemeClr val="accent2">
+              <a:lumMod val="60000"/>
+              <a:lumOff val="40000"/>
+              <a:alpha val="19000"/>
+            </a:schemeClr>
+          </a:solidFill>
+        </p:spPr>
+        <p:txBody>
+          <a:bodyPr>
+            <a:noAutofit/>
+          </a:bodyPr>
+          <a:lstStyle/>
+          <a:p>
+            <a:r>
+              <a:rPr lang="uk-UA" sz="3200" dirty="0" err="1" smtClean="0">
+                <a:effectLst>
+                  <a:outerShdw blurRad="38100" dist="38100" dir="2700000" algn="tl">
+                    <a:srgbClr val="000000">
+                      <a:alpha val="43137"/>
+                    </a:srgbClr>
+                  </a:outerShdw>
+                </a:effectLst>
+              </a:rPr>
+              <a:t>Оформление</a:t>
+            </a:r>
+            <a:r>
+              <a:rPr lang="uk-UA" sz="3200" dirty="0" smtClean="0">
+                <a:effectLst>
+                  <a:outerShdw blurRad="38100" dist="38100" dir="2700000" algn="tl">
+                    <a:srgbClr val="000000">
+                      <a:alpha val="43137"/>
+                    </a:srgbClr>
+                  </a:outerShdw>
+                </a:effectLst>
+              </a:rPr>
+              <a:t> </a:t>
+            </a:r>
+            <a:r>
+              <a:rPr lang="uk-UA" sz="3200" dirty="0" err="1" smtClean="0">
+                <a:effectLst>
+                  <a:outerShdw blurRad="38100" dist="38100" dir="2700000" algn="tl">
+                    <a:srgbClr val="000000">
+                      <a:alpha val="43137"/>
+                    </a:srgbClr>
+                  </a:outerShdw>
+                </a:effectLst>
+              </a:rPr>
+              <a:t>заказа</a:t>
+            </a:r>
+            <a:endParaRPr lang="ru-RU" sz="3200" dirty="0">
+              <a:effectLst>
+                <a:outerShdw blurRad="38100" dist="38100" dir="2700000" algn="tl">
+                  <a:srgbClr val="000000">
+                    <a:alpha val="43137"/>
+                  </a:srgbClr>
+                </a:outerShdw>
+              </a:effectLst>
+            </a:endParaRPr>
+          </a:p>
+        </p:txBody>
+      </p:sp>
+      <p:sp>
+        <p:nvSpPr>
+          <p:cNvPr id="52" name="Прямоугольник 51"/>
+          <p:cNvSpPr/>
+          <p:nvPr/>
+        </p:nvSpPr>
+        <p:spPr>
+          <a:xfrm>
+            <a:off x="370166" y="1733535"/>
+            <a:ext cx="3240360" cy="2088232"/>
+          </a:xfrm>
+          <a:prstGeom prst="rect">
+            <a:avLst/>
+          </a:prstGeom>
+          <a:solidFill>
+            <a:schemeClr val="accent2">
+              <a:alpha val="63000"/>
+            </a:schemeClr>
+          </a:solidFill>
+          <a:ln>
+            <a:solidFill>
+              <a:schemeClr val="accent2"/>
+            </a:solidFill>
+          </a:ln>
+        </p:spPr>
+        <p:style>
+          <a:lnRef idx="2">
+            <a:schemeClr val="accent1">
+              <a:shade val="50000"/>
+            </a:schemeClr>
+          </a:lnRef>
+          <a:fillRef idx="1">
+            <a:schemeClr val="accent1"/>
+          </a:fillRef>
+          <a:effectRef idx="0">
+            <a:schemeClr val="accent1"/>
+          </a:effectRef>
+          <a:fontRef idx="minor">
+            <a:schemeClr val="lt1"/>
+          </a:fontRef>
+        </p:style>
+        <p:txBody>
+          <a:bodyPr rtlCol="0" anchor="ctr"/>
+          <a:lstStyle/>
+          <a:p>
+            <a:pPr algn="ctr"/>
+            <a:endParaRPr lang="ru-RU"/>
+          </a:p>
+        </p:txBody>
+      </p:sp>
+      <p:sp>
+        <p:nvSpPr>
+          <p:cNvPr id="53" name="TextBox 52"/>
+          <p:cNvSpPr txBox="1"/>
+          <p:nvPr/>
+        </p:nvSpPr>
+        <p:spPr>
+          <a:xfrm>
+            <a:off x="442174" y="1744267"/>
+            <a:ext cx="3024336" cy="461665"/>
+          </a:xfrm>
+          <a:prstGeom prst="rect">
+            <a:avLst/>
+          </a:prstGeom>
+          <a:noFill/>
+        </p:spPr>
+        <p:txBody>
+          <a:bodyPr wrap="square" rtlCol="0">
+            <a:spAutoFit/>
+          </a:bodyPr>
+          <a:lstStyle/>
+          <a:p>
+            <a:pPr algn="ctr"/>
+            <a:r>
+              <a:rPr lang="ru-RU" sz="2400" b="1" i="1" dirty="0" smtClean="0">
+                <a:effectLst>
+                  <a:outerShdw blurRad="38100" dist="38100" dir="2700000" algn="tl">
+                    <a:srgbClr val="000000">
+                      <a:alpha val="43137"/>
+                    </a:srgbClr>
+                  </a:outerShdw>
+                </a:effectLst>
+              </a:rPr>
+              <a:t>ОТПРАВИТЕЛЬ</a:t>
+            </a:r>
+            <a:endParaRPr lang="ru-RU" b="1" i="1" dirty="0">
+              <a:effectLst>
+                <a:outerShdw blurRad="38100" dist="38100" dir="2700000" algn="tl">
+                  <a:srgbClr val="000000">
+                    <a:alpha val="43137"/>
+                  </a:srgbClr>
+                </a:outerShdw>
+              </a:effectLst>
+            </a:endParaRPr>
+          </a:p>
+        </p:txBody>
+      </p:sp>
+      <p:cxnSp>
+        <p:nvCxnSpPr>
+          <p:cNvPr id="54" name="Прямая соединительная линия 53"/>
+          <p:cNvCxnSpPr/>
+          <p:nvPr/>
+        </p:nvCxnSpPr>
+        <p:spPr>
+          <a:xfrm>
+            <a:off x="370166" y="2205932"/>
+            <a:ext cx="3240360" cy="0"/>
+          </a:xfrm>
+          <a:prstGeom prst="line">
+            <a:avLst/>
+          </a:prstGeom>
+          <a:ln>
+            <a:solidFill>
+              <a:schemeClr val="accent2"/>
+            </a:solidFill>
+          </a:ln>
+        </p:spPr>
+        <p:style>
+          <a:lnRef idx="1">
+            <a:schemeClr val="accent1"/>
+          </a:lnRef>
+          <a:fillRef idx="0">
+            <a:schemeClr val="accent1"/>
+          </a:fillRef>
+          <a:effectRef idx="0">
+            <a:schemeClr val="accent1"/>
+          </a:effectRef>
+          <a:fontRef idx="minor">
+            <a:schemeClr val="tx1"/>
+          </a:fontRef>
+        </p:style>
+      </p:cxnSp>
+      <p:sp>
+        <p:nvSpPr>
+          <p:cNvPr id="55" name="TextBox 54"/>
+          <p:cNvSpPr txBox="1"/>
+          <p:nvPr/>
+        </p:nvSpPr>
+        <p:spPr>
+          <a:xfrm>
+            <a:off x="477590" y="2360034"/>
+            <a:ext cx="1980220" cy="338554"/>
+          </a:xfrm>
+          <a:prstGeom prst="rect">
+            <a:avLst/>
+          </a:prstGeom>
+          <a:noFill/>
+        </p:spPr>
+        <p:txBody>
+          <a:bodyPr wrap="square" rtlCol="0">
+            <a:spAutoFit/>
+          </a:bodyPr>
+          <a:lstStyle/>
+          <a:p>
+            <a:r>
+              <a:rPr lang="ru-RU" sz="1600" b="1" dirty="0" smtClean="0"/>
+              <a:t>ФИО:    …</a:t>
+            </a:r>
+            <a:endParaRPr lang="ru-RU" sz="1600" b="1" dirty="0"/>
+          </a:p>
+        </p:txBody>
+      </p:sp>
+      <p:sp>
+        <p:nvSpPr>
+          <p:cNvPr id="56" name="TextBox 55"/>
+          <p:cNvSpPr txBox="1"/>
+          <p:nvPr/>
+        </p:nvSpPr>
+        <p:spPr>
+          <a:xfrm>
+            <a:off x="477590" y="2685517"/>
+            <a:ext cx="2435777" cy="338554"/>
+          </a:xfrm>
+          <a:prstGeom prst="rect">
+            <a:avLst/>
+          </a:prstGeom>
+          <a:noFill/>
+        </p:spPr>
+        <p:txBody>
+          <a:bodyPr wrap="square" rtlCol="0">
+            <a:spAutoFit/>
+          </a:bodyPr>
+          <a:lstStyle/>
+          <a:p>
+            <a:r>
+              <a:rPr lang="ru-RU" sz="1600" b="1" dirty="0" smtClean="0"/>
+              <a:t>Адрес :   …</a:t>
+            </a:r>
+            <a:endParaRPr lang="ru-RU" sz="1600" b="1" dirty="0"/>
+          </a:p>
+        </p:txBody>
+      </p:sp>
+      <p:sp>
+        <p:nvSpPr>
+          <p:cNvPr id="57" name="TextBox 56"/>
+          <p:cNvSpPr txBox="1"/>
+          <p:nvPr/>
+        </p:nvSpPr>
+        <p:spPr>
+          <a:xfrm>
+            <a:off x="498697" y="3024071"/>
+            <a:ext cx="2448272" cy="338554"/>
+          </a:xfrm>
+          <a:prstGeom prst="rect">
+            <a:avLst/>
+          </a:prstGeom>
+          <a:noFill/>
+        </p:spPr>
+        <p:txBody>
+          <a:bodyPr wrap="square" rtlCol="0">
+            <a:spAutoFit/>
+          </a:bodyPr>
+          <a:lstStyle/>
+          <a:p>
+            <a:r>
+              <a:rPr lang="ru-RU" sz="1600" b="1" dirty="0" smtClean="0"/>
+              <a:t>Мобильный телефон:   …</a:t>
+            </a:r>
+            <a:endParaRPr lang="ru-RU" sz="1600" b="1" dirty="0"/>
+          </a:p>
+        </p:txBody>
+      </p:sp>
+      <p:sp>
+        <p:nvSpPr>
+          <p:cNvPr id="58" name="TextBox 57"/>
+          <p:cNvSpPr txBox="1"/>
+          <p:nvPr/>
+        </p:nvSpPr>
+        <p:spPr>
+          <a:xfrm>
+            <a:off x="498697" y="3362625"/>
+            <a:ext cx="2448272" cy="338554"/>
+          </a:xfrm>
+          <a:prstGeom prst="rect">
+            <a:avLst/>
+          </a:prstGeom>
+          <a:noFill/>
+        </p:spPr>
+        <p:txBody>
+          <a:bodyPr wrap="square" rtlCol="0">
+            <a:spAutoFit/>
+          </a:bodyPr>
+          <a:lstStyle/>
+          <a:p>
+            <a:r>
+              <a:rPr lang="ru-RU" sz="1600" b="1" dirty="0" smtClean="0"/>
+              <a:t>Электронная почта:   …</a:t>
+            </a:r>
+            <a:endParaRPr lang="ru-RU" sz="1600" b="1" dirty="0"/>
+          </a:p>
+        </p:txBody>
+      </p:sp>
+      <p:sp>
+        <p:nvSpPr>
+          <p:cNvPr id="59" name="Прямоугольник 58"/>
+          <p:cNvSpPr/>
+          <p:nvPr/>
+        </p:nvSpPr>
+        <p:spPr>
+          <a:xfrm>
+            <a:off x="370166" y="3978479"/>
+            <a:ext cx="3240360" cy="2088232"/>
+          </a:xfrm>
+          <a:prstGeom prst="rect">
+            <a:avLst/>
+          </a:prstGeom>
+          <a:solidFill>
+            <a:schemeClr val="accent2">
+              <a:alpha val="63000"/>
+            </a:schemeClr>
+          </a:solidFill>
+          <a:ln>
+            <a:solidFill>
+              <a:schemeClr val="accent2"/>
+            </a:solidFill>
+          </a:ln>
+        </p:spPr>
+        <p:style>
+          <a:lnRef idx="2">
+            <a:schemeClr val="accent1">
+              <a:shade val="50000"/>
+            </a:schemeClr>
+          </a:lnRef>
+          <a:fillRef idx="1">
+            <a:schemeClr val="accent1"/>
+          </a:fillRef>
+          <a:effectRef idx="0">
+            <a:schemeClr val="accent1"/>
+          </a:effectRef>
+          <a:fontRef idx="minor">
+            <a:schemeClr val="lt1"/>
+          </a:fontRef>
+        </p:style>
+        <p:txBody>
+          <a:bodyPr rtlCol="0" anchor="ctr"/>
+          <a:lstStyle/>
+          <a:p>
+            <a:pPr algn="ctr"/>
+            <a:endParaRPr lang="ru-RU"/>
+          </a:p>
+        </p:txBody>
+      </p:sp>
+      <p:sp>
+        <p:nvSpPr>
+          <p:cNvPr id="60" name="TextBox 59"/>
+          <p:cNvSpPr txBox="1"/>
+          <p:nvPr/>
+        </p:nvSpPr>
+        <p:spPr>
+          <a:xfrm>
+            <a:off x="460849" y="3989211"/>
+            <a:ext cx="3024336" cy="461665"/>
+          </a:xfrm>
+          <a:prstGeom prst="rect">
+            <a:avLst/>
+          </a:prstGeom>
+          <a:noFill/>
+        </p:spPr>
+        <p:txBody>
+          <a:bodyPr wrap="square" rtlCol="0">
+            <a:spAutoFit/>
+          </a:bodyPr>
+          <a:lstStyle/>
+          <a:p>
+            <a:pPr algn="ctr"/>
+            <a:r>
+              <a:rPr lang="ru-RU" sz="2400" b="1" i="1" dirty="0" smtClean="0">
+                <a:effectLst>
+                  <a:outerShdw blurRad="38100" dist="38100" dir="2700000" algn="tl">
+                    <a:srgbClr val="000000">
+                      <a:alpha val="43137"/>
+                    </a:srgbClr>
+                  </a:outerShdw>
+                </a:effectLst>
+              </a:rPr>
+              <a:t>ПОЛУЧАТЕЛЬ</a:t>
+            </a:r>
+            <a:endParaRPr lang="ru-RU" b="1" i="1" dirty="0">
+              <a:effectLst>
+                <a:outerShdw blurRad="38100" dist="38100" dir="2700000" algn="tl">
+                  <a:srgbClr val="000000">
+                    <a:alpha val="43137"/>
+                  </a:srgbClr>
+                </a:outerShdw>
+              </a:effectLst>
+            </a:endParaRPr>
+          </a:p>
+        </p:txBody>
+      </p:sp>
+      <p:cxnSp>
+        <p:nvCxnSpPr>
+          <p:cNvPr id="61" name="Прямая соединительная линия 60"/>
+          <p:cNvCxnSpPr/>
+          <p:nvPr/>
+        </p:nvCxnSpPr>
+        <p:spPr>
+          <a:xfrm>
+            <a:off x="370166" y="4450876"/>
+            <a:ext cx="3240360" cy="0"/>
+          </a:xfrm>
+          <a:prstGeom prst="line">
+            <a:avLst/>
+          </a:prstGeom>
+          <a:ln>
+            <a:solidFill>
+              <a:schemeClr val="accent2"/>
+            </a:solidFill>
+          </a:ln>
+        </p:spPr>
+        <p:style>
+          <a:lnRef idx="1">
+            <a:schemeClr val="accent1"/>
+          </a:lnRef>
+          <a:fillRef idx="0">
+            <a:schemeClr val="accent1"/>
+          </a:fillRef>
+          <a:effectRef idx="0">
+            <a:schemeClr val="accent1"/>
+          </a:effectRef>
+          <a:fontRef idx="minor">
+            <a:schemeClr val="tx1"/>
+          </a:fontRef>
+        </p:style>
+      </p:cxnSp>
+      <p:sp>
+        <p:nvSpPr>
+          <p:cNvPr id="62" name="TextBox 61"/>
+          <p:cNvSpPr txBox="1"/>
+          <p:nvPr/>
+        </p:nvSpPr>
+        <p:spPr>
+          <a:xfrm>
+            <a:off x="477590" y="4604978"/>
+            <a:ext cx="1980220" cy="338554"/>
+          </a:xfrm>
+          <a:prstGeom prst="rect">
+            <a:avLst/>
+          </a:prstGeom>
+          <a:noFill/>
+        </p:spPr>
+        <p:txBody>
+          <a:bodyPr wrap="square" rtlCol="0">
+            <a:spAutoFit/>
+          </a:bodyPr>
+          <a:lstStyle/>
+          <a:p>
+            <a:r>
+              <a:rPr lang="ru-RU" sz="1600" b="1" dirty="0" smtClean="0"/>
+              <a:t>ФИО:    …</a:t>
+            </a:r>
+            <a:endParaRPr lang="ru-RU" sz="1600" b="1" dirty="0"/>
+          </a:p>
+        </p:txBody>
+      </p:sp>
+      <p:sp>
+        <p:nvSpPr>
+          <p:cNvPr id="63" name="TextBox 62"/>
+          <p:cNvSpPr txBox="1"/>
+          <p:nvPr/>
+        </p:nvSpPr>
+        <p:spPr>
+          <a:xfrm>
+            <a:off x="477590" y="4930461"/>
+            <a:ext cx="2435777" cy="338554"/>
+          </a:xfrm>
+          <a:prstGeom prst="rect">
+            <a:avLst/>
+          </a:prstGeom>
+          <a:noFill/>
+        </p:spPr>
+        <p:txBody>
+          <a:bodyPr wrap="square" rtlCol="0">
+            <a:spAutoFit/>
+          </a:bodyPr>
+          <a:lstStyle/>
+          <a:p>
+            <a:r>
+              <a:rPr lang="ru-RU" sz="1600" b="1" dirty="0" smtClean="0"/>
+              <a:t>Адрес :   …</a:t>
+            </a:r>
+            <a:endParaRPr lang="ru-RU" sz="1600" b="1" dirty="0"/>
+          </a:p>
+        </p:txBody>
+      </p:sp>
+      <p:sp>
+        <p:nvSpPr>
+          <p:cNvPr id="64" name="TextBox 63"/>
+          <p:cNvSpPr txBox="1"/>
+          <p:nvPr/>
+        </p:nvSpPr>
+        <p:spPr>
+          <a:xfrm>
+            <a:off x="498697" y="5269015"/>
+            <a:ext cx="2448272" cy="338554"/>
+          </a:xfrm>
+          <a:prstGeom prst="rect">
+            <a:avLst/>
+          </a:prstGeom>
+          <a:noFill/>
+        </p:spPr>
+        <p:txBody>
+          <a:bodyPr wrap="square" rtlCol="0">
+            <a:spAutoFit/>
+          </a:bodyPr>
+          <a:lstStyle/>
+          <a:p>
+            <a:r>
+              <a:rPr lang="ru-RU" sz="1600" b="1" dirty="0" smtClean="0"/>
+              <a:t>Мобильный телефон:   …</a:t>
+            </a:r>
+            <a:endParaRPr lang="ru-RU" sz="1600" b="1" dirty="0"/>
+          </a:p>
+        </p:txBody>
+      </p:sp>
+      <p:sp>
+        <p:nvSpPr>
+          <p:cNvPr id="65" name="TextBox 64"/>
+          <p:cNvSpPr txBox="1"/>
+          <p:nvPr/>
+        </p:nvSpPr>
+        <p:spPr>
+          <a:xfrm>
+            <a:off x="498697" y="5607569"/>
+            <a:ext cx="2448272" cy="338554"/>
+          </a:xfrm>
+          <a:prstGeom prst="rect">
+            <a:avLst/>
+          </a:prstGeom>
+          <a:noFill/>
+        </p:spPr>
+        <p:txBody>
+          <a:bodyPr wrap="square" rtlCol="0">
+            <a:spAutoFit/>
+          </a:bodyPr>
+          <a:lstStyle/>
+          <a:p>
+            <a:r>
+              <a:rPr lang="ru-RU" sz="1600" b="1" dirty="0" smtClean="0"/>
+              <a:t>Электронная почта:   …</a:t>
+            </a:r>
+            <a:endParaRPr lang="ru-RU" sz="1600" b="1" dirty="0"/>
+          </a:p>
+        </p:txBody>
+      </p:sp>
+      <p:sp>
+        <p:nvSpPr>
+          <p:cNvPr id="71" name="Прямоугольник 70"/>
+          <p:cNvSpPr/>
+          <p:nvPr/>
+        </p:nvSpPr>
+        <p:spPr>
+          <a:xfrm>
+            <a:off x="4002528" y="3793265"/>
+            <a:ext cx="4626514" cy="571839"/>
+          </a:xfrm>
+          <a:prstGeom prst="rect">
+            <a:avLst/>
+          </a:prstGeom>
+          <a:solidFill>
+            <a:schemeClr val="accent2">
+              <a:alpha val="58000"/>
+            </a:schemeClr>
+          </a:solidFill>
+          <a:ln>
+            <a:solidFill>
+              <a:schemeClr val="accent2"/>
+            </a:solidFill>
+          </a:ln>
+        </p:spPr>
+        <p:style>
+          <a:lnRef idx="2">
+            <a:schemeClr val="accent1">
+              <a:shade val="50000"/>
+            </a:schemeClr>
+          </a:lnRef>
+          <a:fillRef idx="1">
+            <a:schemeClr val="accent1"/>
+          </a:fillRef>
+          <a:effectRef idx="0">
+            <a:schemeClr val="accent1"/>
+          </a:effectRef>
+          <a:fontRef idx="minor">
+            <a:schemeClr val="lt1"/>
+          </a:fontRef>
+        </p:style>
+        <p:txBody>
+          <a:bodyPr rtlCol="0" anchor="ctr"/>
+          <a:lstStyle/>
+          <a:p>
+            <a:pPr algn="ctr"/>
+            <a:endParaRPr lang="ru-RU"/>
+          </a:p>
+        </p:txBody>
+      </p:sp>
+      <p:sp>
+        <p:nvSpPr>
+          <p:cNvPr id="72" name="Кольцо 71"/>
+          <p:cNvSpPr/>
+          <p:nvPr/>
+        </p:nvSpPr>
+        <p:spPr>
+          <a:xfrm>
+            <a:off x="4224353" y="3962542"/>
+            <a:ext cx="303516" cy="288032"/>
+          </a:xfrm>
+          <a:prstGeom prst="donut">
+            <a:avLst/>
+          </a:prstGeom>
+          <a:solidFill>
+            <a:schemeClr val="accent2"/>
+          </a:solidFill>
+          <a:ln>
+            <a:solidFill>
+              <a:schemeClr val="accent2">
+                <a:lumMod val="75000"/>
+              </a:schemeClr>
+            </a:solidFill>
+          </a:ln>
+        </p:spPr>
+        <p:style>
+          <a:lnRef idx="2">
+            <a:schemeClr val="accent1">
+              <a:shade val="50000"/>
+            </a:schemeClr>
+          </a:lnRef>
+          <a:fillRef idx="1">
+            <a:schemeClr val="accent1"/>
+          </a:fillRef>
+          <a:effectRef idx="0">
+            <a:schemeClr val="accent1"/>
+          </a:effectRef>
+          <a:fontRef idx="minor">
+            <a:schemeClr val="lt1"/>
+          </a:fontRef>
+        </p:style>
+        <p:txBody>
+          <a:bodyPr rtlCol="0" anchor="ctr"/>
+          <a:lstStyle/>
+          <a:p>
+            <a:pPr algn="ctr"/>
+            <a:endParaRPr lang="ru-RU">
+              <a:solidFill>
+                <a:schemeClr val="tx1"/>
+              </a:solidFill>
+            </a:endParaRPr>
+          </a:p>
+        </p:txBody>
+      </p:sp>
+      <p:sp>
+        <p:nvSpPr>
+          <p:cNvPr id="73" name="TextBox 72"/>
+          <p:cNvSpPr txBox="1"/>
+          <p:nvPr/>
+        </p:nvSpPr>
+        <p:spPr>
+          <a:xfrm>
+            <a:off x="4650599" y="3912020"/>
+            <a:ext cx="2266675" cy="338554"/>
+          </a:xfrm>
+          <a:prstGeom prst="rect">
+            <a:avLst/>
+          </a:prstGeom>
+          <a:noFill/>
+          <a:ln>
+            <a:noFill/>
+          </a:ln>
+        </p:spPr>
+        <p:txBody>
+          <a:bodyPr wrap="square" rtlCol="0">
+            <a:spAutoFit/>
+          </a:bodyPr>
+          <a:lstStyle/>
+          <a:p>
+            <a:r>
+              <a:rPr lang="en-US" sz="1600" b="1" dirty="0" smtClean="0"/>
+              <a:t>VIP - </a:t>
+            </a:r>
+            <a:r>
+              <a:rPr lang="ru-RU" sz="1600" b="1" dirty="0" smtClean="0"/>
+              <a:t>доставка</a:t>
+            </a:r>
+            <a:endParaRPr lang="ru-RU" sz="1600" b="1" dirty="0"/>
+          </a:p>
+        </p:txBody>
+      </p:sp>
+      <p:sp>
+        <p:nvSpPr>
+          <p:cNvPr id="74" name="Прямоугольник 73"/>
+          <p:cNvSpPr/>
+          <p:nvPr/>
+        </p:nvSpPr>
+        <p:spPr>
+          <a:xfrm>
+            <a:off x="3987292" y="1733535"/>
+            <a:ext cx="4641750" cy="1437537"/>
+          </a:xfrm>
+          <a:prstGeom prst="rect">
+            <a:avLst/>
+          </a:prstGeom>
+          <a:solidFill>
+            <a:schemeClr val="accent2">
+              <a:alpha val="63000"/>
+            </a:schemeClr>
+          </a:solidFill>
+          <a:ln>
+            <a:solidFill>
+              <a:schemeClr val="accent2"/>
+            </a:solidFill>
+          </a:ln>
+        </p:spPr>
+        <p:style>
+          <a:lnRef idx="2">
+            <a:schemeClr val="accent1">
+              <a:shade val="50000"/>
+            </a:schemeClr>
+          </a:lnRef>
+          <a:fillRef idx="1">
+            <a:schemeClr val="accent1"/>
+          </a:fillRef>
+          <a:effectRef idx="0">
+            <a:schemeClr val="accent1"/>
+          </a:effectRef>
+          <a:fontRef idx="minor">
+            <a:schemeClr val="lt1"/>
+          </a:fontRef>
+        </p:style>
+        <p:txBody>
+          <a:bodyPr rtlCol="0" anchor="ctr"/>
+          <a:lstStyle/>
+          <a:p>
+            <a:pPr algn="ctr"/>
+            <a:endParaRPr lang="ru-RU"/>
+          </a:p>
+        </p:txBody>
+      </p:sp>
+      <p:sp>
+        <p:nvSpPr>
+          <p:cNvPr id="75" name="TextBox 74"/>
+          <p:cNvSpPr txBox="1"/>
+          <p:nvPr/>
+        </p:nvSpPr>
+        <p:spPr>
+          <a:xfrm>
+            <a:off x="3987292" y="1753128"/>
+            <a:ext cx="4641750" cy="461665"/>
+          </a:xfrm>
+          <a:prstGeom prst="rect">
+            <a:avLst/>
+          </a:prstGeom>
+          <a:noFill/>
+        </p:spPr>
+        <p:txBody>
+          <a:bodyPr wrap="square" rtlCol="0">
+            <a:spAutoFit/>
+          </a:bodyPr>
+          <a:lstStyle/>
+          <a:p>
+            <a:pPr algn="ctr"/>
+            <a:r>
+              <a:rPr lang="ru-RU" sz="2400" b="1" i="1" dirty="0" smtClean="0">
+                <a:effectLst>
+                  <a:outerShdw blurRad="38100" dist="38100" dir="2700000" algn="tl">
+                    <a:srgbClr val="000000">
+                      <a:alpha val="43137"/>
+                    </a:srgbClr>
+                  </a:outerShdw>
+                </a:effectLst>
+              </a:rPr>
+              <a:t>ГРУЗ</a:t>
+            </a:r>
+            <a:endParaRPr lang="ru-RU" b="1" i="1" dirty="0">
+              <a:effectLst>
+                <a:outerShdw blurRad="38100" dist="38100" dir="2700000" algn="tl">
+                  <a:srgbClr val="000000">
+                    <a:alpha val="43137"/>
+                  </a:srgbClr>
+                </a:outerShdw>
+              </a:effectLst>
+            </a:endParaRPr>
+          </a:p>
+        </p:txBody>
+      </p:sp>
+      <p:cxnSp>
+        <p:nvCxnSpPr>
+          <p:cNvPr id="76" name="Прямая соединительная линия 75"/>
+          <p:cNvCxnSpPr/>
+          <p:nvPr/>
+        </p:nvCxnSpPr>
+        <p:spPr>
+          <a:xfrm flipV="1">
+            <a:off x="4002528" y="2205932"/>
+            <a:ext cx="4626514" cy="8861"/>
+          </a:xfrm>
+          <a:prstGeom prst="line">
+            <a:avLst/>
+          </a:prstGeom>
+          <a:ln>
+            <a:solidFill>
+              <a:schemeClr val="accent2"/>
+            </a:solidFill>
+          </a:ln>
+        </p:spPr>
+        <p:style>
+          <a:lnRef idx="1">
+            <a:schemeClr val="accent1"/>
+          </a:lnRef>
+          <a:fillRef idx="0">
+            <a:schemeClr val="accent1"/>
+          </a:fillRef>
+          <a:effectRef idx="0">
+            <a:schemeClr val="accent1"/>
+          </a:effectRef>
+          <a:fontRef idx="minor">
+            <a:schemeClr val="tx1"/>
+          </a:fontRef>
+        </p:style>
+      </p:cxnSp>
+      <p:sp>
+        <p:nvSpPr>
+          <p:cNvPr id="77" name="TextBox 76"/>
+          <p:cNvSpPr txBox="1"/>
+          <p:nvPr/>
+        </p:nvSpPr>
+        <p:spPr>
+          <a:xfrm>
+            <a:off x="4148146" y="2356341"/>
+            <a:ext cx="1980220" cy="338554"/>
+          </a:xfrm>
+          <a:prstGeom prst="rect">
+            <a:avLst/>
+          </a:prstGeom>
+          <a:noFill/>
+        </p:spPr>
+        <p:txBody>
+          <a:bodyPr wrap="square" rtlCol="0">
+            <a:spAutoFit/>
+          </a:bodyPr>
+          <a:lstStyle/>
+          <a:p>
+            <a:r>
+              <a:rPr lang="ru-RU" sz="1600" b="1" dirty="0" smtClean="0"/>
+              <a:t>Вес груза:    …</a:t>
+            </a:r>
+            <a:endParaRPr lang="ru-RU" sz="1600" b="1" dirty="0"/>
+          </a:p>
+        </p:txBody>
+      </p:sp>
+      <p:sp>
+        <p:nvSpPr>
+          <p:cNvPr id="78" name="Прямоугольник 77"/>
+          <p:cNvSpPr/>
+          <p:nvPr/>
+        </p:nvSpPr>
+        <p:spPr>
+          <a:xfrm>
+            <a:off x="5489447" y="2721600"/>
+            <a:ext cx="3033185" cy="336612"/>
+          </a:xfrm>
+          <a:prstGeom prst="rect">
+            <a:avLst/>
+          </a:prstGeom>
+          <a:solidFill>
+            <a:schemeClr val="accent2">
+              <a:alpha val="42000"/>
+            </a:schemeClr>
+          </a:solidFill>
+          <a:ln>
+            <a:solidFill>
+              <a:schemeClr val="accent2"/>
+            </a:solidFill>
+          </a:ln>
+        </p:spPr>
+        <p:style>
+          <a:lnRef idx="2">
+            <a:schemeClr val="accent1">
+              <a:shade val="50000"/>
+            </a:schemeClr>
+          </a:lnRef>
+          <a:fillRef idx="1">
+            <a:schemeClr val="accent1"/>
+          </a:fillRef>
+          <a:effectRef idx="0">
+            <a:schemeClr val="accent1"/>
+          </a:effectRef>
+          <a:fontRef idx="minor">
+            <a:schemeClr val="lt1"/>
+          </a:fontRef>
+        </p:style>
+        <p:txBody>
+          <a:bodyPr rtlCol="0" anchor="ctr"/>
+          <a:lstStyle/>
+          <a:p>
+            <a:pPr algn="ctr"/>
+            <a:endParaRPr lang="ru-RU"/>
+          </a:p>
+        </p:txBody>
+      </p:sp>
+      <p:sp>
+        <p:nvSpPr>
+          <p:cNvPr id="79" name="TextBox 78"/>
+          <p:cNvSpPr txBox="1"/>
+          <p:nvPr/>
+        </p:nvSpPr>
+        <p:spPr>
+          <a:xfrm>
+            <a:off x="4148146" y="2694895"/>
+            <a:ext cx="2430270" cy="338554"/>
+          </a:xfrm>
+          <a:prstGeom prst="rect">
+            <a:avLst/>
+          </a:prstGeom>
+          <a:noFill/>
+        </p:spPr>
+        <p:txBody>
+          <a:bodyPr wrap="square" rtlCol="0">
+            <a:spAutoFit/>
+          </a:bodyPr>
+          <a:lstStyle/>
+          <a:p>
+            <a:r>
+              <a:rPr lang="ru-RU" sz="1600" b="1" dirty="0" smtClean="0"/>
+              <a:t>Тип груза</a:t>
+            </a:r>
+            <a:endParaRPr lang="ru-RU" sz="1600" b="1" dirty="0"/>
+          </a:p>
+        </p:txBody>
+      </p:sp>
+      <p:sp>
+        <p:nvSpPr>
+          <p:cNvPr id="80" name="Стрелка вниз 79"/>
+          <p:cNvSpPr/>
+          <p:nvPr/>
+        </p:nvSpPr>
+        <p:spPr>
+          <a:xfrm>
+            <a:off x="8227704" y="2749294"/>
+            <a:ext cx="252028" cy="280562"/>
+          </a:xfrm>
+          <a:prstGeom prst="downArrow">
+            <a:avLst/>
+          </a:prstGeom>
+          <a:solidFill>
+            <a:schemeClr val="accent2">
+              <a:lumMod val="75000"/>
+              <a:alpha val="81000"/>
+            </a:schemeClr>
+          </a:solidFill>
+          <a:ln>
+            <a:solidFill>
+              <a:schemeClr val="accent2"/>
+            </a:solidFill>
+          </a:ln>
+        </p:spPr>
+        <p:style>
+          <a:lnRef idx="2">
+            <a:schemeClr val="accent1">
+              <a:shade val="50000"/>
+            </a:schemeClr>
+          </a:lnRef>
+          <a:fillRef idx="1">
+            <a:schemeClr val="accent1"/>
+          </a:fillRef>
+          <a:effectRef idx="0">
+            <a:schemeClr val="accent1"/>
+          </a:effectRef>
+          <a:fontRef idx="minor">
+            <a:schemeClr val="lt1"/>
+          </a:fontRef>
+        </p:style>
+        <p:txBody>
+          <a:bodyPr rtlCol="0" anchor="ctr"/>
+          <a:lstStyle/>
+          <a:p>
+            <a:pPr algn="ctr"/>
+            <a:endParaRPr lang="ru-RU"/>
+          </a:p>
+        </p:txBody>
+      </p:sp>
+      <p:cxnSp>
+        <p:nvCxnSpPr>
+          <p:cNvPr id="81" name="Прямая соединительная линия 80"/>
+          <p:cNvCxnSpPr/>
+          <p:nvPr/>
+        </p:nvCxnSpPr>
+        <p:spPr>
+          <a:xfrm>
+            <a:off x="8146448" y="2749294"/>
+            <a:ext cx="0" cy="280893"/>
+          </a:xfrm>
+          <a:prstGeom prst="line">
+            <a:avLst/>
+          </a:prstGeom>
+          <a:ln w="25400">
+            <a:solidFill>
+              <a:schemeClr val="accent2"/>
+            </a:solidFill>
+          </a:ln>
+        </p:spPr>
+        <p:style>
+          <a:lnRef idx="1">
+            <a:schemeClr val="accent1"/>
+          </a:lnRef>
+          <a:fillRef idx="0">
+            <a:schemeClr val="accent1"/>
+          </a:fillRef>
+          <a:effectRef idx="0">
+            <a:schemeClr val="accent1"/>
+          </a:effectRef>
+          <a:fontRef idx="minor">
+            <a:schemeClr val="tx1"/>
+          </a:fontRef>
+        </p:style>
+      </p:cxnSp>
+      <p:sp>
+        <p:nvSpPr>
+          <p:cNvPr id="82" name="Багетная рамка 81"/>
+          <p:cNvSpPr/>
+          <p:nvPr/>
+        </p:nvSpPr>
+        <p:spPr>
+          <a:xfrm>
+            <a:off x="3987292" y="4963261"/>
+            <a:ext cx="4641750" cy="1136250"/>
+          </a:xfrm>
+          <a:prstGeom prst="bevel">
+            <a:avLst/>
+          </a:prstGeom>
+          <a:solidFill>
+            <a:schemeClr val="accent2">
+              <a:alpha val="77000"/>
+            </a:schemeClr>
+          </a:solidFill>
+          <a:ln>
+            <a:solidFill>
+              <a:schemeClr val="accent2"/>
+            </a:solidFill>
+          </a:ln>
+        </p:spPr>
+        <p:style>
+          <a:lnRef idx="2">
+            <a:schemeClr val="accent1">
+              <a:shade val="50000"/>
+            </a:schemeClr>
+          </a:lnRef>
+          <a:fillRef idx="1">
+            <a:schemeClr val="accent1"/>
+          </a:fillRef>
+          <a:effectRef idx="0">
+            <a:schemeClr val="accent1"/>
+          </a:effectRef>
+          <a:fontRef idx="minor">
+            <a:schemeClr val="lt1"/>
+          </a:fontRef>
+        </p:style>
+        <p:txBody>
+          <a:bodyPr rtlCol="0" anchor="ctr"/>
+          <a:lstStyle/>
+          <a:p>
+            <a:pPr algn="ctr"/>
+            <a:endParaRPr lang="ru-RU"/>
+          </a:p>
+        </p:txBody>
+      </p:sp>
+      <p:sp>
+        <p:nvSpPr>
+          <p:cNvPr id="83" name="TextBox 82"/>
+          <p:cNvSpPr txBox="1"/>
+          <p:nvPr/>
+        </p:nvSpPr>
+        <p:spPr>
+          <a:xfrm>
+            <a:off x="4408502" y="5238998"/>
+            <a:ext cx="3737946" cy="584775"/>
+          </a:xfrm>
+          <a:prstGeom prst="rect">
+            <a:avLst/>
+          </a:prstGeom>
+          <a:noFill/>
+        </p:spPr>
+        <p:txBody>
+          <a:bodyPr wrap="square" rtlCol="0">
+            <a:spAutoFit/>
+          </a:bodyPr>
+          <a:lstStyle/>
+          <a:p>
+            <a:r>
+              <a:rPr lang="ru-RU" sz="3200" b="1" dirty="0" smtClean="0">
+                <a:effectLst>
+                  <a:outerShdw blurRad="38100" dist="38100" dir="2700000" algn="tl">
+                    <a:srgbClr val="000000">
+                      <a:alpha val="43137"/>
+                    </a:srgbClr>
+                  </a:outerShdw>
+                </a:effectLst>
+              </a:rPr>
+              <a:t>ОФОРМИТЬ ЗАКАЗ</a:t>
+            </a:r>
+            <a:endParaRPr lang="ru-RU" sz="3200" b="1" dirty="0">
+              <a:effectLst>
+                <a:outerShdw blurRad="38100" dist="38100" dir="2700000" algn="tl">
+                  <a:srgbClr val="000000">
+                    <a:alpha val="43137"/>
+                  </a:srgbClr>
+                </a:outerShdw>
+              </a:effectLst>
+            </a:endParaRPr>
+          </a:p>
+        </p:txBody>
+      </p:sp>
+    </p:spTree>
+    <p:extLst>
+      <p:ext uri="{BB962C8B-B14F-4D97-AF65-F5344CB8AC3E}">
+        <p14:creationId xmlns:p14="http://schemas.microsoft.com/office/powerpoint/2010/main" val="3862675504"/>
+      </p:ext>
+    </p:extLst>
+  </p:cSld>
+  <p:clrMapOvr>
+    <a:masterClrMapping/>
+  </p:clrMapOvr>
+  <p:timing>
+    <p:tnLst>
+      <p:par>
+        <p:cTn id="1" dur="indefinite" restart="never" nodeType="tmRoot"/>
+      </p:par>
+    </p:tnLst>
+  </p:timing>
+</p:sld>
+</file>
+
+<file path=ppt/slides/slide24.xml><?xml version="1.0" encoding="utf-8"?>
+<p:sld xmlns:a="http://schemas.openxmlformats.org/drawingml/2006/main" xmlns:r="http://schemas.openxmlformats.org/officeDocument/2006/relationships" xmlns:p="http://schemas.openxmlformats.org/presentationml/2006/main">
+  <p:cSld>
+    <p:spTree>
+      <p:nvGrpSpPr>
+        <p:cNvPr id="1" name=""/>
+        <p:cNvGrpSpPr/>
+        <p:nvPr/>
+      </p:nvGrpSpPr>
+      <p:grpSpPr>
+        <a:xfrm>
+          <a:off x="0" y="0"/>
+          <a:ext cx="0" cy="0"/>
+          <a:chOff x="0" y="0"/>
+          <a:chExt cx="0" cy="0"/>
+        </a:xfrm>
+      </p:grpSpPr>
+      <p:sp>
+        <p:nvSpPr>
+          <p:cNvPr id="28" name="Заголовок 1"/>
+          <p:cNvSpPr>
+            <a:spLocks noGrp="1"/>
+          </p:cNvSpPr>
+          <p:nvPr>
+            <p:ph type="title"/>
+          </p:nvPr>
+        </p:nvSpPr>
+        <p:spPr>
+          <a:xfrm>
+            <a:off x="0" y="402720"/>
+            <a:ext cx="9144000" cy="491963"/>
+          </a:xfrm>
+          <a:solidFill>
+            <a:schemeClr val="accent2">
+              <a:lumMod val="60000"/>
+              <a:lumOff val="40000"/>
+              <a:alpha val="19000"/>
+            </a:schemeClr>
+          </a:solidFill>
+        </p:spPr>
+        <p:txBody>
+          <a:bodyPr>
+            <a:noAutofit/>
+          </a:bodyPr>
+          <a:lstStyle/>
+          <a:p>
+            <a:r>
+              <a:rPr lang="uk-UA" sz="3200" dirty="0" err="1" smtClean="0">
+                <a:effectLst>
+                  <a:outerShdw blurRad="38100" dist="38100" dir="2700000" algn="tl">
+                    <a:srgbClr val="000000">
+                      <a:alpha val="43137"/>
+                    </a:srgbClr>
+                  </a:outerShdw>
+                </a:effectLst>
+              </a:rPr>
+              <a:t>Чат-консультирование</a:t>
+            </a:r>
+            <a:endParaRPr lang="ru-RU" sz="3200" dirty="0">
+              <a:effectLst>
+                <a:outerShdw blurRad="38100" dist="38100" dir="2700000" algn="tl">
+                  <a:srgbClr val="000000">
+                    <a:alpha val="43137"/>
+                  </a:srgbClr>
+                </a:outerShdw>
+              </a:effectLst>
+            </a:endParaRPr>
+          </a:p>
+        </p:txBody>
+      </p:sp>
+      <p:sp>
+        <p:nvSpPr>
+          <p:cNvPr id="32" name="Скругленный прямоугольник 31"/>
+          <p:cNvSpPr/>
+          <p:nvPr/>
+        </p:nvSpPr>
+        <p:spPr>
+          <a:xfrm>
+            <a:off x="251520" y="1124744"/>
+            <a:ext cx="8784976" cy="4464496"/>
+          </a:xfrm>
+          <a:prstGeom prst="roundRect">
+            <a:avLst/>
+          </a:prstGeom>
+          <a:solidFill>
+            <a:schemeClr val="accent2">
+              <a:alpha val="38000"/>
+            </a:schemeClr>
+          </a:solidFill>
+          <a:ln>
+            <a:solidFill>
+              <a:schemeClr val="accent2"/>
+            </a:solidFill>
+          </a:ln>
+        </p:spPr>
+        <p:style>
+          <a:lnRef idx="2">
+            <a:schemeClr val="accent1">
+              <a:shade val="50000"/>
+            </a:schemeClr>
+          </a:lnRef>
+          <a:fillRef idx="1">
+            <a:schemeClr val="accent1"/>
+          </a:fillRef>
+          <a:effectRef idx="0">
+            <a:schemeClr val="accent1"/>
+          </a:effectRef>
+          <a:fontRef idx="minor">
+            <a:schemeClr val="lt1"/>
+          </a:fontRef>
+        </p:style>
+        <p:txBody>
+          <a:bodyPr rtlCol="0" anchor="ctr"/>
+          <a:lstStyle/>
+          <a:p>
+            <a:pPr algn="ctr"/>
+            <a:endParaRPr lang="ru-RU"/>
+          </a:p>
+        </p:txBody>
+      </p:sp>
+      <p:sp>
+        <p:nvSpPr>
+          <p:cNvPr id="33" name="Багетная рамка 32"/>
+          <p:cNvSpPr/>
+          <p:nvPr/>
+        </p:nvSpPr>
+        <p:spPr>
+          <a:xfrm>
+            <a:off x="1065285" y="5869946"/>
+            <a:ext cx="3024336" cy="680325"/>
+          </a:xfrm>
+          <a:prstGeom prst="bevel">
+            <a:avLst/>
+          </a:prstGeom>
+          <a:solidFill>
+            <a:schemeClr val="accent2">
+              <a:alpha val="67000"/>
+            </a:schemeClr>
+          </a:solidFill>
+          <a:ln>
+            <a:solidFill>
+              <a:schemeClr val="accent2"/>
+            </a:solidFill>
+          </a:ln>
+        </p:spPr>
+        <p:style>
+          <a:lnRef idx="2">
+            <a:schemeClr val="accent1">
+              <a:shade val="50000"/>
+            </a:schemeClr>
+          </a:lnRef>
+          <a:fillRef idx="1">
+            <a:schemeClr val="accent1"/>
+          </a:fillRef>
+          <a:effectRef idx="0">
+            <a:schemeClr val="accent1"/>
+          </a:effectRef>
+          <a:fontRef idx="minor">
+            <a:schemeClr val="lt1"/>
+          </a:fontRef>
+        </p:style>
+        <p:txBody>
+          <a:bodyPr rtlCol="0" anchor="ctr"/>
+          <a:lstStyle/>
+          <a:p>
+            <a:pPr algn="ctr"/>
+            <a:endParaRPr lang="ru-RU"/>
+          </a:p>
+        </p:txBody>
+      </p:sp>
+      <p:sp>
+        <p:nvSpPr>
+          <p:cNvPr id="34" name="TextBox 33"/>
+          <p:cNvSpPr txBox="1"/>
+          <p:nvPr/>
+        </p:nvSpPr>
+        <p:spPr>
+          <a:xfrm>
+            <a:off x="1137293" y="6057103"/>
+            <a:ext cx="2821995" cy="338554"/>
+          </a:xfrm>
+          <a:prstGeom prst="rect">
+            <a:avLst/>
+          </a:prstGeom>
+          <a:noFill/>
+        </p:spPr>
+        <p:txBody>
+          <a:bodyPr wrap="square" rtlCol="0">
+            <a:spAutoFit/>
+          </a:bodyPr>
+          <a:lstStyle/>
+          <a:p>
+            <a:pPr algn="ctr"/>
+            <a:r>
+              <a:rPr lang="ru-RU" sz="1600" dirty="0" smtClean="0">
+                <a:effectLst>
+                  <a:outerShdw blurRad="38100" dist="38100" dir="2700000" algn="tl">
+                    <a:srgbClr val="000000">
+                      <a:alpha val="43137"/>
+                    </a:srgbClr>
+                  </a:outerShdw>
+                </a:effectLst>
+              </a:rPr>
+              <a:t>ЗАВЕРШИТЬ ДИАЛОГ</a:t>
+            </a:r>
+            <a:endParaRPr lang="ru-RU" sz="1600" dirty="0">
+              <a:effectLst>
+                <a:outerShdw blurRad="38100" dist="38100" dir="2700000" algn="tl">
+                  <a:srgbClr val="000000">
+                    <a:alpha val="43137"/>
+                  </a:srgbClr>
+                </a:outerShdw>
+              </a:effectLst>
+            </a:endParaRPr>
+          </a:p>
+        </p:txBody>
+      </p:sp>
+      <p:sp>
+        <p:nvSpPr>
+          <p:cNvPr id="37" name="TextBox 36"/>
+          <p:cNvSpPr txBox="1"/>
+          <p:nvPr/>
+        </p:nvSpPr>
+        <p:spPr>
+          <a:xfrm>
+            <a:off x="899783" y="2685517"/>
+            <a:ext cx="2520280" cy="369332"/>
+          </a:xfrm>
+          <a:prstGeom prst="rect">
+            <a:avLst/>
+          </a:prstGeom>
+          <a:noFill/>
+        </p:spPr>
+        <p:txBody>
+          <a:bodyPr wrap="square" rtlCol="0">
+            <a:spAutoFit/>
+          </a:bodyPr>
+          <a:lstStyle/>
+          <a:p>
+            <a:r>
+              <a:rPr lang="ru-RU" dirty="0" smtClean="0"/>
+              <a:t>Клиент: </a:t>
+            </a:r>
+            <a:r>
+              <a:rPr lang="ru-RU" dirty="0" smtClean="0"/>
+              <a:t>…..</a:t>
+            </a:r>
+            <a:endParaRPr lang="ru-RU" dirty="0"/>
+          </a:p>
+        </p:txBody>
+      </p:sp>
+      <p:sp>
+        <p:nvSpPr>
+          <p:cNvPr id="38" name="TextBox 37"/>
+          <p:cNvSpPr txBox="1"/>
+          <p:nvPr/>
+        </p:nvSpPr>
+        <p:spPr>
+          <a:xfrm>
+            <a:off x="899783" y="3184818"/>
+            <a:ext cx="2646040" cy="369332"/>
+          </a:xfrm>
+          <a:prstGeom prst="rect">
+            <a:avLst/>
+          </a:prstGeom>
+          <a:noFill/>
+        </p:spPr>
+        <p:txBody>
+          <a:bodyPr wrap="square" rtlCol="0">
+            <a:spAutoFit/>
+          </a:bodyPr>
+          <a:lstStyle/>
+          <a:p>
+            <a:r>
+              <a:rPr lang="ru-RU" dirty="0" smtClean="0"/>
+              <a:t>Оператор: </a:t>
+            </a:r>
+            <a:r>
+              <a:rPr lang="ru-RU" dirty="0" smtClean="0"/>
+              <a:t>…..</a:t>
+            </a:r>
+            <a:endParaRPr lang="ru-RU" dirty="0"/>
+          </a:p>
+        </p:txBody>
+      </p:sp>
+      <p:sp>
+        <p:nvSpPr>
+          <p:cNvPr id="39" name="Багетная рамка 38"/>
+          <p:cNvSpPr/>
+          <p:nvPr/>
+        </p:nvSpPr>
+        <p:spPr>
+          <a:xfrm>
+            <a:off x="4470829" y="5886217"/>
+            <a:ext cx="3024336" cy="680325"/>
+          </a:xfrm>
+          <a:prstGeom prst="bevel">
+            <a:avLst/>
+          </a:prstGeom>
+          <a:solidFill>
+            <a:schemeClr val="accent2">
+              <a:alpha val="67000"/>
+            </a:schemeClr>
+          </a:solidFill>
+          <a:ln>
+            <a:solidFill>
+              <a:schemeClr val="accent2"/>
+            </a:solidFill>
+          </a:ln>
+        </p:spPr>
+        <p:style>
+          <a:lnRef idx="2">
+            <a:schemeClr val="accent1">
+              <a:shade val="50000"/>
+            </a:schemeClr>
+          </a:lnRef>
+          <a:fillRef idx="1">
+            <a:schemeClr val="accent1"/>
+          </a:fillRef>
+          <a:effectRef idx="0">
+            <a:schemeClr val="accent1"/>
+          </a:effectRef>
+          <a:fontRef idx="minor">
+            <a:schemeClr val="lt1"/>
+          </a:fontRef>
+        </p:style>
+        <p:txBody>
+          <a:bodyPr rtlCol="0" anchor="ctr"/>
+          <a:lstStyle/>
+          <a:p>
+            <a:pPr algn="ctr"/>
+            <a:endParaRPr lang="ru-RU"/>
+          </a:p>
+        </p:txBody>
+      </p:sp>
+      <p:sp>
+        <p:nvSpPr>
+          <p:cNvPr id="40" name="TextBox 39"/>
+          <p:cNvSpPr txBox="1"/>
+          <p:nvPr/>
+        </p:nvSpPr>
+        <p:spPr>
+          <a:xfrm>
+            <a:off x="4572000" y="6040831"/>
+            <a:ext cx="2821995" cy="338554"/>
+          </a:xfrm>
+          <a:prstGeom prst="rect">
+            <a:avLst/>
+          </a:prstGeom>
+          <a:noFill/>
+        </p:spPr>
+        <p:txBody>
+          <a:bodyPr wrap="square" rtlCol="0">
+            <a:spAutoFit/>
+          </a:bodyPr>
+          <a:lstStyle/>
+          <a:p>
+            <a:pPr algn="ctr"/>
+            <a:r>
+              <a:rPr lang="ru-RU" sz="1600" dirty="0" smtClean="0">
+                <a:effectLst>
+                  <a:outerShdw blurRad="38100" dist="38100" dir="2700000" algn="tl">
+                    <a:srgbClr val="000000">
+                      <a:alpha val="43137"/>
+                    </a:srgbClr>
+                  </a:outerShdw>
+                </a:effectLst>
+              </a:rPr>
+              <a:t>К СЛЕДУЮЩЕМУ КЛИЕНТУ</a:t>
+            </a:r>
+            <a:endParaRPr lang="ru-RU" sz="1600" dirty="0">
+              <a:effectLst>
+                <a:outerShdw blurRad="38100" dist="38100" dir="2700000" algn="tl">
+                  <a:srgbClr val="000000">
+                    <a:alpha val="43137"/>
+                  </a:srgbClr>
+                </a:outerShdw>
+              </a:effectLst>
+            </a:endParaRPr>
+          </a:p>
+        </p:txBody>
+      </p:sp>
+    </p:spTree>
+    <p:extLst>
+      <p:ext uri="{BB962C8B-B14F-4D97-AF65-F5344CB8AC3E}">
+        <p14:creationId xmlns:p14="http://schemas.microsoft.com/office/powerpoint/2010/main" val="3721884960"/>
+      </p:ext>
+    </p:extLst>
+  </p:cSld>
+  <p:clrMapOvr>
+    <a:masterClrMapping/>
+  </p:clrMapOvr>
+  <p:timing>
+    <p:tnLst>
+      <p:par>
+        <p:cTn id="1" dur="indefinite" restart="never" nodeType="tmRoot"/>
+      </p:par>
+    </p:tnLst>
+  </p:timing>
+</p:sld>
+</file>
+
+<file path=ppt/slides/slide25.xml><?xml version="1.0" encoding="utf-8"?>
+<p:sld xmlns:a="http://schemas.openxmlformats.org/drawingml/2006/main" xmlns:r="http://schemas.openxmlformats.org/officeDocument/2006/relationships" xmlns:p="http://schemas.openxmlformats.org/presentationml/2006/main">
+  <p:cSld>
+    <p:spTree>
+      <p:nvGrpSpPr>
+        <p:cNvPr id="1" name=""/>
+        <p:cNvGrpSpPr/>
+        <p:nvPr/>
+      </p:nvGrpSpPr>
+      <p:grpSpPr>
+        <a:xfrm>
+          <a:off x="0" y="0"/>
+          <a:ext cx="0" cy="0"/>
+          <a:chOff x="0" y="0"/>
+          <a:chExt cx="0" cy="0"/>
+        </a:xfrm>
+      </p:grpSpPr>
+      <p:sp>
+        <p:nvSpPr>
+          <p:cNvPr id="28" name="Заголовок 1"/>
+          <p:cNvSpPr>
+            <a:spLocks noGrp="1"/>
+          </p:cNvSpPr>
+          <p:nvPr>
+            <p:ph type="title"/>
+          </p:nvPr>
+        </p:nvSpPr>
+        <p:spPr>
+          <a:xfrm>
+            <a:off x="0" y="402720"/>
+            <a:ext cx="9144000" cy="491963"/>
+          </a:xfrm>
+          <a:solidFill>
+            <a:schemeClr val="accent2">
+              <a:lumMod val="60000"/>
+              <a:lumOff val="40000"/>
+              <a:alpha val="19000"/>
+            </a:schemeClr>
+          </a:solidFill>
+        </p:spPr>
+        <p:txBody>
+          <a:bodyPr>
+            <a:noAutofit/>
+          </a:bodyPr>
+          <a:lstStyle/>
+          <a:p>
+            <a:r>
+              <a:rPr lang="uk-UA" sz="3200" dirty="0" err="1" smtClean="0">
+                <a:effectLst>
+                  <a:outerShdw blurRad="38100" dist="38100" dir="2700000" algn="tl">
+                    <a:srgbClr val="000000">
+                      <a:alpha val="43137"/>
+                    </a:srgbClr>
+                  </a:outerShdw>
+                </a:effectLst>
+              </a:rPr>
+              <a:t>Информация</a:t>
+            </a:r>
+            <a:r>
+              <a:rPr lang="uk-UA" sz="3200" dirty="0" smtClean="0">
+                <a:effectLst>
+                  <a:outerShdw blurRad="38100" dist="38100" dir="2700000" algn="tl">
+                    <a:srgbClr val="000000">
+                      <a:alpha val="43137"/>
+                    </a:srgbClr>
+                  </a:outerShdw>
+                </a:effectLst>
+              </a:rPr>
+              <a:t> о существующем </a:t>
+            </a:r>
+            <a:r>
+              <a:rPr lang="uk-UA" sz="3200" dirty="0" err="1" smtClean="0">
+                <a:effectLst>
+                  <a:outerShdw blurRad="38100" dist="38100" dir="2700000" algn="tl">
+                    <a:srgbClr val="000000">
+                      <a:alpha val="43137"/>
+                    </a:srgbClr>
+                  </a:outerShdw>
+                </a:effectLst>
+              </a:rPr>
+              <a:t>заказе</a:t>
+            </a:r>
+            <a:endParaRPr lang="ru-RU" sz="3200" dirty="0">
+              <a:effectLst>
+                <a:outerShdw blurRad="38100" dist="38100" dir="2700000" algn="tl">
+                  <a:srgbClr val="000000">
+                    <a:alpha val="43137"/>
+                  </a:srgbClr>
+                </a:outerShdw>
+              </a:effectLst>
+            </a:endParaRPr>
+          </a:p>
+        </p:txBody>
+      </p:sp>
+      <p:sp>
+        <p:nvSpPr>
+          <p:cNvPr id="27" name="Прямоугольник 26"/>
+          <p:cNvSpPr/>
+          <p:nvPr/>
+        </p:nvSpPr>
+        <p:spPr>
+          <a:xfrm>
+            <a:off x="755576" y="2354861"/>
+            <a:ext cx="7488832" cy="1437537"/>
+          </a:xfrm>
+          <a:prstGeom prst="rect">
+            <a:avLst/>
+          </a:prstGeom>
+          <a:solidFill>
+            <a:schemeClr val="accent2">
+              <a:alpha val="63000"/>
+            </a:schemeClr>
+          </a:solidFill>
+          <a:ln>
+            <a:solidFill>
+              <a:schemeClr val="accent2"/>
+            </a:solidFill>
+          </a:ln>
+        </p:spPr>
+        <p:style>
+          <a:lnRef idx="2">
+            <a:schemeClr val="accent1">
+              <a:shade val="50000"/>
+            </a:schemeClr>
+          </a:lnRef>
+          <a:fillRef idx="1">
+            <a:schemeClr val="accent1"/>
+          </a:fillRef>
+          <a:effectRef idx="0">
+            <a:schemeClr val="accent1"/>
+          </a:effectRef>
+          <a:fontRef idx="minor">
+            <a:schemeClr val="lt1"/>
+          </a:fontRef>
+        </p:style>
+        <p:txBody>
+          <a:bodyPr rtlCol="0" anchor="ctr"/>
+          <a:lstStyle/>
+          <a:p>
+            <a:pPr algn="ctr"/>
+            <a:endParaRPr lang="ru-RU"/>
+          </a:p>
+        </p:txBody>
+      </p:sp>
+      <p:sp>
+        <p:nvSpPr>
+          <p:cNvPr id="29" name="TextBox 28"/>
+          <p:cNvSpPr txBox="1"/>
+          <p:nvPr/>
+        </p:nvSpPr>
+        <p:spPr>
+          <a:xfrm>
+            <a:off x="1933109" y="2374454"/>
+            <a:ext cx="4641750" cy="461665"/>
+          </a:xfrm>
+          <a:prstGeom prst="rect">
+            <a:avLst/>
+          </a:prstGeom>
+          <a:noFill/>
+        </p:spPr>
+        <p:txBody>
+          <a:bodyPr wrap="square" rtlCol="0">
+            <a:spAutoFit/>
+          </a:bodyPr>
+          <a:lstStyle/>
+          <a:p>
+            <a:pPr algn="ctr"/>
+            <a:r>
+              <a:rPr lang="ru-RU" sz="2400" b="1" i="1" dirty="0" smtClean="0">
+                <a:effectLst>
+                  <a:outerShdw blurRad="38100" dist="38100" dir="2700000" algn="tl">
+                    <a:srgbClr val="000000">
+                      <a:alpha val="43137"/>
+                    </a:srgbClr>
+                  </a:outerShdw>
+                </a:effectLst>
+              </a:rPr>
+              <a:t>ПОИСК ЗАКАЗА</a:t>
+            </a:r>
+            <a:endParaRPr lang="ru-RU" b="1" i="1" dirty="0">
+              <a:effectLst>
+                <a:outerShdw blurRad="38100" dist="38100" dir="2700000" algn="tl">
+                  <a:srgbClr val="000000">
+                    <a:alpha val="43137"/>
+                  </a:srgbClr>
+                </a:outerShdw>
+              </a:effectLst>
+            </a:endParaRPr>
+          </a:p>
+        </p:txBody>
+      </p:sp>
+      <p:cxnSp>
+        <p:nvCxnSpPr>
+          <p:cNvPr id="30" name="Прямая соединительная линия 29"/>
+          <p:cNvCxnSpPr/>
+          <p:nvPr/>
+        </p:nvCxnSpPr>
+        <p:spPr>
+          <a:xfrm>
+            <a:off x="755576" y="2836120"/>
+            <a:ext cx="7488832" cy="0"/>
+          </a:xfrm>
+          <a:prstGeom prst="line">
+            <a:avLst/>
+          </a:prstGeom>
+          <a:ln>
+            <a:solidFill>
+              <a:schemeClr val="accent2"/>
+            </a:solidFill>
+          </a:ln>
+        </p:spPr>
+        <p:style>
+          <a:lnRef idx="1">
+            <a:schemeClr val="accent1"/>
+          </a:lnRef>
+          <a:fillRef idx="0">
+            <a:schemeClr val="accent1"/>
+          </a:fillRef>
+          <a:effectRef idx="0">
+            <a:schemeClr val="accent1"/>
+          </a:effectRef>
+          <a:fontRef idx="minor">
+            <a:schemeClr val="tx1"/>
+          </a:fontRef>
+        </p:style>
+      </p:cxnSp>
+      <p:sp>
+        <p:nvSpPr>
+          <p:cNvPr id="31" name="TextBox 30"/>
+          <p:cNvSpPr txBox="1"/>
+          <p:nvPr/>
+        </p:nvSpPr>
+        <p:spPr>
+          <a:xfrm>
+            <a:off x="1011812" y="2977667"/>
+            <a:ext cx="1656184" cy="338554"/>
+          </a:xfrm>
+          <a:prstGeom prst="rect">
+            <a:avLst/>
+          </a:prstGeom>
+          <a:noFill/>
+        </p:spPr>
+        <p:txBody>
+          <a:bodyPr wrap="square" rtlCol="0">
+            <a:spAutoFit/>
+          </a:bodyPr>
+          <a:lstStyle/>
+          <a:p>
+            <a:pPr algn="ctr"/>
+            <a:r>
+              <a:rPr lang="ru-RU" sz="1600" b="1" dirty="0" smtClean="0"/>
+              <a:t>Код заказа</a:t>
+            </a:r>
+            <a:r>
+              <a:rPr lang="ru-RU" sz="1600" b="1" dirty="0" smtClean="0"/>
+              <a:t>: </a:t>
+            </a:r>
+            <a:endParaRPr lang="ru-RU" sz="1600" b="1" dirty="0"/>
+          </a:p>
+        </p:txBody>
+      </p:sp>
+      <p:sp>
+        <p:nvSpPr>
+          <p:cNvPr id="32" name="Прямоугольник 31"/>
+          <p:cNvSpPr/>
+          <p:nvPr/>
+        </p:nvSpPr>
+        <p:spPr>
+          <a:xfrm>
+            <a:off x="1011812" y="3316221"/>
+            <a:ext cx="1656184" cy="336612"/>
+          </a:xfrm>
+          <a:prstGeom prst="rect">
+            <a:avLst/>
+          </a:prstGeom>
+          <a:solidFill>
+            <a:schemeClr val="accent2">
+              <a:alpha val="42000"/>
+            </a:schemeClr>
+          </a:solidFill>
+          <a:ln>
+            <a:solidFill>
+              <a:schemeClr val="accent2"/>
+            </a:solidFill>
+          </a:ln>
+        </p:spPr>
+        <p:style>
+          <a:lnRef idx="2">
+            <a:schemeClr val="accent1">
+              <a:shade val="50000"/>
+            </a:schemeClr>
+          </a:lnRef>
+          <a:fillRef idx="1">
+            <a:schemeClr val="accent1"/>
+          </a:fillRef>
+          <a:effectRef idx="0">
+            <a:schemeClr val="accent1"/>
+          </a:effectRef>
+          <a:fontRef idx="minor">
+            <a:schemeClr val="lt1"/>
+          </a:fontRef>
+        </p:style>
+        <p:txBody>
+          <a:bodyPr rtlCol="0" anchor="ctr"/>
+          <a:lstStyle/>
+          <a:p>
+            <a:pPr algn="ctr"/>
+            <a:endParaRPr lang="ru-RU"/>
+          </a:p>
+        </p:txBody>
+      </p:sp>
+      <p:cxnSp>
+        <p:nvCxnSpPr>
+          <p:cNvPr id="5" name="Прямая соединительная линия 4"/>
+          <p:cNvCxnSpPr/>
+          <p:nvPr/>
+        </p:nvCxnSpPr>
+        <p:spPr>
+          <a:xfrm>
+            <a:off x="3275856" y="2838082"/>
+            <a:ext cx="0" cy="956278"/>
+          </a:xfrm>
+          <a:prstGeom prst="line">
+            <a:avLst/>
+          </a:prstGeom>
+          <a:ln w="19050">
+            <a:solidFill>
+              <a:schemeClr val="accent2"/>
+            </a:solidFill>
+          </a:ln>
+        </p:spPr>
+        <p:style>
+          <a:lnRef idx="1">
+            <a:schemeClr val="accent1"/>
+          </a:lnRef>
+          <a:fillRef idx="0">
+            <a:schemeClr val="accent1"/>
+          </a:fillRef>
+          <a:effectRef idx="0">
+            <a:schemeClr val="accent1"/>
+          </a:effectRef>
+          <a:fontRef idx="minor">
+            <a:schemeClr val="tx1"/>
+          </a:fontRef>
+        </p:style>
+      </p:cxnSp>
+      <p:sp>
+        <p:nvSpPr>
+          <p:cNvPr id="36" name="TextBox 35"/>
+          <p:cNvSpPr txBox="1"/>
+          <p:nvPr/>
+        </p:nvSpPr>
+        <p:spPr>
+          <a:xfrm>
+            <a:off x="3491880" y="2852936"/>
+            <a:ext cx="1656184" cy="338554"/>
+          </a:xfrm>
+          <a:prstGeom prst="rect">
+            <a:avLst/>
+          </a:prstGeom>
+          <a:noFill/>
+        </p:spPr>
+        <p:txBody>
+          <a:bodyPr wrap="square" rtlCol="0">
+            <a:spAutoFit/>
+          </a:bodyPr>
+          <a:lstStyle/>
+          <a:p>
+            <a:r>
+              <a:rPr lang="ru-RU" sz="1600" b="1" dirty="0" smtClean="0"/>
+              <a:t>ФИО заказчика:</a:t>
+            </a:r>
+            <a:endParaRPr lang="ru-RU" sz="1600" b="1" dirty="0"/>
+          </a:p>
+        </p:txBody>
+      </p:sp>
+      <p:sp>
+        <p:nvSpPr>
+          <p:cNvPr id="37" name="TextBox 36"/>
+          <p:cNvSpPr txBox="1"/>
+          <p:nvPr/>
+        </p:nvSpPr>
+        <p:spPr>
+          <a:xfrm>
+            <a:off x="3491880" y="3142557"/>
+            <a:ext cx="1440160" cy="584775"/>
+          </a:xfrm>
+          <a:prstGeom prst="rect">
+            <a:avLst/>
+          </a:prstGeom>
+          <a:noFill/>
+        </p:spPr>
+        <p:txBody>
+          <a:bodyPr wrap="square" rtlCol="0">
+            <a:spAutoFit/>
+          </a:bodyPr>
+          <a:lstStyle/>
+          <a:p>
+            <a:r>
+              <a:rPr lang="ru-RU" sz="1600" b="1" dirty="0" smtClean="0"/>
+              <a:t>Контактный телефон:</a:t>
+            </a:r>
+            <a:endParaRPr lang="ru-RU" sz="1600" b="1" dirty="0"/>
+          </a:p>
+        </p:txBody>
+      </p:sp>
+      <p:sp>
+        <p:nvSpPr>
+          <p:cNvPr id="38" name="Прямоугольник 37"/>
+          <p:cNvSpPr/>
+          <p:nvPr/>
+        </p:nvSpPr>
+        <p:spPr>
+          <a:xfrm>
+            <a:off x="5148064" y="3316221"/>
+            <a:ext cx="2952328" cy="336612"/>
+          </a:xfrm>
+          <a:prstGeom prst="rect">
+            <a:avLst/>
+          </a:prstGeom>
+          <a:solidFill>
+            <a:schemeClr val="accent2">
+              <a:alpha val="42000"/>
+            </a:schemeClr>
+          </a:solidFill>
+          <a:ln>
+            <a:solidFill>
+              <a:schemeClr val="accent2"/>
+            </a:solidFill>
+          </a:ln>
+        </p:spPr>
+        <p:style>
+          <a:lnRef idx="2">
+            <a:schemeClr val="accent1">
+              <a:shade val="50000"/>
+            </a:schemeClr>
+          </a:lnRef>
+          <a:fillRef idx="1">
+            <a:schemeClr val="accent1"/>
+          </a:fillRef>
+          <a:effectRef idx="0">
+            <a:schemeClr val="accent1"/>
+          </a:effectRef>
+          <a:fontRef idx="minor">
+            <a:schemeClr val="lt1"/>
+          </a:fontRef>
+        </p:style>
+        <p:txBody>
+          <a:bodyPr rtlCol="0" anchor="ctr"/>
+          <a:lstStyle/>
+          <a:p>
+            <a:pPr algn="ctr"/>
+            <a:endParaRPr lang="ru-RU"/>
+          </a:p>
+        </p:txBody>
+      </p:sp>
+      <p:sp>
+        <p:nvSpPr>
+          <p:cNvPr id="39" name="Прямоугольник 38"/>
+          <p:cNvSpPr/>
+          <p:nvPr/>
+        </p:nvSpPr>
+        <p:spPr>
+          <a:xfrm>
+            <a:off x="5148064" y="2905323"/>
+            <a:ext cx="2952328" cy="336612"/>
+          </a:xfrm>
+          <a:prstGeom prst="rect">
+            <a:avLst/>
+          </a:prstGeom>
+          <a:solidFill>
+            <a:schemeClr val="accent2">
+              <a:alpha val="42000"/>
+            </a:schemeClr>
+          </a:solidFill>
+          <a:ln>
+            <a:solidFill>
+              <a:schemeClr val="accent2"/>
+            </a:solidFill>
+          </a:ln>
+        </p:spPr>
+        <p:style>
+          <a:lnRef idx="2">
+            <a:schemeClr val="accent1">
+              <a:shade val="50000"/>
+            </a:schemeClr>
+          </a:lnRef>
+          <a:fillRef idx="1">
+            <a:schemeClr val="accent1"/>
+          </a:fillRef>
+          <a:effectRef idx="0">
+            <a:schemeClr val="accent1"/>
+          </a:effectRef>
+          <a:fontRef idx="minor">
+            <a:schemeClr val="lt1"/>
+          </a:fontRef>
+        </p:style>
+        <p:txBody>
+          <a:bodyPr rtlCol="0" anchor="ctr"/>
+          <a:lstStyle/>
+          <a:p>
+            <a:pPr algn="ctr"/>
+            <a:endParaRPr lang="ru-RU"/>
+          </a:p>
+        </p:txBody>
+      </p:sp>
+      <p:sp>
+        <p:nvSpPr>
+          <p:cNvPr id="40" name="Багетная рамка 39"/>
+          <p:cNvSpPr/>
+          <p:nvPr/>
+        </p:nvSpPr>
+        <p:spPr>
+          <a:xfrm>
+            <a:off x="5220072" y="4221088"/>
+            <a:ext cx="3024336" cy="680325"/>
+          </a:xfrm>
+          <a:prstGeom prst="bevel">
+            <a:avLst/>
+          </a:prstGeom>
+          <a:solidFill>
+            <a:schemeClr val="accent2">
+              <a:alpha val="67000"/>
+            </a:schemeClr>
+          </a:solidFill>
+          <a:ln>
+            <a:solidFill>
+              <a:schemeClr val="accent2"/>
+            </a:solidFill>
+          </a:ln>
+        </p:spPr>
+        <p:style>
+          <a:lnRef idx="2">
+            <a:schemeClr val="accent1">
+              <a:shade val="50000"/>
+            </a:schemeClr>
+          </a:lnRef>
+          <a:fillRef idx="1">
+            <a:schemeClr val="accent1"/>
+          </a:fillRef>
+          <a:effectRef idx="0">
+            <a:schemeClr val="accent1"/>
+          </a:effectRef>
+          <a:fontRef idx="minor">
+            <a:schemeClr val="lt1"/>
+          </a:fontRef>
+        </p:style>
+        <p:txBody>
+          <a:bodyPr rtlCol="0" anchor="ctr"/>
+          <a:lstStyle/>
+          <a:p>
+            <a:pPr algn="ctr"/>
+            <a:endParaRPr lang="ru-RU"/>
+          </a:p>
+        </p:txBody>
+      </p:sp>
+      <p:sp>
+        <p:nvSpPr>
+          <p:cNvPr id="41" name="TextBox 40"/>
+          <p:cNvSpPr txBox="1"/>
+          <p:nvPr/>
+        </p:nvSpPr>
+        <p:spPr>
+          <a:xfrm>
+            <a:off x="5292080" y="4408245"/>
+            <a:ext cx="2821995" cy="338554"/>
+          </a:xfrm>
+          <a:prstGeom prst="rect">
+            <a:avLst/>
+          </a:prstGeom>
+          <a:noFill/>
+        </p:spPr>
+        <p:txBody>
+          <a:bodyPr wrap="square" rtlCol="0">
+            <a:spAutoFit/>
+          </a:bodyPr>
+          <a:lstStyle/>
+          <a:p>
+            <a:pPr algn="ctr"/>
+            <a:r>
+              <a:rPr lang="ru-RU" sz="1600" dirty="0" smtClean="0">
+                <a:effectLst>
+                  <a:outerShdw blurRad="38100" dist="38100" dir="2700000" algn="tl">
+                    <a:srgbClr val="000000">
+                      <a:alpha val="43137"/>
+                    </a:srgbClr>
+                  </a:outerShdw>
+                </a:effectLst>
+              </a:rPr>
+              <a:t>НАЙТИ ЗАКАЗ</a:t>
+            </a:r>
+            <a:endParaRPr lang="ru-RU" sz="1600" dirty="0">
+              <a:effectLst>
+                <a:outerShdw blurRad="38100" dist="38100" dir="2700000" algn="tl">
+                  <a:srgbClr val="000000">
+                    <a:alpha val="43137"/>
+                  </a:srgbClr>
+                </a:outerShdw>
+              </a:effectLst>
+            </a:endParaRPr>
+          </a:p>
+        </p:txBody>
+      </p:sp>
+    </p:spTree>
+    <p:extLst>
+      <p:ext uri="{BB962C8B-B14F-4D97-AF65-F5344CB8AC3E}">
+        <p14:creationId xmlns:p14="http://schemas.microsoft.com/office/powerpoint/2010/main" val="1857293061"/>
+      </p:ext>
+    </p:extLst>
+  </p:cSld>
+  <p:clrMapOvr>
+    <a:masterClrMapping/>
+  </p:clrMapOvr>
+  <p:timing>
+    <p:tnLst>
+      <p:par>
+        <p:cTn id="1" dur="indefinite" restart="never" nodeType="tmRoot"/>
+      </p:par>
+    </p:tnLst>
+  </p:timing>
+</p:sld>
+</file>
+
+<file path=ppt/slides/slide26.xml><?xml version="1.0" encoding="utf-8"?>
+<p:sld xmlns:a="http://schemas.openxmlformats.org/drawingml/2006/main" xmlns:r="http://schemas.openxmlformats.org/officeDocument/2006/relationships" xmlns:p="http://schemas.openxmlformats.org/presentationml/2006/main">
+  <p:cSld>
+    <p:spTree>
+      <p:nvGrpSpPr>
+        <p:cNvPr id="1" name=""/>
+        <p:cNvGrpSpPr/>
+        <p:nvPr/>
+      </p:nvGrpSpPr>
+      <p:grpSpPr>
+        <a:xfrm>
+          <a:off x="0" y="0"/>
+          <a:ext cx="0" cy="0"/>
+          <a:chOff x="0" y="0"/>
+          <a:chExt cx="0" cy="0"/>
+        </a:xfrm>
+      </p:grpSpPr>
+      <p:sp>
+        <p:nvSpPr>
+          <p:cNvPr id="28" name="Заголовок 1"/>
+          <p:cNvSpPr>
+            <a:spLocks noGrp="1"/>
+          </p:cNvSpPr>
+          <p:nvPr>
+            <p:ph type="title"/>
+          </p:nvPr>
+        </p:nvSpPr>
+        <p:spPr>
+          <a:xfrm>
+            <a:off x="0" y="402720"/>
+            <a:ext cx="9144000" cy="491963"/>
+          </a:xfrm>
+          <a:solidFill>
+            <a:schemeClr val="accent2">
+              <a:lumMod val="60000"/>
+              <a:lumOff val="40000"/>
+              <a:alpha val="19000"/>
+            </a:schemeClr>
+          </a:solidFill>
+        </p:spPr>
+        <p:txBody>
+          <a:bodyPr>
+            <a:noAutofit/>
+          </a:bodyPr>
+          <a:lstStyle/>
+          <a:p>
+            <a:r>
+              <a:rPr lang="uk-UA" sz="3200" dirty="0" err="1" smtClean="0">
+                <a:effectLst>
+                  <a:outerShdw blurRad="38100" dist="38100" dir="2700000" algn="tl">
+                    <a:srgbClr val="000000">
+                      <a:alpha val="43137"/>
+                    </a:srgbClr>
+                  </a:outerShdw>
+                </a:effectLst>
+              </a:rPr>
+              <a:t>Информация</a:t>
+            </a:r>
+            <a:r>
+              <a:rPr lang="uk-UA" sz="3200" dirty="0" smtClean="0">
+                <a:effectLst>
+                  <a:outerShdw blurRad="38100" dist="38100" dir="2700000" algn="tl">
+                    <a:srgbClr val="000000">
+                      <a:alpha val="43137"/>
+                    </a:srgbClr>
+                  </a:outerShdw>
+                </a:effectLst>
+              </a:rPr>
+              <a:t> о существующем </a:t>
+            </a:r>
+            <a:r>
+              <a:rPr lang="uk-UA" sz="3200" dirty="0" err="1" smtClean="0">
+                <a:effectLst>
+                  <a:outerShdw blurRad="38100" dist="38100" dir="2700000" algn="tl">
+                    <a:srgbClr val="000000">
+                      <a:alpha val="43137"/>
+                    </a:srgbClr>
+                  </a:outerShdw>
+                </a:effectLst>
+              </a:rPr>
+              <a:t>заказе</a:t>
+            </a:r>
+            <a:endParaRPr lang="ru-RU" sz="3200" dirty="0">
+              <a:effectLst>
+                <a:outerShdw blurRad="38100" dist="38100" dir="2700000" algn="tl">
+                  <a:srgbClr val="000000">
+                    <a:alpha val="43137"/>
+                  </a:srgbClr>
+                </a:outerShdw>
+              </a:effectLst>
+            </a:endParaRPr>
+          </a:p>
+        </p:txBody>
+      </p:sp>
+      <p:sp>
+        <p:nvSpPr>
+          <p:cNvPr id="15" name="Прямоугольник 14"/>
+          <p:cNvSpPr/>
+          <p:nvPr/>
+        </p:nvSpPr>
+        <p:spPr>
+          <a:xfrm>
+            <a:off x="624054" y="1793389"/>
+            <a:ext cx="2952328" cy="3579827"/>
+          </a:xfrm>
+          <a:prstGeom prst="rect">
+            <a:avLst/>
+          </a:prstGeom>
+          <a:solidFill>
+            <a:schemeClr val="accent2">
+              <a:alpha val="52000"/>
+            </a:schemeClr>
+          </a:solidFill>
+          <a:ln>
+            <a:solidFill>
+              <a:schemeClr val="accent2"/>
+            </a:solidFill>
+          </a:ln>
+        </p:spPr>
+        <p:style>
+          <a:lnRef idx="2">
+            <a:schemeClr val="accent1">
+              <a:shade val="50000"/>
+            </a:schemeClr>
+          </a:lnRef>
+          <a:fillRef idx="1">
+            <a:schemeClr val="accent1"/>
+          </a:fillRef>
+          <a:effectRef idx="0">
+            <a:schemeClr val="accent1"/>
+          </a:effectRef>
+          <a:fontRef idx="minor">
+            <a:schemeClr val="lt1"/>
+          </a:fontRef>
+        </p:style>
+        <p:txBody>
+          <a:bodyPr rtlCol="0" anchor="ctr"/>
+          <a:lstStyle/>
+          <a:p>
+            <a:pPr algn="ctr"/>
+            <a:endParaRPr lang="ru-RU"/>
+          </a:p>
+        </p:txBody>
+      </p:sp>
+      <p:cxnSp>
+        <p:nvCxnSpPr>
+          <p:cNvPr id="16" name="Прямая соединительная линия 15"/>
+          <p:cNvCxnSpPr/>
+          <p:nvPr/>
+        </p:nvCxnSpPr>
+        <p:spPr>
+          <a:xfrm>
+            <a:off x="611559" y="2353734"/>
+            <a:ext cx="2952328" cy="0"/>
+          </a:xfrm>
+          <a:prstGeom prst="line">
+            <a:avLst/>
+          </a:prstGeom>
+          <a:ln>
+            <a:solidFill>
+              <a:schemeClr val="accent2"/>
+            </a:solidFill>
+          </a:ln>
+        </p:spPr>
+        <p:style>
+          <a:lnRef idx="1">
+            <a:schemeClr val="accent1"/>
+          </a:lnRef>
+          <a:fillRef idx="0">
+            <a:schemeClr val="accent1"/>
+          </a:fillRef>
+          <a:effectRef idx="0">
+            <a:schemeClr val="accent1"/>
+          </a:effectRef>
+          <a:fontRef idx="minor">
+            <a:schemeClr val="tx1"/>
+          </a:fontRef>
+        </p:style>
+      </p:cxnSp>
+      <p:sp>
+        <p:nvSpPr>
+          <p:cNvPr id="17" name="TextBox 16"/>
+          <p:cNvSpPr txBox="1"/>
+          <p:nvPr/>
+        </p:nvSpPr>
+        <p:spPr>
+          <a:xfrm>
+            <a:off x="1295635" y="1819464"/>
+            <a:ext cx="1584176" cy="461665"/>
+          </a:xfrm>
+          <a:prstGeom prst="rect">
+            <a:avLst/>
+          </a:prstGeom>
+          <a:noFill/>
+        </p:spPr>
+        <p:txBody>
+          <a:bodyPr wrap="square" rtlCol="0">
+            <a:spAutoFit/>
+          </a:bodyPr>
+          <a:lstStyle/>
+          <a:p>
+            <a:r>
+              <a:rPr lang="ru-RU" sz="2400" b="1" i="1" dirty="0" smtClean="0">
+                <a:effectLst>
+                  <a:outerShdw blurRad="38100" dist="38100" dir="2700000" algn="tl">
+                    <a:srgbClr val="000000">
+                      <a:alpha val="43137"/>
+                    </a:srgbClr>
+                  </a:outerShdw>
+                </a:effectLst>
+              </a:rPr>
+              <a:t>О ЗАКАЗЕ</a:t>
+            </a:r>
+            <a:endParaRPr lang="ru-RU" sz="2400" b="1" i="1" dirty="0">
+              <a:effectLst>
+                <a:outerShdw blurRad="38100" dist="38100" dir="2700000" algn="tl">
+                  <a:srgbClr val="000000">
+                    <a:alpha val="43137"/>
+                  </a:srgbClr>
+                </a:outerShdw>
+              </a:effectLst>
+            </a:endParaRPr>
+          </a:p>
+        </p:txBody>
+      </p:sp>
+      <p:sp>
+        <p:nvSpPr>
+          <p:cNvPr id="18" name="TextBox 17"/>
+          <p:cNvSpPr txBox="1"/>
+          <p:nvPr/>
+        </p:nvSpPr>
+        <p:spPr>
+          <a:xfrm>
+            <a:off x="624054" y="2630807"/>
+            <a:ext cx="1980220" cy="338554"/>
+          </a:xfrm>
+          <a:prstGeom prst="rect">
+            <a:avLst/>
+          </a:prstGeom>
+          <a:noFill/>
+        </p:spPr>
+        <p:txBody>
+          <a:bodyPr wrap="square" rtlCol="0">
+            <a:spAutoFit/>
+          </a:bodyPr>
+          <a:lstStyle/>
+          <a:p>
+            <a:r>
+              <a:rPr lang="ru-RU" sz="1600" b="1" dirty="0" smtClean="0"/>
+              <a:t>Наименование:    …</a:t>
+            </a:r>
+            <a:endParaRPr lang="ru-RU" sz="1600" b="1" dirty="0"/>
+          </a:p>
+        </p:txBody>
+      </p:sp>
+      <p:sp>
+        <p:nvSpPr>
+          <p:cNvPr id="19" name="TextBox 18"/>
+          <p:cNvSpPr txBox="1"/>
+          <p:nvPr/>
+        </p:nvSpPr>
+        <p:spPr>
+          <a:xfrm>
+            <a:off x="624053" y="3013948"/>
+            <a:ext cx="2435777" cy="338554"/>
+          </a:xfrm>
+          <a:prstGeom prst="rect">
+            <a:avLst/>
+          </a:prstGeom>
+          <a:noFill/>
+        </p:spPr>
+        <p:txBody>
+          <a:bodyPr wrap="square" rtlCol="0">
+            <a:spAutoFit/>
+          </a:bodyPr>
+          <a:lstStyle/>
+          <a:p>
+            <a:r>
+              <a:rPr lang="ru-RU" sz="1600" b="1" dirty="0" smtClean="0"/>
+              <a:t>Дата оформления:   …</a:t>
+            </a:r>
+            <a:endParaRPr lang="ru-RU" sz="1600" b="1" dirty="0"/>
+          </a:p>
+        </p:txBody>
+      </p:sp>
+      <p:sp>
+        <p:nvSpPr>
+          <p:cNvPr id="20" name="TextBox 19"/>
+          <p:cNvSpPr txBox="1"/>
+          <p:nvPr/>
+        </p:nvSpPr>
+        <p:spPr>
+          <a:xfrm>
+            <a:off x="611559" y="3363048"/>
+            <a:ext cx="1980220" cy="338554"/>
+          </a:xfrm>
+          <a:prstGeom prst="rect">
+            <a:avLst/>
+          </a:prstGeom>
+          <a:noFill/>
+        </p:spPr>
+        <p:txBody>
+          <a:bodyPr wrap="square" rtlCol="0">
+            <a:spAutoFit/>
+          </a:bodyPr>
+          <a:lstStyle/>
+          <a:p>
+            <a:r>
+              <a:rPr lang="ru-RU" sz="1600" b="1" dirty="0" smtClean="0"/>
+              <a:t>Текущий статус:   ...</a:t>
+            </a:r>
+            <a:endParaRPr lang="ru-RU" sz="1600" b="1" dirty="0"/>
+          </a:p>
+        </p:txBody>
+      </p:sp>
+      <p:sp>
+        <p:nvSpPr>
+          <p:cNvPr id="21" name="TextBox 20"/>
+          <p:cNvSpPr txBox="1"/>
+          <p:nvPr/>
+        </p:nvSpPr>
+        <p:spPr>
+          <a:xfrm>
+            <a:off x="611559" y="3714077"/>
+            <a:ext cx="1980220" cy="584775"/>
+          </a:xfrm>
+          <a:prstGeom prst="rect">
+            <a:avLst/>
+          </a:prstGeom>
+          <a:noFill/>
+        </p:spPr>
+        <p:txBody>
+          <a:bodyPr wrap="square" rtlCol="0">
+            <a:spAutoFit/>
+          </a:bodyPr>
+          <a:lstStyle/>
+          <a:p>
+            <a:r>
+              <a:rPr lang="ru-RU" sz="1600" b="1" dirty="0" smtClean="0"/>
+              <a:t>Прогнозируемая дата поставки:  …</a:t>
+            </a:r>
+            <a:endParaRPr lang="ru-RU" sz="1600" b="1" dirty="0"/>
+          </a:p>
+        </p:txBody>
+      </p:sp>
+      <p:sp>
+        <p:nvSpPr>
+          <p:cNvPr id="22" name="TextBox 21"/>
+          <p:cNvSpPr txBox="1"/>
+          <p:nvPr/>
+        </p:nvSpPr>
+        <p:spPr>
+          <a:xfrm>
+            <a:off x="611559" y="4297473"/>
+            <a:ext cx="1980220" cy="338554"/>
+          </a:xfrm>
+          <a:prstGeom prst="rect">
+            <a:avLst/>
+          </a:prstGeom>
+          <a:noFill/>
+        </p:spPr>
+        <p:txBody>
+          <a:bodyPr wrap="square" rtlCol="0">
+            <a:spAutoFit/>
+          </a:bodyPr>
+          <a:lstStyle/>
+          <a:p>
+            <a:r>
+              <a:rPr lang="ru-RU" sz="1600" b="1" dirty="0" smtClean="0"/>
+              <a:t>К оплате:     …</a:t>
+            </a:r>
+            <a:endParaRPr lang="ru-RU" sz="1600" b="1" dirty="0"/>
+          </a:p>
+        </p:txBody>
+      </p:sp>
+      <p:sp>
+        <p:nvSpPr>
+          <p:cNvPr id="23" name="Прямоугольник 22"/>
+          <p:cNvSpPr/>
+          <p:nvPr/>
+        </p:nvSpPr>
+        <p:spPr>
+          <a:xfrm>
+            <a:off x="4211960" y="1764105"/>
+            <a:ext cx="3744416" cy="3609111"/>
+          </a:xfrm>
+          <a:prstGeom prst="rect">
+            <a:avLst/>
+          </a:prstGeom>
+          <a:solidFill>
+            <a:schemeClr val="accent2">
+              <a:alpha val="52000"/>
+            </a:schemeClr>
+          </a:solidFill>
+          <a:ln>
+            <a:solidFill>
+              <a:schemeClr val="accent2"/>
+            </a:solidFill>
+          </a:ln>
+        </p:spPr>
+        <p:style>
+          <a:lnRef idx="2">
+            <a:schemeClr val="accent1">
+              <a:shade val="50000"/>
+            </a:schemeClr>
+          </a:lnRef>
+          <a:fillRef idx="1">
+            <a:schemeClr val="accent1"/>
+          </a:fillRef>
+          <a:effectRef idx="0">
+            <a:schemeClr val="accent1"/>
+          </a:effectRef>
+          <a:fontRef idx="minor">
+            <a:schemeClr val="lt1"/>
+          </a:fontRef>
+        </p:style>
+        <p:txBody>
+          <a:bodyPr rtlCol="0" anchor="ctr"/>
+          <a:lstStyle/>
+          <a:p>
+            <a:pPr algn="ctr"/>
+            <a:endParaRPr lang="ru-RU"/>
+          </a:p>
+        </p:txBody>
+      </p:sp>
+      <p:sp>
+        <p:nvSpPr>
+          <p:cNvPr id="24" name="TextBox 23"/>
+          <p:cNvSpPr txBox="1"/>
+          <p:nvPr/>
+        </p:nvSpPr>
+        <p:spPr>
+          <a:xfrm>
+            <a:off x="4211961" y="1934197"/>
+            <a:ext cx="3672406" cy="461665"/>
+          </a:xfrm>
+          <a:prstGeom prst="rect">
+            <a:avLst/>
+          </a:prstGeom>
+          <a:noFill/>
+        </p:spPr>
+        <p:txBody>
+          <a:bodyPr wrap="square" rtlCol="0">
+            <a:spAutoFit/>
+          </a:bodyPr>
+          <a:lstStyle/>
+          <a:p>
+            <a:pPr algn="ctr"/>
+            <a:r>
+              <a:rPr lang="ru-RU" sz="2400" b="1" i="1" dirty="0" smtClean="0">
+                <a:effectLst>
+                  <a:outerShdw blurRad="38100" dist="38100" dir="2700000" algn="tl">
+                    <a:srgbClr val="000000">
+                      <a:alpha val="43137"/>
+                    </a:srgbClr>
+                  </a:outerShdw>
+                </a:effectLst>
+              </a:rPr>
+              <a:t>ОТСЛЕДИТЬ</a:t>
+            </a:r>
+            <a:endParaRPr lang="ru-RU" sz="2400" b="1" i="1" dirty="0">
+              <a:effectLst>
+                <a:outerShdw blurRad="38100" dist="38100" dir="2700000" algn="tl">
+                  <a:srgbClr val="000000">
+                    <a:alpha val="43137"/>
+                  </a:srgbClr>
+                </a:outerShdw>
+              </a:effectLst>
+            </a:endParaRPr>
+          </a:p>
+        </p:txBody>
+      </p:sp>
+      <p:cxnSp>
+        <p:nvCxnSpPr>
+          <p:cNvPr id="25" name="Прямая соединительная линия 24"/>
+          <p:cNvCxnSpPr/>
+          <p:nvPr/>
+        </p:nvCxnSpPr>
+        <p:spPr>
+          <a:xfrm>
+            <a:off x="4211961" y="2442392"/>
+            <a:ext cx="3672406" cy="0"/>
+          </a:xfrm>
+          <a:prstGeom prst="line">
+            <a:avLst/>
+          </a:prstGeom>
+          <a:ln>
+            <a:solidFill>
+              <a:schemeClr val="accent2"/>
+            </a:solidFill>
+          </a:ln>
+        </p:spPr>
+        <p:style>
+          <a:lnRef idx="1">
+            <a:schemeClr val="accent1"/>
+          </a:lnRef>
+          <a:fillRef idx="0">
+            <a:schemeClr val="accent1"/>
+          </a:fillRef>
+          <a:effectRef idx="0">
+            <a:schemeClr val="accent1"/>
+          </a:effectRef>
+          <a:fontRef idx="minor">
+            <a:schemeClr val="tx1"/>
+          </a:fontRef>
+        </p:style>
+      </p:cxnSp>
+      <p:pic>
+        <p:nvPicPr>
+          <p:cNvPr id="26" name="Picture 4" descr="Картинки по запросу иконка карта"/>
+          <p:cNvPicPr>
+            <a:picLocks noChangeAspect="1" noChangeArrowheads="1"/>
+          </p:cNvPicPr>
+          <p:nvPr/>
+        </p:nvPicPr>
+        <p:blipFill>
+          <a:blip r:embed="rId2">
+            <a:extLst>
+              <a:ext uri="{28A0092B-C50C-407E-A947-70E740481C1C}">
+                <a14:useLocalDpi xmlns:a14="http://schemas.microsoft.com/office/drawing/2010/main" val="0"/>
+              </a:ext>
+            </a:extLst>
+          </a:blip>
+          <a:srcRect/>
+          <a:stretch>
+            <a:fillRect/>
+          </a:stretch>
+        </p:blipFill>
+        <p:spPr bwMode="auto">
+          <a:xfrm>
+            <a:off x="4271842" y="2556194"/>
+            <a:ext cx="3612526" cy="2736304"/>
+          </a:xfrm>
+          <a:prstGeom prst="rect">
+            <a:avLst/>
+          </a:prstGeom>
+          <a:noFill/>
+          <a:extLst>
+            <a:ext uri="{909E8E84-426E-40DD-AFC4-6F175D3DCCD1}">
+              <a14:hiddenFill xmlns:a14="http://schemas.microsoft.com/office/drawing/2010/main">
+                <a:solidFill>
+                  <a:srgbClr val="FFFFFF"/>
+                </a:solidFill>
+              </a14:hiddenFill>
+            </a:ext>
+          </a:extLst>
+        </p:spPr>
+      </p:pic>
+      <p:sp>
+        <p:nvSpPr>
+          <p:cNvPr id="27" name="TextBox 26"/>
+          <p:cNvSpPr txBox="1"/>
+          <p:nvPr/>
+        </p:nvSpPr>
+        <p:spPr>
+          <a:xfrm>
+            <a:off x="611560" y="4653136"/>
+            <a:ext cx="1980220" cy="584775"/>
+          </a:xfrm>
+          <a:prstGeom prst="rect">
+            <a:avLst/>
+          </a:prstGeom>
+          <a:noFill/>
+        </p:spPr>
+        <p:txBody>
+          <a:bodyPr wrap="square" rtlCol="0">
+            <a:spAutoFit/>
+          </a:bodyPr>
+          <a:lstStyle/>
+          <a:p>
+            <a:r>
+              <a:rPr lang="ru-RU" sz="1600" b="1" dirty="0" smtClean="0"/>
+              <a:t>Ответственный курьер</a:t>
+            </a:r>
+            <a:r>
+              <a:rPr lang="ru-RU" sz="1600" b="1" dirty="0" smtClean="0"/>
+              <a:t>:     </a:t>
+            </a:r>
+            <a:r>
+              <a:rPr lang="ru-RU" sz="1600" b="1" dirty="0" smtClean="0"/>
+              <a:t>…</a:t>
+            </a:r>
+            <a:endParaRPr lang="ru-RU" sz="1600" b="1" dirty="0"/>
+          </a:p>
+        </p:txBody>
+      </p:sp>
+    </p:spTree>
+    <p:extLst>
+      <p:ext uri="{BB962C8B-B14F-4D97-AF65-F5344CB8AC3E}">
+        <p14:creationId xmlns:p14="http://schemas.microsoft.com/office/powerpoint/2010/main" val="3119562625"/>
       </p:ext>
     </p:extLst>
   </p:cSld>
